--- a/my-tutorials/Deep Learning.pptx
+++ b/my-tutorials/Deep Learning.pptx
@@ -7,6 +7,14 @@
   <p:sldIdLst>
     <p:sldId id="256" r:id="rId2"/>
     <p:sldId id="257" r:id="rId3"/>
+    <p:sldId id="258" r:id="rId4"/>
+    <p:sldId id="259" r:id="rId5"/>
+    <p:sldId id="260" r:id="rId6"/>
+    <p:sldId id="261" r:id="rId7"/>
+    <p:sldId id="262" r:id="rId8"/>
+    <p:sldId id="263" r:id="rId9"/>
+    <p:sldId id="264" r:id="rId10"/>
+    <p:sldId id="265" r:id="rId11"/>
   </p:sldIdLst>
   <p:sldSz cx="12192000" cy="6858000"/>
   <p:notesSz cx="6858000" cy="9144000"/>
@@ -105,6 +113,11 @@
       </a:defRPr>
     </a:lvl9pPr>
   </p:defaultTextStyle>
+  <p:extLst>
+    <p:ext uri="{EFAFB233-063F-42B5-8137-9DF3F51BA10A}">
+      <p15:sldGuideLst xmlns:p15="http://schemas.microsoft.com/office/powerpoint/2012/main"/>
+    </p:ext>
+  </p:extLst>
 </p:presentation>
 </file>
 
@@ -511,7 +524,7 @@
           <a:p>
             <a:fld id="{71A4C5A7-72D1-45F9-A45E-C0F90CCD81CA}" type="datetimeFigureOut">
               <a:rPr lang="en-US" smtClean="0"/>
-              <a:t>2/24/2024</a:t>
+              <a:t>4/29/2024</a:t>
             </a:fld>
             <a:endParaRPr lang="en-US"/>
           </a:p>
@@ -690,7 +703,7 @@
           <a:p>
             <a:fld id="{71A4C5A7-72D1-45F9-A45E-C0F90CCD81CA}" type="datetimeFigureOut">
               <a:rPr lang="en-US" smtClean="0"/>
-              <a:t>2/24/2024</a:t>
+              <a:t>4/29/2024</a:t>
             </a:fld>
             <a:endParaRPr lang="en-US"/>
           </a:p>
@@ -870,7 +883,7 @@
           <a:p>
             <a:fld id="{71A4C5A7-72D1-45F9-A45E-C0F90CCD81CA}" type="datetimeFigureOut">
               <a:rPr lang="en-US" smtClean="0"/>
-              <a:t>2/24/2024</a:t>
+              <a:t>4/29/2024</a:t>
             </a:fld>
             <a:endParaRPr lang="en-US"/>
           </a:p>
@@ -1040,7 +1053,7 @@
           <a:p>
             <a:fld id="{71A4C5A7-72D1-45F9-A45E-C0F90CCD81CA}" type="datetimeFigureOut">
               <a:rPr lang="en-US" smtClean="0"/>
-              <a:t>2/24/2024</a:t>
+              <a:t>4/29/2024</a:t>
             </a:fld>
             <a:endParaRPr lang="en-US"/>
           </a:p>
@@ -1353,7 +1366,7 @@
           <a:p>
             <a:fld id="{71A4C5A7-72D1-45F9-A45E-C0F90CCD81CA}" type="datetimeFigureOut">
               <a:rPr lang="en-US" smtClean="0"/>
-              <a:t>2/24/2024</a:t>
+              <a:t>4/29/2024</a:t>
             </a:fld>
             <a:endParaRPr lang="en-US"/>
           </a:p>
@@ -1739,7 +1752,7 @@
           <a:p>
             <a:fld id="{71A4C5A7-72D1-45F9-A45E-C0F90CCD81CA}" type="datetimeFigureOut">
               <a:rPr lang="en-US" smtClean="0"/>
-              <a:t>2/24/2024</a:t>
+              <a:t>4/29/2024</a:t>
             </a:fld>
             <a:endParaRPr lang="en-US"/>
           </a:p>
@@ -2173,7 +2186,7 @@
           <a:p>
             <a:fld id="{71A4C5A7-72D1-45F9-A45E-C0F90CCD81CA}" type="datetimeFigureOut">
               <a:rPr lang="en-US" smtClean="0"/>
-              <a:t>2/24/2024</a:t>
+              <a:t>4/29/2024</a:t>
             </a:fld>
             <a:endParaRPr lang="en-US"/>
           </a:p>
@@ -2291,7 +2304,7 @@
           <a:p>
             <a:fld id="{71A4C5A7-72D1-45F9-A45E-C0F90CCD81CA}" type="datetimeFigureOut">
               <a:rPr lang="en-US" smtClean="0"/>
-              <a:t>2/24/2024</a:t>
+              <a:t>4/29/2024</a:t>
             </a:fld>
             <a:endParaRPr lang="en-US"/>
           </a:p>
@@ -2386,7 +2399,7 @@
           <a:p>
             <a:fld id="{71A4C5A7-72D1-45F9-A45E-C0F90CCD81CA}" type="datetimeFigureOut">
               <a:rPr lang="en-US" smtClean="0"/>
-              <a:t>2/24/2024</a:t>
+              <a:t>4/29/2024</a:t>
             </a:fld>
             <a:endParaRPr lang="en-US"/>
           </a:p>
@@ -2736,7 +2749,7 @@
           <a:p>
             <a:fld id="{71A4C5A7-72D1-45F9-A45E-C0F90CCD81CA}" type="datetimeFigureOut">
               <a:rPr lang="en-US" smtClean="0"/>
-              <a:t>2/24/2024</a:t>
+              <a:t>4/29/2024</a:t>
             </a:fld>
             <a:endParaRPr lang="en-US"/>
           </a:p>
@@ -3160,7 +3173,7 @@
           <a:p>
             <a:fld id="{71A4C5A7-72D1-45F9-A45E-C0F90CCD81CA}" type="datetimeFigureOut">
               <a:rPr lang="en-US" smtClean="0"/>
-              <a:t>2/24/2024</a:t>
+              <a:t>4/29/2024</a:t>
             </a:fld>
             <a:endParaRPr lang="en-US"/>
           </a:p>
@@ -3441,7 +3454,7 @@
           <a:p>
             <a:fld id="{71A4C5A7-72D1-45F9-A45E-C0F90CCD81CA}" type="datetimeFigureOut">
               <a:rPr lang="en-US" smtClean="0"/>
-              <a:t>2/24/2024</a:t>
+              <a:t>4/29/2024</a:t>
             </a:fld>
             <a:endParaRPr lang="en-US"/>
           </a:p>
@@ -4088,6 +4101,64 @@
     <p:extLst>
       <p:ext uri="{BB962C8B-B14F-4D97-AF65-F5344CB8AC3E}">
         <p14:creationId xmlns:p14="http://schemas.microsoft.com/office/powerpoint/2010/main" val="4280154944"/>
+      </p:ext>
+    </p:extLst>
+  </p:cSld>
+  <p:clrMapOvr>
+    <a:masterClrMapping/>
+  </p:clrMapOvr>
+</p:sld>
+</file>
+
+<file path=ppt/slides/slide10.xml><?xml version="1.0" encoding="utf-8"?>
+<p:sld xmlns:a="http://schemas.openxmlformats.org/drawingml/2006/main" xmlns:r="http://schemas.openxmlformats.org/officeDocument/2006/relationships" xmlns:p="http://schemas.openxmlformats.org/presentationml/2006/main">
+  <p:cSld>
+    <p:spTree>
+      <p:nvGrpSpPr>
+        <p:cNvPr id="1" name=""/>
+        <p:cNvGrpSpPr/>
+        <p:nvPr/>
+      </p:nvGrpSpPr>
+      <p:grpSpPr>
+        <a:xfrm>
+          <a:off x="0" y="0"/>
+          <a:ext cx="0" cy="0"/>
+          <a:chOff x="0" y="0"/>
+          <a:chExt cx="0" cy="0"/>
+        </a:xfrm>
+      </p:grpSpPr>
+      <p:sp>
+        <p:nvSpPr>
+          <p:cNvPr id="2" name="Title 1">
+            <a:extLst>
+              <a:ext uri="{FF2B5EF4-FFF2-40B4-BE49-F238E27FC236}">
+                <a16:creationId xmlns:a16="http://schemas.microsoft.com/office/drawing/2014/main" id="{826E4B66-1507-41AF-A424-0E6A661A6D0B}"/>
+              </a:ext>
+            </a:extLst>
+          </p:cNvPr>
+          <p:cNvSpPr>
+            <a:spLocks noGrp="1"/>
+          </p:cNvSpPr>
+          <p:nvPr>
+            <p:ph type="title"/>
+          </p:nvPr>
+        </p:nvSpPr>
+        <p:spPr/>
+        <p:txBody>
+          <a:bodyPr/>
+          <a:lstStyle/>
+          <a:p>
+            <a:r>
+              <a:rPr lang="en-US"/>
+              <a:t>Unet</a:t>
+            </a:r>
+          </a:p>
+        </p:txBody>
+      </p:sp>
+    </p:spTree>
+    <p:extLst>
+      <p:ext uri="{BB962C8B-B14F-4D97-AF65-F5344CB8AC3E}">
+        <p14:creationId xmlns:p14="http://schemas.microsoft.com/office/powerpoint/2010/main" val="274799665"/>
       </p:ext>
     </p:extLst>
   </p:cSld>
@@ -8945,6 +9016,5421 @@
 </p:sld>
 </file>
 
+<file path=ppt/slides/slide3.xml><?xml version="1.0" encoding="utf-8"?>
+<p:sld xmlns:a="http://schemas.openxmlformats.org/drawingml/2006/main" xmlns:r="http://schemas.openxmlformats.org/officeDocument/2006/relationships" xmlns:p="http://schemas.openxmlformats.org/presentationml/2006/main">
+  <p:cSld>
+    <p:spTree>
+      <p:nvGrpSpPr>
+        <p:cNvPr id="1" name=""/>
+        <p:cNvGrpSpPr/>
+        <p:nvPr/>
+      </p:nvGrpSpPr>
+      <p:grpSpPr>
+        <a:xfrm>
+          <a:off x="0" y="0"/>
+          <a:ext cx="0" cy="0"/>
+          <a:chOff x="0" y="0"/>
+          <a:chExt cx="0" cy="0"/>
+        </a:xfrm>
+      </p:grpSpPr>
+      <p:sp>
+        <p:nvSpPr>
+          <p:cNvPr id="2" name="Title 1">
+            <a:extLst>
+              <a:ext uri="{FF2B5EF4-FFF2-40B4-BE49-F238E27FC236}">
+                <a16:creationId xmlns:a16="http://schemas.microsoft.com/office/drawing/2014/main" id="{FEEC8129-FD95-4FFD-BFE8-F1B8F897B3AB}"/>
+              </a:ext>
+            </a:extLst>
+          </p:cNvPr>
+          <p:cNvSpPr>
+            <a:spLocks noGrp="1"/>
+          </p:cNvSpPr>
+          <p:nvPr>
+            <p:ph type="title"/>
+          </p:nvPr>
+        </p:nvSpPr>
+        <p:spPr/>
+        <p:txBody>
+          <a:bodyPr/>
+          <a:lstStyle/>
+          <a:p>
+            <a:r>
+              <a:rPr lang="en-US"/>
+              <a:t>Word2Vec – Skip-Gram Model</a:t>
+            </a:r>
+          </a:p>
+        </p:txBody>
+      </p:sp>
+      <p:sp>
+        <p:nvSpPr>
+          <p:cNvPr id="4" name="TextBox 3">
+            <a:extLst>
+              <a:ext uri="{FF2B5EF4-FFF2-40B4-BE49-F238E27FC236}">
+                <a16:creationId xmlns:a16="http://schemas.microsoft.com/office/drawing/2014/main" id="{12FF9FF0-3AAE-445C-BB95-57634A8734BF}"/>
+              </a:ext>
+            </a:extLst>
+          </p:cNvPr>
+          <p:cNvSpPr txBox="1"/>
+          <p:nvPr/>
+        </p:nvSpPr>
+        <p:spPr>
+          <a:xfrm>
+            <a:off x="1063752" y="2024109"/>
+            <a:ext cx="3097323" cy="923330"/>
+          </a:xfrm>
+          <a:prstGeom prst="rect">
+            <a:avLst/>
+          </a:prstGeom>
+          <a:noFill/>
+        </p:spPr>
+        <p:txBody>
+          <a:bodyPr wrap="none" rtlCol="0">
+            <a:spAutoFit/>
+          </a:bodyPr>
+          <a:lstStyle/>
+          <a:p>
+            <a:r>
+              <a:rPr lang="en-US"/>
+              <a:t>I love to play cricket.</a:t>
+            </a:r>
+          </a:p>
+          <a:p>
+            <a:endParaRPr lang="en-US"/>
+          </a:p>
+          <a:p>
+            <a:r>
+              <a:rPr lang="en-US"/>
+              <a:t>  </a:t>
+            </a:r>
+            <a:r>
+              <a:rPr lang="en-US">
+                <a:solidFill>
+                  <a:srgbClr val="00B050"/>
+                </a:solidFill>
+              </a:rPr>
+              <a:t>context</a:t>
+            </a:r>
+            <a:r>
+              <a:rPr lang="en-US"/>
+              <a:t>      </a:t>
+            </a:r>
+            <a:r>
+              <a:rPr lang="en-US">
+                <a:solidFill>
+                  <a:schemeClr val="accent1"/>
+                </a:solidFill>
+              </a:rPr>
+              <a:t>target</a:t>
+            </a:r>
+          </a:p>
+        </p:txBody>
+      </p:sp>
+      <p:cxnSp>
+        <p:nvCxnSpPr>
+          <p:cNvPr id="6" name="Straight Arrow Connector 5">
+            <a:extLst>
+              <a:ext uri="{FF2B5EF4-FFF2-40B4-BE49-F238E27FC236}">
+                <a16:creationId xmlns:a16="http://schemas.microsoft.com/office/drawing/2014/main" id="{BBAC4176-D565-47F6-A684-89A8477A789E}"/>
+              </a:ext>
+            </a:extLst>
+          </p:cNvPr>
+          <p:cNvCxnSpPr/>
+          <p:nvPr/>
+        </p:nvCxnSpPr>
+        <p:spPr>
+          <a:xfrm flipV="1">
+            <a:off x="1819922" y="2299317"/>
+            <a:ext cx="0" cy="328473"/>
+          </a:xfrm>
+          <a:prstGeom prst="straightConnector1">
+            <a:avLst/>
+          </a:prstGeom>
+          <a:ln>
+            <a:solidFill>
+              <a:srgbClr val="00B050"/>
+            </a:solidFill>
+            <a:tailEnd type="triangle"/>
+          </a:ln>
+        </p:spPr>
+        <p:style>
+          <a:lnRef idx="1">
+            <a:schemeClr val="accent1"/>
+          </a:lnRef>
+          <a:fillRef idx="0">
+            <a:schemeClr val="accent1"/>
+          </a:fillRef>
+          <a:effectRef idx="0">
+            <a:schemeClr val="accent1"/>
+          </a:effectRef>
+          <a:fontRef idx="minor">
+            <a:schemeClr val="tx1"/>
+          </a:fontRef>
+        </p:style>
+      </p:cxnSp>
+      <p:cxnSp>
+        <p:nvCxnSpPr>
+          <p:cNvPr id="7" name="Straight Arrow Connector 6">
+            <a:extLst>
+              <a:ext uri="{FF2B5EF4-FFF2-40B4-BE49-F238E27FC236}">
+                <a16:creationId xmlns:a16="http://schemas.microsoft.com/office/drawing/2014/main" id="{B5DA2F90-129A-42CD-8905-6686219C0539}"/>
+              </a:ext>
+            </a:extLst>
+          </p:cNvPr>
+          <p:cNvCxnSpPr/>
+          <p:nvPr/>
+        </p:nvCxnSpPr>
+        <p:spPr>
+          <a:xfrm flipV="1">
+            <a:off x="3428260" y="2318578"/>
+            <a:ext cx="0" cy="328473"/>
+          </a:xfrm>
+          <a:prstGeom prst="straightConnector1">
+            <a:avLst/>
+          </a:prstGeom>
+          <a:ln>
+            <a:tailEnd type="triangle"/>
+          </a:ln>
+        </p:spPr>
+        <p:style>
+          <a:lnRef idx="1">
+            <a:schemeClr val="accent1"/>
+          </a:lnRef>
+          <a:fillRef idx="0">
+            <a:schemeClr val="accent1"/>
+          </a:fillRef>
+          <a:effectRef idx="0">
+            <a:schemeClr val="accent1"/>
+          </a:effectRef>
+          <a:fontRef idx="minor">
+            <a:schemeClr val="tx1"/>
+          </a:fontRef>
+        </p:style>
+      </p:cxnSp>
+      <mc:AlternateContent xmlns:mc="http://schemas.openxmlformats.org/markup-compatibility/2006" xmlns:a14="http://schemas.microsoft.com/office/drawing/2010/main">
+        <mc:Choice Requires="a14">
+          <p:sp>
+            <p:nvSpPr>
+              <p:cNvPr id="8" name="TextBox 7">
+                <a:extLst>
+                  <a:ext uri="{FF2B5EF4-FFF2-40B4-BE49-F238E27FC236}">
+                    <a16:creationId xmlns:a16="http://schemas.microsoft.com/office/drawing/2014/main" id="{3E66FF37-4955-4AE8-A85C-4844EBB07C73}"/>
+                  </a:ext>
+                </a:extLst>
+              </p:cNvPr>
+              <p:cNvSpPr txBox="1"/>
+              <p:nvPr/>
+            </p:nvSpPr>
+            <p:spPr>
+              <a:xfrm>
+                <a:off x="5335480" y="2024109"/>
+                <a:ext cx="6126207" cy="1495922"/>
+              </a:xfrm>
+              <a:prstGeom prst="rect">
+                <a:avLst/>
+              </a:prstGeom>
+              <a:noFill/>
+            </p:spPr>
+            <p:txBody>
+              <a:bodyPr wrap="square" rtlCol="0">
+                <a:spAutoFit/>
+              </a:bodyPr>
+              <a:lstStyle/>
+              <a:p>
+                <a:r>
+                  <a:rPr lang="en-US"/>
+                  <a:t>Model: </a:t>
+                </a:r>
+                <a14:m>
+                  <m:oMath xmlns:m="http://schemas.openxmlformats.org/officeDocument/2006/math">
+                    <m:acc>
+                      <m:accPr>
+                        <m:chr m:val="̂"/>
+                        <m:ctrlPr>
+                          <a:rPr lang="en-US" i="1" smtClean="0">
+                            <a:latin typeface="Cambria Math" panose="02040503050406030204" pitchFamily="18" charset="0"/>
+                          </a:rPr>
+                        </m:ctrlPr>
+                      </m:accPr>
+                      <m:e>
+                        <m:sSub>
+                          <m:sSubPr>
+                            <m:ctrlPr>
+                              <a:rPr lang="en-US" i="1" smtClean="0">
+                                <a:latin typeface="Cambria Math" panose="02040503050406030204" pitchFamily="18" charset="0"/>
+                              </a:rPr>
+                            </m:ctrlPr>
+                          </m:sSubPr>
+                          <m:e>
+                            <m:r>
+                              <a:rPr lang="en-US" b="0" i="1" smtClean="0">
+                                <a:latin typeface="Cambria Math" panose="02040503050406030204" pitchFamily="18" charset="0"/>
+                              </a:rPr>
+                              <m:t>𝑦</m:t>
+                            </m:r>
+                          </m:e>
+                          <m:sub>
+                            <m:r>
+                              <a:rPr lang="en-US" b="0" i="1" smtClean="0">
+                                <a:latin typeface="Cambria Math" panose="02040503050406030204" pitchFamily="18" charset="0"/>
+                              </a:rPr>
+                              <m:t>𝑡</m:t>
+                            </m:r>
+                          </m:sub>
+                        </m:sSub>
+                      </m:e>
+                    </m:acc>
+                  </m:oMath>
+                </a14:m>
+                <a:r>
+                  <a:rPr lang="en-US"/>
+                  <a:t> = p(E</a:t>
+                </a:r>
+                <a:r>
+                  <a:rPr lang="en-US" baseline="-25000">
+                    <a:solidFill>
+                      <a:schemeClr val="accent1"/>
+                    </a:solidFill>
+                  </a:rPr>
+                  <a:t>target</a:t>
+                </a:r>
+                <a:r>
+                  <a:rPr lang="en-US"/>
+                  <a:t> | E</a:t>
+                </a:r>
+                <a:r>
+                  <a:rPr lang="en-US" baseline="-25000">
+                    <a:solidFill>
+                      <a:srgbClr val="00B050"/>
+                    </a:solidFill>
+                  </a:rPr>
+                  <a:t>context</a:t>
+                </a:r>
+                <a:r>
+                  <a:rPr lang="en-US"/>
+                  <a:t>) = softmax….</a:t>
+                </a:r>
+              </a:p>
+              <a:p>
+                <a:r>
+                  <a:rPr lang="en-US"/>
+                  <a:t>Loss: </a:t>
+                </a:r>
+                <a14:m>
+                  <m:oMath xmlns:m="http://schemas.openxmlformats.org/officeDocument/2006/math">
+                    <m:r>
+                      <m:rPr>
+                        <m:sty m:val="p"/>
+                      </m:rPr>
+                      <a:rPr lang="en-US" b="0" i="0" smtClean="0">
+                        <a:latin typeface="Cambria Math" panose="02040503050406030204" pitchFamily="18" charset="0"/>
+                      </a:rPr>
+                      <m:t>L</m:t>
+                    </m:r>
+                    <m:r>
+                      <a:rPr lang="en-US" b="0" i="0" smtClean="0">
+                        <a:latin typeface="Cambria Math" panose="02040503050406030204" pitchFamily="18" charset="0"/>
+                      </a:rPr>
+                      <m:t>(</m:t>
+                    </m:r>
+                    <m:acc>
+                      <m:accPr>
+                        <m:chr m:val="̂"/>
+                        <m:ctrlPr>
+                          <a:rPr lang="en-US" i="1" smtClean="0">
+                            <a:latin typeface="Cambria Math" panose="02040503050406030204" pitchFamily="18" charset="0"/>
+                          </a:rPr>
+                        </m:ctrlPr>
+                      </m:accPr>
+                      <m:e>
+                        <m:sSub>
+                          <m:sSubPr>
+                            <m:ctrlPr>
+                              <a:rPr lang="en-US" i="1" smtClean="0">
+                                <a:latin typeface="Cambria Math" panose="02040503050406030204" pitchFamily="18" charset="0"/>
+                              </a:rPr>
+                            </m:ctrlPr>
+                          </m:sSubPr>
+                          <m:e>
+                            <m:r>
+                              <a:rPr lang="en-US" b="0" i="1" smtClean="0">
+                                <a:latin typeface="Cambria Math" panose="02040503050406030204" pitchFamily="18" charset="0"/>
+                              </a:rPr>
+                              <m:t>𝑦</m:t>
+                            </m:r>
+                          </m:e>
+                          <m:sub>
+                            <m:r>
+                              <a:rPr lang="en-US" b="0" i="1" smtClean="0">
+                                <a:latin typeface="Cambria Math" panose="02040503050406030204" pitchFamily="18" charset="0"/>
+                              </a:rPr>
+                              <m:t>𝑡</m:t>
+                            </m:r>
+                          </m:sub>
+                        </m:sSub>
+                        <m:r>
+                          <a:rPr lang="en-US" b="0" i="1" smtClean="0">
+                            <a:latin typeface="Cambria Math" panose="02040503050406030204" pitchFamily="18" charset="0"/>
+                          </a:rPr>
+                          <m:t>,</m:t>
+                        </m:r>
+                      </m:e>
+                    </m:acc>
+                    <m:r>
+                      <a:rPr lang="en-US" b="0" i="1" smtClean="0">
+                        <a:latin typeface="Cambria Math" panose="02040503050406030204" pitchFamily="18" charset="0"/>
+                      </a:rPr>
+                      <m:t> </m:t>
+                    </m:r>
+                    <m:sSub>
+                      <m:sSubPr>
+                        <m:ctrlPr>
+                          <a:rPr lang="en-US" b="0" i="1" smtClean="0">
+                            <a:latin typeface="Cambria Math" panose="02040503050406030204" pitchFamily="18" charset="0"/>
+                          </a:rPr>
+                        </m:ctrlPr>
+                      </m:sSubPr>
+                      <m:e>
+                        <m:r>
+                          <a:rPr lang="en-US" b="0" i="1" smtClean="0">
+                            <a:latin typeface="Cambria Math" panose="02040503050406030204" pitchFamily="18" charset="0"/>
+                          </a:rPr>
+                          <m:t>𝑦</m:t>
+                        </m:r>
+                      </m:e>
+                      <m:sub>
+                        <m:r>
+                          <a:rPr lang="en-US" b="0" i="1" smtClean="0">
+                            <a:latin typeface="Cambria Math" panose="02040503050406030204" pitchFamily="18" charset="0"/>
+                          </a:rPr>
+                          <m:t>𝑡</m:t>
+                        </m:r>
+                      </m:sub>
+                    </m:sSub>
+                    <m:r>
+                      <a:rPr lang="en-US" b="0" i="1" smtClean="0">
+                        <a:latin typeface="Cambria Math" panose="02040503050406030204" pitchFamily="18" charset="0"/>
+                      </a:rPr>
+                      <m:t>)= </m:t>
+                    </m:r>
+                    <m:nary>
+                      <m:naryPr>
+                        <m:chr m:val="∑"/>
+                        <m:ctrlPr>
+                          <a:rPr lang="en-US" b="0" i="1" smtClean="0">
+                            <a:latin typeface="Cambria Math" panose="02040503050406030204" pitchFamily="18" charset="0"/>
+                          </a:rPr>
+                        </m:ctrlPr>
+                      </m:naryPr>
+                      <m:sub>
+                        <m:r>
+                          <m:rPr>
+                            <m:brk m:alnAt="23"/>
+                          </m:rPr>
+                          <a:rPr lang="en-US" b="0" i="1" smtClean="0">
+                            <a:latin typeface="Cambria Math" panose="02040503050406030204" pitchFamily="18" charset="0"/>
+                          </a:rPr>
+                          <m:t>𝑡</m:t>
+                        </m:r>
+                        <m:r>
+                          <a:rPr lang="en-US" b="0" i="1" smtClean="0">
+                            <a:latin typeface="Cambria Math" panose="02040503050406030204" pitchFamily="18" charset="0"/>
+                          </a:rPr>
+                          <m:t>=1</m:t>
+                        </m:r>
+                      </m:sub>
+                      <m:sup>
+                        <m:r>
+                          <a:rPr lang="en-US" b="0" i="1" smtClean="0">
+                            <a:latin typeface="Cambria Math" panose="02040503050406030204" pitchFamily="18" charset="0"/>
+                          </a:rPr>
+                          <m:t>𝑣</m:t>
+                        </m:r>
+                        <m:r>
+                          <a:rPr lang="en-US" b="0" i="1" smtClean="0">
+                            <a:latin typeface="Cambria Math" panose="02040503050406030204" pitchFamily="18" charset="0"/>
+                          </a:rPr>
+                          <m:t>_</m:t>
+                        </m:r>
+                        <m:r>
+                          <a:rPr lang="en-US" b="0" i="1" smtClean="0">
+                            <a:latin typeface="Cambria Math" panose="02040503050406030204" pitchFamily="18" charset="0"/>
+                          </a:rPr>
+                          <m:t>𝑠𝑖𝑧𝑒</m:t>
+                        </m:r>
+                      </m:sup>
+                      <m:e>
+                        <m:r>
+                          <a:rPr lang="en-US" b="0" i="1" smtClean="0">
+                            <a:latin typeface="Cambria Math" panose="02040503050406030204" pitchFamily="18" charset="0"/>
+                          </a:rPr>
+                          <m:t>−</m:t>
+                        </m:r>
+                        <m:sSub>
+                          <m:sSubPr>
+                            <m:ctrlPr>
+                              <a:rPr lang="en-US" b="0" i="1" smtClean="0">
+                                <a:latin typeface="Cambria Math" panose="02040503050406030204" pitchFamily="18" charset="0"/>
+                              </a:rPr>
+                            </m:ctrlPr>
+                          </m:sSubPr>
+                          <m:e>
+                            <m:r>
+                              <a:rPr lang="en-US" b="0" i="1" smtClean="0">
+                                <a:latin typeface="Cambria Math" panose="02040503050406030204" pitchFamily="18" charset="0"/>
+                              </a:rPr>
+                              <m:t>𝑦</m:t>
+                            </m:r>
+                          </m:e>
+                          <m:sub>
+                            <m:r>
+                              <a:rPr lang="en-US" b="0" i="1" smtClean="0">
+                                <a:latin typeface="Cambria Math" panose="02040503050406030204" pitchFamily="18" charset="0"/>
+                              </a:rPr>
+                              <m:t>𝑡</m:t>
+                            </m:r>
+                          </m:sub>
+                        </m:sSub>
+                        <m:r>
+                          <a:rPr lang="en-US" b="0" i="1" smtClean="0">
+                            <a:latin typeface="Cambria Math" panose="02040503050406030204" pitchFamily="18" charset="0"/>
+                          </a:rPr>
+                          <m:t>𝑙𝑜𝑔</m:t>
+                        </m:r>
+                        <m:acc>
+                          <m:accPr>
+                            <m:chr m:val="̂"/>
+                            <m:ctrlPr>
+                              <a:rPr lang="en-US" b="0" i="1" smtClean="0">
+                                <a:latin typeface="Cambria Math" panose="02040503050406030204" pitchFamily="18" charset="0"/>
+                              </a:rPr>
+                            </m:ctrlPr>
+                          </m:accPr>
+                          <m:e>
+                            <m:sSub>
+                              <m:sSubPr>
+                                <m:ctrlPr>
+                                  <a:rPr lang="en-US" b="0" i="1" smtClean="0">
+                                    <a:latin typeface="Cambria Math" panose="02040503050406030204" pitchFamily="18" charset="0"/>
+                                  </a:rPr>
+                                </m:ctrlPr>
+                              </m:sSubPr>
+                              <m:e>
+                                <m:r>
+                                  <a:rPr lang="en-US" b="0" i="1" smtClean="0">
+                                    <a:latin typeface="Cambria Math" panose="02040503050406030204" pitchFamily="18" charset="0"/>
+                                  </a:rPr>
+                                  <m:t>𝑦</m:t>
+                                </m:r>
+                              </m:e>
+                              <m:sub>
+                                <m:r>
+                                  <a:rPr lang="en-US" b="0" i="1" smtClean="0">
+                                    <a:latin typeface="Cambria Math" panose="02040503050406030204" pitchFamily="18" charset="0"/>
+                                  </a:rPr>
+                                  <m:t>𝑡</m:t>
+                                </m:r>
+                              </m:sub>
+                            </m:sSub>
+                          </m:e>
+                        </m:acc>
+                      </m:e>
+                    </m:nary>
+                  </m:oMath>
+                </a14:m>
+                <a:endParaRPr lang="en-US"/>
+              </a:p>
+              <a:p>
+                <a:endParaRPr lang="en-US"/>
+              </a:p>
+              <a:p>
+                <a:r>
+                  <a:rPr lang="en-US" sz="1600"/>
+                  <a:t>Basically we update the parameters, </a:t>
+                </a:r>
+                <a14:m>
+                  <m:oMath xmlns:m="http://schemas.openxmlformats.org/officeDocument/2006/math">
+                    <m:sSub>
+                      <m:sSubPr>
+                        <m:ctrlPr>
+                          <a:rPr lang="en-US" sz="1600" i="1" smtClean="0">
+                            <a:latin typeface="Cambria Math" panose="02040503050406030204" pitchFamily="18" charset="0"/>
+                          </a:rPr>
+                        </m:ctrlPr>
+                      </m:sSubPr>
+                      <m:e>
+                        <m:r>
+                          <a:rPr lang="en-US" sz="1600" i="1" smtClean="0">
+                            <a:latin typeface="Cambria Math" panose="02040503050406030204" pitchFamily="18" charset="0"/>
+                            <a:ea typeface="Cambria Math" panose="02040503050406030204" pitchFamily="18" charset="0"/>
+                          </a:rPr>
+                          <m:t>𝜃</m:t>
+                        </m:r>
+                      </m:e>
+                      <m:sub>
+                        <m:r>
+                          <a:rPr lang="en-US" sz="1600" b="0" i="1" smtClean="0">
+                            <a:latin typeface="Cambria Math" panose="02040503050406030204" pitchFamily="18" charset="0"/>
+                          </a:rPr>
+                          <m:t>𝑖</m:t>
+                        </m:r>
+                      </m:sub>
+                    </m:sSub>
+                    <m:r>
+                      <a:rPr lang="en-US" sz="1600" b="0" i="0" smtClean="0">
+                        <a:latin typeface="Cambria Math" panose="02040503050406030204" pitchFamily="18" charset="0"/>
+                      </a:rPr>
+                      <m:t>,</m:t>
+                    </m:r>
+                  </m:oMath>
+                </a14:m>
+                <a:r>
+                  <a:rPr lang="en-US" sz="1600"/>
+                  <a:t> so that the posterior probability of all the targets is learned</a:t>
+                </a:r>
+              </a:p>
+            </p:txBody>
+          </p:sp>
+        </mc:Choice>
+        <mc:Fallback xmlns="">
+          <p:sp>
+            <p:nvSpPr>
+              <p:cNvPr id="8" name="TextBox 7">
+                <a:extLst>
+                  <a:ext uri="{FF2B5EF4-FFF2-40B4-BE49-F238E27FC236}">
+                    <a16:creationId xmlns:a16="http://schemas.microsoft.com/office/drawing/2014/main" id="{3E66FF37-4955-4AE8-A85C-4844EBB07C73}"/>
+                  </a:ext>
+                </a:extLst>
+              </p:cNvPr>
+              <p:cNvSpPr txBox="1">
+                <a:spLocks noRot="1" noChangeAspect="1" noMove="1" noResize="1" noEditPoints="1" noAdjustHandles="1" noChangeArrowheads="1" noChangeShapeType="1" noTextEdit="1"/>
+              </p:cNvSpPr>
+              <p:nvPr/>
+            </p:nvSpPr>
+            <p:spPr>
+              <a:xfrm>
+                <a:off x="5335480" y="2024109"/>
+                <a:ext cx="6126207" cy="1495922"/>
+              </a:xfrm>
+              <a:prstGeom prst="rect">
+                <a:avLst/>
+              </a:prstGeom>
+              <a:blipFill>
+                <a:blip r:embed="rId2"/>
+                <a:stretch>
+                  <a:fillRect l="-796" t="-8571" b="-1633"/>
+                </a:stretch>
+              </a:blipFill>
+            </p:spPr>
+            <p:txBody>
+              <a:bodyPr/>
+              <a:lstStyle/>
+              <a:p>
+                <a:r>
+                  <a:rPr lang="en-US">
+                    <a:noFill/>
+                  </a:rPr>
+                  <a:t> </a:t>
+                </a:r>
+              </a:p>
+            </p:txBody>
+          </p:sp>
+        </mc:Fallback>
+      </mc:AlternateContent>
+      <p:pic>
+        <p:nvPicPr>
+          <p:cNvPr id="9" name="Picture 8">
+            <a:extLst>
+              <a:ext uri="{FF2B5EF4-FFF2-40B4-BE49-F238E27FC236}">
+                <a16:creationId xmlns:a16="http://schemas.microsoft.com/office/drawing/2014/main" id="{AA439D23-FFBD-4F9B-9899-1CDC9371C969}"/>
+              </a:ext>
+            </a:extLst>
+          </p:cNvPr>
+          <p:cNvPicPr>
+            <a:picLocks noChangeAspect="1"/>
+          </p:cNvPicPr>
+          <p:nvPr/>
+        </p:nvPicPr>
+        <p:blipFill>
+          <a:blip r:embed="rId3"/>
+          <a:stretch>
+            <a:fillRect/>
+          </a:stretch>
+        </p:blipFill>
+        <p:spPr>
+          <a:xfrm>
+            <a:off x="1108188" y="3377619"/>
+            <a:ext cx="3538302" cy="1065886"/>
+          </a:xfrm>
+          <a:prstGeom prst="rect">
+            <a:avLst/>
+          </a:prstGeom>
+        </p:spPr>
+      </p:pic>
+    </p:spTree>
+    <p:extLst>
+      <p:ext uri="{BB962C8B-B14F-4D97-AF65-F5344CB8AC3E}">
+        <p14:creationId xmlns:p14="http://schemas.microsoft.com/office/powerpoint/2010/main" val="730013247"/>
+      </p:ext>
+    </p:extLst>
+  </p:cSld>
+  <p:clrMapOvr>
+    <a:masterClrMapping/>
+  </p:clrMapOvr>
+</p:sld>
+</file>
+
+<file path=ppt/slides/slide4.xml><?xml version="1.0" encoding="utf-8"?>
+<p:sld xmlns:a="http://schemas.openxmlformats.org/drawingml/2006/main" xmlns:r="http://schemas.openxmlformats.org/officeDocument/2006/relationships" xmlns:p="http://schemas.openxmlformats.org/presentationml/2006/main">
+  <p:cSld>
+    <p:spTree>
+      <p:nvGrpSpPr>
+        <p:cNvPr id="1" name=""/>
+        <p:cNvGrpSpPr/>
+        <p:nvPr/>
+      </p:nvGrpSpPr>
+      <p:grpSpPr>
+        <a:xfrm>
+          <a:off x="0" y="0"/>
+          <a:ext cx="0" cy="0"/>
+          <a:chOff x="0" y="0"/>
+          <a:chExt cx="0" cy="0"/>
+        </a:xfrm>
+      </p:grpSpPr>
+      <p:sp>
+        <p:nvSpPr>
+          <p:cNvPr id="2" name="Title 1">
+            <a:extLst>
+              <a:ext uri="{FF2B5EF4-FFF2-40B4-BE49-F238E27FC236}">
+                <a16:creationId xmlns:a16="http://schemas.microsoft.com/office/drawing/2014/main" id="{1FFAAF46-7933-44DD-BE4B-33F844FCA0EF}"/>
+              </a:ext>
+            </a:extLst>
+          </p:cNvPr>
+          <p:cNvSpPr>
+            <a:spLocks noGrp="1"/>
+          </p:cNvSpPr>
+          <p:nvPr>
+            <p:ph type="title"/>
+          </p:nvPr>
+        </p:nvSpPr>
+        <p:spPr/>
+        <p:txBody>
+          <a:bodyPr/>
+          <a:lstStyle/>
+          <a:p>
+            <a:r>
+              <a:rPr lang="en-US"/>
+              <a:t>Word2Vec – Negative Sample</a:t>
+            </a:r>
+          </a:p>
+        </p:txBody>
+      </p:sp>
+      <p:sp>
+        <p:nvSpPr>
+          <p:cNvPr id="5" name="TextBox 4">
+            <a:extLst>
+              <a:ext uri="{FF2B5EF4-FFF2-40B4-BE49-F238E27FC236}">
+                <a16:creationId xmlns:a16="http://schemas.microsoft.com/office/drawing/2014/main" id="{32D6F40A-3849-4DB6-8B44-3DE86BF6B982}"/>
+              </a:ext>
+            </a:extLst>
+          </p:cNvPr>
+          <p:cNvSpPr txBox="1"/>
+          <p:nvPr/>
+        </p:nvSpPr>
+        <p:spPr>
+          <a:xfrm>
+            <a:off x="1361065" y="2093976"/>
+            <a:ext cx="3379451" cy="1754326"/>
+          </a:xfrm>
+          <a:prstGeom prst="rect">
+            <a:avLst/>
+          </a:prstGeom>
+          <a:noFill/>
+        </p:spPr>
+        <p:txBody>
+          <a:bodyPr wrap="none" rtlCol="0">
+            <a:spAutoFit/>
+          </a:bodyPr>
+          <a:lstStyle/>
+          <a:p>
+            <a:r>
+              <a:rPr lang="en-US">
+                <a:solidFill>
+                  <a:srgbClr val="00B050"/>
+                </a:solidFill>
+              </a:rPr>
+              <a:t>Context</a:t>
+            </a:r>
+            <a:r>
+              <a:rPr lang="en-US"/>
+              <a:t>		</a:t>
+            </a:r>
+            <a:r>
+              <a:rPr lang="en-US">
+                <a:solidFill>
+                  <a:srgbClr val="00B050"/>
+                </a:solidFill>
+              </a:rPr>
+              <a:t>word</a:t>
+            </a:r>
+            <a:r>
+              <a:rPr lang="en-US"/>
+              <a:t>	 </a:t>
+            </a:r>
+            <a:r>
+              <a:rPr lang="en-US">
+                <a:solidFill>
+                  <a:schemeClr val="accent1"/>
+                </a:solidFill>
+              </a:rPr>
+              <a:t>target</a:t>
+            </a:r>
+          </a:p>
+          <a:p>
+            <a:endParaRPr lang="en-US"/>
+          </a:p>
+          <a:p>
+            <a:r>
+              <a:rPr lang="en-US"/>
+              <a:t>orange		juice		1</a:t>
+            </a:r>
+          </a:p>
+          <a:p>
+            <a:r>
+              <a:rPr lang="en-US"/>
+              <a:t>orange		king		0</a:t>
+            </a:r>
+          </a:p>
+          <a:p>
+            <a:r>
+              <a:rPr lang="en-US"/>
+              <a:t>orange		of			0</a:t>
+            </a:r>
+          </a:p>
+          <a:p>
+            <a:r>
+              <a:rPr lang="en-US"/>
+              <a:t>orange 		the			0</a:t>
+            </a:r>
+          </a:p>
+        </p:txBody>
+      </p:sp>
+      <p:sp>
+        <p:nvSpPr>
+          <p:cNvPr id="6" name="TextBox 5">
+            <a:extLst>
+              <a:ext uri="{FF2B5EF4-FFF2-40B4-BE49-F238E27FC236}">
+                <a16:creationId xmlns:a16="http://schemas.microsoft.com/office/drawing/2014/main" id="{932D551B-73F9-4D46-BE86-610B91265357}"/>
+              </a:ext>
+            </a:extLst>
+          </p:cNvPr>
+          <p:cNvSpPr txBox="1"/>
+          <p:nvPr/>
+        </p:nvSpPr>
+        <p:spPr>
+          <a:xfrm>
+            <a:off x="1314713" y="4104265"/>
+            <a:ext cx="4875396" cy="923330"/>
+          </a:xfrm>
+          <a:prstGeom prst="rect">
+            <a:avLst/>
+          </a:prstGeom>
+          <a:noFill/>
+        </p:spPr>
+        <p:txBody>
+          <a:bodyPr wrap="square" rtlCol="0">
+            <a:spAutoFit/>
+          </a:bodyPr>
+          <a:lstStyle/>
+          <a:p>
+            <a:r>
+              <a:rPr lang="en-US">
+                <a:solidFill>
+                  <a:schemeClr val="accent1"/>
+                </a:solidFill>
+              </a:rPr>
+              <a:t>Target</a:t>
+            </a:r>
+            <a:r>
+              <a:rPr lang="en-US"/>
+              <a:t> is 1 if the distance between </a:t>
+            </a:r>
+            <a:r>
+              <a:rPr lang="en-US">
+                <a:solidFill>
+                  <a:srgbClr val="00B050"/>
+                </a:solidFill>
+              </a:rPr>
+              <a:t>context</a:t>
+            </a:r>
+            <a:r>
+              <a:rPr lang="en-US"/>
+              <a:t> and </a:t>
+            </a:r>
+            <a:r>
+              <a:rPr lang="en-US">
+                <a:solidFill>
+                  <a:srgbClr val="00B050"/>
+                </a:solidFill>
+              </a:rPr>
+              <a:t>word</a:t>
+            </a:r>
+            <a:r>
+              <a:rPr lang="en-US"/>
+              <a:t> is less than a threshold</a:t>
+            </a:r>
+          </a:p>
+        </p:txBody>
+      </p:sp>
+      <p:sp>
+        <p:nvSpPr>
+          <p:cNvPr id="7" name="TextBox 6">
+            <a:extLst>
+              <a:ext uri="{FF2B5EF4-FFF2-40B4-BE49-F238E27FC236}">
+                <a16:creationId xmlns:a16="http://schemas.microsoft.com/office/drawing/2014/main" id="{A63AFC3F-0D92-4508-B9E5-757DC63C35D7}"/>
+              </a:ext>
+            </a:extLst>
+          </p:cNvPr>
+          <p:cNvSpPr txBox="1"/>
+          <p:nvPr/>
+        </p:nvSpPr>
+        <p:spPr>
+          <a:xfrm>
+            <a:off x="1314713" y="5027595"/>
+            <a:ext cx="5250426" cy="646331"/>
+          </a:xfrm>
+          <a:prstGeom prst="rect">
+            <a:avLst/>
+          </a:prstGeom>
+          <a:noFill/>
+        </p:spPr>
+        <p:txBody>
+          <a:bodyPr wrap="square" rtlCol="0">
+            <a:spAutoFit/>
+          </a:bodyPr>
+          <a:lstStyle/>
+          <a:p>
+            <a:r>
+              <a:rPr lang="en-US"/>
+              <a:t>Supervised Learning problem from unlabeled data</a:t>
+            </a:r>
+            <a:r>
+              <a:rPr lang="en-US" b="1">
+                <a:solidFill>
+                  <a:schemeClr val="accent1"/>
+                </a:solidFill>
+              </a:rPr>
+              <a:t>!</a:t>
+            </a:r>
+          </a:p>
+        </p:txBody>
+      </p:sp>
+      <p:cxnSp>
+        <p:nvCxnSpPr>
+          <p:cNvPr id="9" name="Straight Connector 8">
+            <a:extLst>
+              <a:ext uri="{FF2B5EF4-FFF2-40B4-BE49-F238E27FC236}">
+                <a16:creationId xmlns:a16="http://schemas.microsoft.com/office/drawing/2014/main" id="{840BBFC0-FFBB-40CB-A1CE-CB4132354C8A}"/>
+              </a:ext>
+            </a:extLst>
+          </p:cNvPr>
+          <p:cNvCxnSpPr/>
+          <p:nvPr/>
+        </p:nvCxnSpPr>
+        <p:spPr>
+          <a:xfrm>
+            <a:off x="1453770" y="2001567"/>
+            <a:ext cx="2127981" cy="0"/>
+          </a:xfrm>
+          <a:prstGeom prst="line">
+            <a:avLst/>
+          </a:prstGeom>
+        </p:spPr>
+        <p:style>
+          <a:lnRef idx="1">
+            <a:schemeClr val="accent1"/>
+          </a:lnRef>
+          <a:fillRef idx="0">
+            <a:schemeClr val="accent1"/>
+          </a:fillRef>
+          <a:effectRef idx="0">
+            <a:schemeClr val="accent1"/>
+          </a:effectRef>
+          <a:fontRef idx="minor">
+            <a:schemeClr val="tx1"/>
+          </a:fontRef>
+        </p:style>
+      </p:cxnSp>
+      <p:sp>
+        <p:nvSpPr>
+          <p:cNvPr id="10" name="TextBox 9">
+            <a:extLst>
+              <a:ext uri="{FF2B5EF4-FFF2-40B4-BE49-F238E27FC236}">
+                <a16:creationId xmlns:a16="http://schemas.microsoft.com/office/drawing/2014/main" id="{5B7220ED-86A6-46B2-BF4F-1BAE1602E8EF}"/>
+              </a:ext>
+            </a:extLst>
+          </p:cNvPr>
+          <p:cNvSpPr txBox="1"/>
+          <p:nvPr/>
+        </p:nvSpPr>
+        <p:spPr>
+          <a:xfrm>
+            <a:off x="1590718" y="1678440"/>
+            <a:ext cx="1854083" cy="369332"/>
+          </a:xfrm>
+          <a:prstGeom prst="rect">
+            <a:avLst/>
+          </a:prstGeom>
+          <a:noFill/>
+        </p:spPr>
+        <p:txBody>
+          <a:bodyPr wrap="square" rtlCol="0">
+            <a:spAutoFit/>
+          </a:bodyPr>
+          <a:lstStyle/>
+          <a:p>
+            <a:pPr algn="ctr"/>
+            <a:r>
+              <a:rPr lang="en-US"/>
+              <a:t>X</a:t>
+            </a:r>
+          </a:p>
+        </p:txBody>
+      </p:sp>
+      <p:sp>
+        <p:nvSpPr>
+          <p:cNvPr id="11" name="TextBox 10">
+            <a:extLst>
+              <a:ext uri="{FF2B5EF4-FFF2-40B4-BE49-F238E27FC236}">
+                <a16:creationId xmlns:a16="http://schemas.microsoft.com/office/drawing/2014/main" id="{AB27CA67-CDA7-4C20-B134-B56EE2794B67}"/>
+              </a:ext>
+            </a:extLst>
+          </p:cNvPr>
+          <p:cNvSpPr txBox="1"/>
+          <p:nvPr/>
+        </p:nvSpPr>
+        <p:spPr>
+          <a:xfrm>
+            <a:off x="3344372" y="1701542"/>
+            <a:ext cx="1854083" cy="369332"/>
+          </a:xfrm>
+          <a:prstGeom prst="rect">
+            <a:avLst/>
+          </a:prstGeom>
+          <a:noFill/>
+        </p:spPr>
+        <p:txBody>
+          <a:bodyPr wrap="square" rtlCol="0">
+            <a:spAutoFit/>
+          </a:bodyPr>
+          <a:lstStyle/>
+          <a:p>
+            <a:pPr algn="ctr"/>
+            <a:r>
+              <a:rPr lang="en-US"/>
+              <a:t>Y</a:t>
+            </a:r>
+          </a:p>
+        </p:txBody>
+      </p:sp>
+      <mc:AlternateContent xmlns:mc="http://schemas.openxmlformats.org/markup-compatibility/2006" xmlns:a14="http://schemas.microsoft.com/office/drawing/2010/main">
+        <mc:Choice Requires="a14">
+          <p:sp>
+            <p:nvSpPr>
+              <p:cNvPr id="13" name="TextBox 12">
+                <a:extLst>
+                  <a:ext uri="{FF2B5EF4-FFF2-40B4-BE49-F238E27FC236}">
+                    <a16:creationId xmlns:a16="http://schemas.microsoft.com/office/drawing/2014/main" id="{EA80F65F-F4FF-4CCD-B5D5-48FE0180D5B4}"/>
+                  </a:ext>
+                </a:extLst>
+              </p:cNvPr>
+              <p:cNvSpPr txBox="1"/>
+              <p:nvPr/>
+            </p:nvSpPr>
+            <p:spPr>
+              <a:xfrm>
+                <a:off x="5410551" y="1849869"/>
+                <a:ext cx="5027093" cy="1756250"/>
+              </a:xfrm>
+              <a:prstGeom prst="rect">
+                <a:avLst/>
+              </a:prstGeom>
+              <a:noFill/>
+            </p:spPr>
+            <p:txBody>
+              <a:bodyPr wrap="square" rtlCol="0">
+                <a:spAutoFit/>
+              </a:bodyPr>
+              <a:lstStyle/>
+              <a:p>
+                <a:pPr/>
+                <a14:m>
+                  <m:oMathPara xmlns:m="http://schemas.openxmlformats.org/officeDocument/2006/math">
+                    <m:oMathParaPr>
+                      <m:jc m:val="centerGroup"/>
+                    </m:oMathParaPr>
+                    <m:oMath xmlns:m="http://schemas.openxmlformats.org/officeDocument/2006/math">
+                      <m:r>
+                        <a:rPr lang="en-US" b="0" i="1" smtClean="0">
+                          <a:latin typeface="Cambria Math" panose="02040503050406030204" pitchFamily="18" charset="0"/>
+                        </a:rPr>
+                        <m:t>𝑃</m:t>
+                      </m:r>
+                      <m:d>
+                        <m:dPr>
+                          <m:endChr m:val="|"/>
+                          <m:ctrlPr>
+                            <a:rPr lang="en-US" b="0" i="1" smtClean="0">
+                              <a:latin typeface="Cambria Math" panose="02040503050406030204" pitchFamily="18" charset="0"/>
+                            </a:rPr>
+                          </m:ctrlPr>
+                        </m:dPr>
+                        <m:e>
+                          <m:r>
+                            <a:rPr lang="en-US" b="0" i="1" smtClean="0">
+                              <a:latin typeface="Cambria Math" panose="02040503050406030204" pitchFamily="18" charset="0"/>
+                            </a:rPr>
+                            <m:t>𝑦</m:t>
+                          </m:r>
+                          <m:r>
+                            <a:rPr lang="en-US" b="0" i="1" smtClean="0">
+                              <a:latin typeface="Cambria Math" panose="02040503050406030204" pitchFamily="18" charset="0"/>
+                            </a:rPr>
+                            <m:t>=1 </m:t>
+                          </m:r>
+                        </m:e>
+                      </m:d>
+                      <m:r>
+                        <a:rPr lang="en-US" b="0" i="1" smtClean="0">
+                          <a:latin typeface="Cambria Math" panose="02040503050406030204" pitchFamily="18" charset="0"/>
+                        </a:rPr>
+                        <m:t>𝑐</m:t>
+                      </m:r>
+                      <m:r>
+                        <a:rPr lang="en-US" b="0" i="1" smtClean="0">
+                          <a:latin typeface="Cambria Math" panose="02040503050406030204" pitchFamily="18" charset="0"/>
+                        </a:rPr>
+                        <m:t>, </m:t>
+                      </m:r>
+                      <m:r>
+                        <a:rPr lang="en-US" b="0" i="1" smtClean="0">
+                          <a:latin typeface="Cambria Math" panose="02040503050406030204" pitchFamily="18" charset="0"/>
+                        </a:rPr>
+                        <m:t>𝑡</m:t>
+                      </m:r>
+                      <m:r>
+                        <a:rPr lang="en-US" b="0" i="1" smtClean="0">
+                          <a:latin typeface="Cambria Math" panose="02040503050406030204" pitchFamily="18" charset="0"/>
+                        </a:rPr>
+                        <m:t>)= </m:t>
+                      </m:r>
+                      <m:r>
+                        <a:rPr lang="en-US" b="0" i="1" smtClean="0">
+                          <a:latin typeface="Cambria Math" panose="02040503050406030204" pitchFamily="18" charset="0"/>
+                          <a:ea typeface="Cambria Math" panose="02040503050406030204" pitchFamily="18" charset="0"/>
+                        </a:rPr>
+                        <m:t>𝜎</m:t>
+                      </m:r>
+                      <m:d>
+                        <m:dPr>
+                          <m:ctrlPr>
+                            <a:rPr lang="en-US" b="0" i="1" smtClean="0">
+                              <a:latin typeface="Cambria Math" panose="02040503050406030204" pitchFamily="18" charset="0"/>
+                              <a:ea typeface="Cambria Math" panose="02040503050406030204" pitchFamily="18" charset="0"/>
+                            </a:rPr>
+                          </m:ctrlPr>
+                        </m:dPr>
+                        <m:e>
+                          <m:sSubSup>
+                            <m:sSubSupPr>
+                              <m:ctrlPr>
+                                <a:rPr lang="en-US" b="0" i="1" smtClean="0">
+                                  <a:latin typeface="Cambria Math" panose="02040503050406030204" pitchFamily="18" charset="0"/>
+                                  <a:ea typeface="Cambria Math" panose="02040503050406030204" pitchFamily="18" charset="0"/>
+                                </a:rPr>
+                              </m:ctrlPr>
+                            </m:sSubSupPr>
+                            <m:e>
+                              <m:r>
+                                <a:rPr lang="en-US" b="0" i="1" smtClean="0">
+                                  <a:latin typeface="Cambria Math" panose="02040503050406030204" pitchFamily="18" charset="0"/>
+                                  <a:ea typeface="Cambria Math" panose="02040503050406030204" pitchFamily="18" charset="0"/>
+                                </a:rPr>
+                                <m:t>𝜃</m:t>
+                              </m:r>
+                            </m:e>
+                            <m:sub>
+                              <m:r>
+                                <a:rPr lang="en-US" b="0" i="1" smtClean="0">
+                                  <a:latin typeface="Cambria Math" panose="02040503050406030204" pitchFamily="18" charset="0"/>
+                                  <a:ea typeface="Cambria Math" panose="02040503050406030204" pitchFamily="18" charset="0"/>
+                                </a:rPr>
+                                <m:t>𝑡</m:t>
+                              </m:r>
+                            </m:sub>
+                            <m:sup>
+                              <m:r>
+                                <a:rPr lang="en-US" b="0" i="1" smtClean="0">
+                                  <a:latin typeface="Cambria Math" panose="02040503050406030204" pitchFamily="18" charset="0"/>
+                                  <a:ea typeface="Cambria Math" panose="02040503050406030204" pitchFamily="18" charset="0"/>
+                                </a:rPr>
+                                <m:t>𝑇</m:t>
+                              </m:r>
+                            </m:sup>
+                          </m:sSubSup>
+                          <m:sSub>
+                            <m:sSubPr>
+                              <m:ctrlPr>
+                                <a:rPr lang="en-US" b="0" i="1" smtClean="0">
+                                  <a:latin typeface="Cambria Math" panose="02040503050406030204" pitchFamily="18" charset="0"/>
+                                  <a:ea typeface="Cambria Math" panose="02040503050406030204" pitchFamily="18" charset="0"/>
+                                </a:rPr>
+                              </m:ctrlPr>
+                            </m:sSubPr>
+                            <m:e>
+                              <m:r>
+                                <a:rPr lang="en-US" b="0" i="1" smtClean="0">
+                                  <a:latin typeface="Cambria Math" panose="02040503050406030204" pitchFamily="18" charset="0"/>
+                                  <a:ea typeface="Cambria Math" panose="02040503050406030204" pitchFamily="18" charset="0"/>
+                                </a:rPr>
+                                <m:t>𝑒</m:t>
+                              </m:r>
+                            </m:e>
+                            <m:sub>
+                              <m:r>
+                                <a:rPr lang="en-US" b="0" i="1" smtClean="0">
+                                  <a:latin typeface="Cambria Math" panose="02040503050406030204" pitchFamily="18" charset="0"/>
+                                  <a:ea typeface="Cambria Math" panose="02040503050406030204" pitchFamily="18" charset="0"/>
+                                </a:rPr>
+                                <m:t>𝑐</m:t>
+                              </m:r>
+                            </m:sub>
+                          </m:sSub>
+                        </m:e>
+                      </m:d>
+                    </m:oMath>
+                  </m:oMathPara>
+                </a14:m>
+                <a:endParaRPr lang="en-US" b="0">
+                  <a:ea typeface="Cambria Math" panose="02040503050406030204" pitchFamily="18" charset="0"/>
+                </a:endParaRPr>
+              </a:p>
+              <a:p>
+                <a:endParaRPr lang="en-US"/>
+              </a:p>
+              <a:p>
+                <a:r>
+                  <a:rPr lang="en-US"/>
+                  <a:t>So, softmax replaced by a sigmoid! We no longer need the absolute probability. All we need to know whether they have a strong connection!</a:t>
+                </a:r>
+              </a:p>
+            </p:txBody>
+          </p:sp>
+        </mc:Choice>
+        <mc:Fallback xmlns="">
+          <p:sp>
+            <p:nvSpPr>
+              <p:cNvPr id="13" name="TextBox 12">
+                <a:extLst>
+                  <a:ext uri="{FF2B5EF4-FFF2-40B4-BE49-F238E27FC236}">
+                    <a16:creationId xmlns:a16="http://schemas.microsoft.com/office/drawing/2014/main" id="{EA80F65F-F4FF-4CCD-B5D5-48FE0180D5B4}"/>
+                  </a:ext>
+                </a:extLst>
+              </p:cNvPr>
+              <p:cNvSpPr txBox="1">
+                <a:spLocks noRot="1" noChangeAspect="1" noMove="1" noResize="1" noEditPoints="1" noAdjustHandles="1" noChangeArrowheads="1" noChangeShapeType="1" noTextEdit="1"/>
+              </p:cNvSpPr>
+              <p:nvPr/>
+            </p:nvSpPr>
+            <p:spPr>
+              <a:xfrm>
+                <a:off x="5410551" y="1849869"/>
+                <a:ext cx="5027093" cy="1756250"/>
+              </a:xfrm>
+              <a:prstGeom prst="rect">
+                <a:avLst/>
+              </a:prstGeom>
+              <a:blipFill>
+                <a:blip r:embed="rId2"/>
+                <a:stretch>
+                  <a:fillRect l="-1092" b="-4498"/>
+                </a:stretch>
+              </a:blipFill>
+            </p:spPr>
+            <p:txBody>
+              <a:bodyPr/>
+              <a:lstStyle/>
+              <a:p>
+                <a:r>
+                  <a:rPr lang="en-US">
+                    <a:noFill/>
+                  </a:rPr>
+                  <a:t> </a:t>
+                </a:r>
+              </a:p>
+            </p:txBody>
+          </p:sp>
+        </mc:Fallback>
+      </mc:AlternateContent>
+      <p:sp>
+        <p:nvSpPr>
+          <p:cNvPr id="14" name="Rectangle 13">
+            <a:extLst>
+              <a:ext uri="{FF2B5EF4-FFF2-40B4-BE49-F238E27FC236}">
+                <a16:creationId xmlns:a16="http://schemas.microsoft.com/office/drawing/2014/main" id="{75B9B19C-CD50-4B6D-B7A0-0E84DD67225B}"/>
+              </a:ext>
+            </a:extLst>
+          </p:cNvPr>
+          <p:cNvSpPr/>
+          <p:nvPr/>
+        </p:nvSpPr>
+        <p:spPr>
+          <a:xfrm>
+            <a:off x="7049730" y="4325025"/>
+            <a:ext cx="952324" cy="646331"/>
+          </a:xfrm>
+          <a:prstGeom prst="rect">
+            <a:avLst/>
+          </a:prstGeom>
+          <a:solidFill>
+            <a:schemeClr val="tx1">
+              <a:lumMod val="65000"/>
+              <a:lumOff val="35000"/>
+            </a:schemeClr>
+          </a:solidFill>
+        </p:spPr>
+        <p:style>
+          <a:lnRef idx="2">
+            <a:schemeClr val="accent1">
+              <a:shade val="50000"/>
+            </a:schemeClr>
+          </a:lnRef>
+          <a:fillRef idx="1">
+            <a:schemeClr val="accent1"/>
+          </a:fillRef>
+          <a:effectRef idx="0">
+            <a:schemeClr val="accent1"/>
+          </a:effectRef>
+          <a:fontRef idx="minor">
+            <a:schemeClr val="lt1"/>
+          </a:fontRef>
+        </p:style>
+        <p:txBody>
+          <a:bodyPr rtlCol="0" anchor="ctr"/>
+          <a:lstStyle/>
+          <a:p>
+            <a:pPr algn="ctr"/>
+            <a:endParaRPr lang="en-US"/>
+          </a:p>
+        </p:txBody>
+      </p:sp>
+      <p:sp>
+        <p:nvSpPr>
+          <p:cNvPr id="15" name="Rectangle 14">
+            <a:extLst>
+              <a:ext uri="{FF2B5EF4-FFF2-40B4-BE49-F238E27FC236}">
+                <a16:creationId xmlns:a16="http://schemas.microsoft.com/office/drawing/2014/main" id="{57F3EEC7-BD13-4554-A4F5-94F79D065289}"/>
+              </a:ext>
+            </a:extLst>
+          </p:cNvPr>
+          <p:cNvSpPr/>
+          <p:nvPr/>
+        </p:nvSpPr>
+        <p:spPr>
+          <a:xfrm>
+            <a:off x="5775341" y="4463524"/>
+            <a:ext cx="1071127" cy="369332"/>
+          </a:xfrm>
+          <a:prstGeom prst="rect">
+            <a:avLst/>
+          </a:prstGeom>
+        </p:spPr>
+        <p:txBody>
+          <a:bodyPr wrap="none">
+            <a:spAutoFit/>
+          </a:bodyPr>
+          <a:lstStyle/>
+          <a:p>
+            <a:r>
+              <a:rPr lang="en-US">
+                <a:solidFill>
+                  <a:srgbClr val="00B050"/>
+                </a:solidFill>
+              </a:rPr>
+              <a:t>Context</a:t>
+            </a:r>
+            <a:endParaRPr lang="en-US"/>
+          </a:p>
+        </p:txBody>
+      </p:sp>
+      <p:cxnSp>
+        <p:nvCxnSpPr>
+          <p:cNvPr id="17" name="Straight Arrow Connector 16">
+            <a:extLst>
+              <a:ext uri="{FF2B5EF4-FFF2-40B4-BE49-F238E27FC236}">
+                <a16:creationId xmlns:a16="http://schemas.microsoft.com/office/drawing/2014/main" id="{5775D05F-49EF-47F5-828F-990B83A8DAEB}"/>
+              </a:ext>
+            </a:extLst>
+          </p:cNvPr>
+          <p:cNvCxnSpPr>
+            <a:stCxn id="15" idx="3"/>
+            <a:endCxn id="14" idx="1"/>
+          </p:cNvCxnSpPr>
+          <p:nvPr/>
+        </p:nvCxnSpPr>
+        <p:spPr>
+          <a:xfrm>
+            <a:off x="6846468" y="4648190"/>
+            <a:ext cx="203262" cy="1"/>
+          </a:xfrm>
+          <a:prstGeom prst="straightConnector1">
+            <a:avLst/>
+          </a:prstGeom>
+          <a:ln>
+            <a:solidFill>
+              <a:srgbClr val="00B050"/>
+            </a:solidFill>
+            <a:tailEnd type="triangle"/>
+          </a:ln>
+        </p:spPr>
+        <p:style>
+          <a:lnRef idx="1">
+            <a:schemeClr val="accent1"/>
+          </a:lnRef>
+          <a:fillRef idx="0">
+            <a:schemeClr val="accent1"/>
+          </a:fillRef>
+          <a:effectRef idx="0">
+            <a:schemeClr val="accent1"/>
+          </a:effectRef>
+          <a:fontRef idx="minor">
+            <a:schemeClr val="tx1"/>
+          </a:fontRef>
+        </p:style>
+      </p:cxnSp>
+      <p:cxnSp>
+        <p:nvCxnSpPr>
+          <p:cNvPr id="19" name="Straight Arrow Connector 18">
+            <a:extLst>
+              <a:ext uri="{FF2B5EF4-FFF2-40B4-BE49-F238E27FC236}">
+                <a16:creationId xmlns:a16="http://schemas.microsoft.com/office/drawing/2014/main" id="{0DB3DBF6-0BF0-4978-A509-1AEFEFF3AB5C}"/>
+              </a:ext>
+            </a:extLst>
+          </p:cNvPr>
+          <p:cNvCxnSpPr>
+            <a:cxnSpLocks/>
+            <a:stCxn id="14" idx="3"/>
+          </p:cNvCxnSpPr>
+          <p:nvPr/>
+        </p:nvCxnSpPr>
+        <p:spPr>
+          <a:xfrm flipV="1">
+            <a:off x="8002054" y="4403447"/>
+            <a:ext cx="1002890" cy="244744"/>
+          </a:xfrm>
+          <a:prstGeom prst="straightConnector1">
+            <a:avLst/>
+          </a:prstGeom>
+          <a:ln>
+            <a:tailEnd type="triangle"/>
+          </a:ln>
+        </p:spPr>
+        <p:style>
+          <a:lnRef idx="1">
+            <a:schemeClr val="accent1"/>
+          </a:lnRef>
+          <a:fillRef idx="0">
+            <a:schemeClr val="accent1"/>
+          </a:fillRef>
+          <a:effectRef idx="0">
+            <a:schemeClr val="accent1"/>
+          </a:effectRef>
+          <a:fontRef idx="minor">
+            <a:schemeClr val="tx1"/>
+          </a:fontRef>
+        </p:style>
+      </p:cxnSp>
+      <p:cxnSp>
+        <p:nvCxnSpPr>
+          <p:cNvPr id="20" name="Straight Arrow Connector 19">
+            <a:extLst>
+              <a:ext uri="{FF2B5EF4-FFF2-40B4-BE49-F238E27FC236}">
+                <a16:creationId xmlns:a16="http://schemas.microsoft.com/office/drawing/2014/main" id="{9C3AD580-1E19-48F3-8B45-13B05841CB42}"/>
+              </a:ext>
+            </a:extLst>
+          </p:cNvPr>
+          <p:cNvCxnSpPr>
+            <a:cxnSpLocks/>
+            <a:stCxn id="14" idx="3"/>
+          </p:cNvCxnSpPr>
+          <p:nvPr/>
+        </p:nvCxnSpPr>
+        <p:spPr>
+          <a:xfrm flipV="1">
+            <a:off x="8002054" y="4648190"/>
+            <a:ext cx="952324" cy="1"/>
+          </a:xfrm>
+          <a:prstGeom prst="straightConnector1">
+            <a:avLst/>
+          </a:prstGeom>
+          <a:ln>
+            <a:tailEnd type="triangle"/>
+          </a:ln>
+        </p:spPr>
+        <p:style>
+          <a:lnRef idx="1">
+            <a:schemeClr val="accent1"/>
+          </a:lnRef>
+          <a:fillRef idx="0">
+            <a:schemeClr val="accent1"/>
+          </a:fillRef>
+          <a:effectRef idx="0">
+            <a:schemeClr val="accent1"/>
+          </a:effectRef>
+          <a:fontRef idx="minor">
+            <a:schemeClr val="tx1"/>
+          </a:fontRef>
+        </p:style>
+      </p:cxnSp>
+      <p:cxnSp>
+        <p:nvCxnSpPr>
+          <p:cNvPr id="24" name="Straight Arrow Connector 23">
+            <a:extLst>
+              <a:ext uri="{FF2B5EF4-FFF2-40B4-BE49-F238E27FC236}">
+                <a16:creationId xmlns:a16="http://schemas.microsoft.com/office/drawing/2014/main" id="{705ED672-AAAC-411B-B19C-96265899405C}"/>
+              </a:ext>
+            </a:extLst>
+          </p:cNvPr>
+          <p:cNvCxnSpPr>
+            <a:cxnSpLocks/>
+            <a:stCxn id="14" idx="3"/>
+          </p:cNvCxnSpPr>
+          <p:nvPr/>
+        </p:nvCxnSpPr>
+        <p:spPr>
+          <a:xfrm>
+            <a:off x="8002054" y="4648191"/>
+            <a:ext cx="993683" cy="567908"/>
+          </a:xfrm>
+          <a:prstGeom prst="straightConnector1">
+            <a:avLst/>
+          </a:prstGeom>
+          <a:ln>
+            <a:tailEnd type="triangle"/>
+          </a:ln>
+        </p:spPr>
+        <p:style>
+          <a:lnRef idx="1">
+            <a:schemeClr val="accent1"/>
+          </a:lnRef>
+          <a:fillRef idx="0">
+            <a:schemeClr val="accent1"/>
+          </a:fillRef>
+          <a:effectRef idx="0">
+            <a:schemeClr val="accent1"/>
+          </a:effectRef>
+          <a:fontRef idx="minor">
+            <a:schemeClr val="tx1"/>
+          </a:fontRef>
+        </p:style>
+      </p:cxnSp>
+      <p:sp>
+        <p:nvSpPr>
+          <p:cNvPr id="27" name="TextBox 26">
+            <a:extLst>
+              <a:ext uri="{FF2B5EF4-FFF2-40B4-BE49-F238E27FC236}">
+                <a16:creationId xmlns:a16="http://schemas.microsoft.com/office/drawing/2014/main" id="{DC95FFC5-8248-405F-BE73-44027A068CE1}"/>
+              </a:ext>
+            </a:extLst>
+          </p:cNvPr>
+          <p:cNvSpPr txBox="1"/>
+          <p:nvPr/>
+        </p:nvSpPr>
+        <p:spPr>
+          <a:xfrm>
+            <a:off x="8941736" y="4188542"/>
+            <a:ext cx="311304" cy="1200329"/>
+          </a:xfrm>
+          <a:prstGeom prst="rect">
+            <a:avLst/>
+          </a:prstGeom>
+          <a:noFill/>
+        </p:spPr>
+        <p:txBody>
+          <a:bodyPr wrap="none" rtlCol="0">
+            <a:spAutoFit/>
+          </a:bodyPr>
+          <a:lstStyle/>
+          <a:p>
+            <a:r>
+              <a:rPr lang="en-US"/>
+              <a:t>0</a:t>
+            </a:r>
+          </a:p>
+          <a:p>
+            <a:r>
+              <a:rPr lang="en-US"/>
+              <a:t>1</a:t>
+            </a:r>
+          </a:p>
+          <a:p>
+            <a:r>
+              <a:rPr lang="en-US"/>
+              <a:t>0</a:t>
+            </a:r>
+          </a:p>
+          <a:p>
+            <a:r>
+              <a:rPr lang="en-US"/>
+              <a:t>0</a:t>
+            </a:r>
+          </a:p>
+        </p:txBody>
+      </p:sp>
+      <p:sp>
+        <p:nvSpPr>
+          <p:cNvPr id="31" name="TextBox 30">
+            <a:extLst>
+              <a:ext uri="{FF2B5EF4-FFF2-40B4-BE49-F238E27FC236}">
+                <a16:creationId xmlns:a16="http://schemas.microsoft.com/office/drawing/2014/main" id="{0E141D55-D05D-4436-9406-BBB33B07328F}"/>
+              </a:ext>
+            </a:extLst>
+          </p:cNvPr>
+          <p:cNvSpPr txBox="1"/>
+          <p:nvPr/>
+        </p:nvSpPr>
+        <p:spPr>
+          <a:xfrm>
+            <a:off x="9206223" y="4188542"/>
+            <a:ext cx="1929932" cy="1200329"/>
+          </a:xfrm>
+          <a:prstGeom prst="rect">
+            <a:avLst/>
+          </a:prstGeom>
+          <a:noFill/>
+        </p:spPr>
+        <p:txBody>
+          <a:bodyPr wrap="square" rtlCol="0">
+            <a:spAutoFit/>
+          </a:bodyPr>
+          <a:lstStyle/>
+          <a:p>
+            <a:r>
+              <a:rPr lang="en-US"/>
+              <a:t>King</a:t>
+            </a:r>
+          </a:p>
+          <a:p>
+            <a:r>
+              <a:rPr lang="en-US"/>
+              <a:t>juice</a:t>
+            </a:r>
+          </a:p>
+          <a:p>
+            <a:r>
+              <a:rPr lang="en-US"/>
+              <a:t>…</a:t>
+            </a:r>
+          </a:p>
+          <a:p>
+            <a:r>
+              <a:rPr lang="en-US"/>
+              <a:t>…</a:t>
+            </a:r>
+          </a:p>
+        </p:txBody>
+      </p:sp>
+      <p:sp>
+        <p:nvSpPr>
+          <p:cNvPr id="32" name="TextBox 31">
+            <a:extLst>
+              <a:ext uri="{FF2B5EF4-FFF2-40B4-BE49-F238E27FC236}">
+                <a16:creationId xmlns:a16="http://schemas.microsoft.com/office/drawing/2014/main" id="{1D6BEF6A-A100-4908-A028-31DCE30DA4D8}"/>
+              </a:ext>
+            </a:extLst>
+          </p:cNvPr>
+          <p:cNvSpPr txBox="1"/>
+          <p:nvPr/>
+        </p:nvSpPr>
+        <p:spPr>
+          <a:xfrm>
+            <a:off x="5848789" y="5334829"/>
+            <a:ext cx="3522757" cy="1200329"/>
+          </a:xfrm>
+          <a:prstGeom prst="rect">
+            <a:avLst/>
+          </a:prstGeom>
+          <a:noFill/>
+        </p:spPr>
+        <p:txBody>
+          <a:bodyPr wrap="square" rtlCol="0">
+            <a:spAutoFit/>
+          </a:bodyPr>
+          <a:lstStyle/>
+          <a:p>
+            <a:r>
+              <a:rPr lang="en-US"/>
+              <a:t>We have 10k output nodes, but we only update weights based on a few negative weights</a:t>
+            </a:r>
+          </a:p>
+        </p:txBody>
+      </p:sp>
+    </p:spTree>
+    <p:extLst>
+      <p:ext uri="{BB962C8B-B14F-4D97-AF65-F5344CB8AC3E}">
+        <p14:creationId xmlns:p14="http://schemas.microsoft.com/office/powerpoint/2010/main" val="2114016710"/>
+      </p:ext>
+    </p:extLst>
+  </p:cSld>
+  <p:clrMapOvr>
+    <a:masterClrMapping/>
+  </p:clrMapOvr>
+</p:sld>
+</file>
+
+<file path=ppt/slides/slide5.xml><?xml version="1.0" encoding="utf-8"?>
+<p:sld xmlns:a="http://schemas.openxmlformats.org/drawingml/2006/main" xmlns:r="http://schemas.openxmlformats.org/officeDocument/2006/relationships" xmlns:p="http://schemas.openxmlformats.org/presentationml/2006/main">
+  <p:cSld>
+    <p:spTree>
+      <p:nvGrpSpPr>
+        <p:cNvPr id="1" name=""/>
+        <p:cNvGrpSpPr/>
+        <p:nvPr/>
+      </p:nvGrpSpPr>
+      <p:grpSpPr>
+        <a:xfrm>
+          <a:off x="0" y="0"/>
+          <a:ext cx="0" cy="0"/>
+          <a:chOff x="0" y="0"/>
+          <a:chExt cx="0" cy="0"/>
+        </a:xfrm>
+      </p:grpSpPr>
+      <p:sp>
+        <p:nvSpPr>
+          <p:cNvPr id="2" name="Title 1">
+            <a:extLst>
+              <a:ext uri="{FF2B5EF4-FFF2-40B4-BE49-F238E27FC236}">
+                <a16:creationId xmlns:a16="http://schemas.microsoft.com/office/drawing/2014/main" id="{0CFA6934-F01E-47AB-921C-8DB1F1B43264}"/>
+              </a:ext>
+            </a:extLst>
+          </p:cNvPr>
+          <p:cNvSpPr>
+            <a:spLocks noGrp="1"/>
+          </p:cNvSpPr>
+          <p:nvPr>
+            <p:ph type="title"/>
+          </p:nvPr>
+        </p:nvSpPr>
+        <p:spPr/>
+        <p:txBody>
+          <a:bodyPr/>
+          <a:lstStyle/>
+          <a:p>
+            <a:r>
+              <a:rPr lang="en-US"/>
+              <a:t>RNN Attention</a:t>
+            </a:r>
+          </a:p>
+        </p:txBody>
+      </p:sp>
+      <p:sp>
+        <p:nvSpPr>
+          <p:cNvPr id="4" name="TextBox 3">
+            <a:extLst>
+              <a:ext uri="{FF2B5EF4-FFF2-40B4-BE49-F238E27FC236}">
+                <a16:creationId xmlns:a16="http://schemas.microsoft.com/office/drawing/2014/main" id="{3612D591-BE2A-49B5-9F8F-DF33FA12FE3D}"/>
+              </a:ext>
+            </a:extLst>
+          </p:cNvPr>
+          <p:cNvSpPr txBox="1"/>
+          <p:nvPr/>
+        </p:nvSpPr>
+        <p:spPr>
+          <a:xfrm>
+            <a:off x="1104022" y="1967856"/>
+            <a:ext cx="4875396" cy="646331"/>
+          </a:xfrm>
+          <a:prstGeom prst="rect">
+            <a:avLst/>
+          </a:prstGeom>
+          <a:noFill/>
+        </p:spPr>
+        <p:txBody>
+          <a:bodyPr wrap="square" rtlCol="0">
+            <a:spAutoFit/>
+          </a:bodyPr>
+          <a:lstStyle/>
+          <a:p>
+            <a:r>
+              <a:rPr lang="en-US">
+                <a:solidFill>
+                  <a:schemeClr val="accent1"/>
+                </a:solidFill>
+              </a:rPr>
+              <a:t>Attention </a:t>
+            </a:r>
+            <a:r>
+              <a:rPr lang="en-US"/>
+              <a:t>is a scalar value for an input embedding.</a:t>
+            </a:r>
+          </a:p>
+        </p:txBody>
+      </p:sp>
+      <mc:AlternateContent xmlns:mc="http://schemas.openxmlformats.org/markup-compatibility/2006" xmlns:a14="http://schemas.microsoft.com/office/drawing/2010/main">
+        <mc:Choice Requires="a14">
+          <p:sp>
+            <p:nvSpPr>
+              <p:cNvPr id="5" name="TextBox 4">
+                <a:extLst>
+                  <a:ext uri="{FF2B5EF4-FFF2-40B4-BE49-F238E27FC236}">
+                    <a16:creationId xmlns:a16="http://schemas.microsoft.com/office/drawing/2014/main" id="{74A25BDA-6C24-4760-A18F-4D6FE6AA3BD0}"/>
+                  </a:ext>
+                </a:extLst>
+              </p:cNvPr>
+              <p:cNvSpPr txBox="1"/>
+              <p:nvPr/>
+            </p:nvSpPr>
+            <p:spPr>
+              <a:xfrm>
+                <a:off x="1104022" y="2764269"/>
+                <a:ext cx="6211178" cy="2309991"/>
+              </a:xfrm>
+              <a:prstGeom prst="rect">
+                <a:avLst/>
+              </a:prstGeom>
+              <a:noFill/>
+            </p:spPr>
+            <p:txBody>
+              <a:bodyPr wrap="square" rtlCol="0">
+                <a:spAutoFit/>
+              </a:bodyPr>
+              <a:lstStyle/>
+              <a:p>
+                <a:pPr/>
+                <a14:m>
+                  <m:oMathPara xmlns:m="http://schemas.openxmlformats.org/officeDocument/2006/math">
+                    <m:oMathParaPr>
+                      <m:jc m:val="left"/>
+                    </m:oMathParaPr>
+                    <m:oMath xmlns:m="http://schemas.openxmlformats.org/officeDocument/2006/math">
+                      <m:sSup>
+                        <m:sSupPr>
+                          <m:ctrlPr>
+                            <a:rPr lang="en-US" b="0" i="1" smtClean="0">
+                              <a:latin typeface="Cambria Math" panose="02040503050406030204" pitchFamily="18" charset="0"/>
+                            </a:rPr>
+                          </m:ctrlPr>
+                        </m:sSupPr>
+                        <m:e>
+                          <m:r>
+                            <a:rPr lang="en-US" b="0" i="1" smtClean="0">
+                              <a:latin typeface="Cambria Math" panose="02040503050406030204" pitchFamily="18" charset="0"/>
+                            </a:rPr>
+                            <m:t>𝑎</m:t>
+                          </m:r>
+                        </m:e>
+                        <m:sup>
+                          <m:acc>
+                            <m:accPr>
+                              <m:chr m:val="́"/>
+                              <m:ctrlPr>
+                                <a:rPr lang="en-US" b="0" i="1" smtClean="0">
+                                  <a:latin typeface="Cambria Math" panose="02040503050406030204" pitchFamily="18" charset="0"/>
+                                </a:rPr>
+                              </m:ctrlPr>
+                            </m:accPr>
+                            <m:e>
+                              <m:r>
+                                <a:rPr lang="en-US" b="0" i="1" smtClean="0">
+                                  <a:latin typeface="Cambria Math" panose="02040503050406030204" pitchFamily="18" charset="0"/>
+                                </a:rPr>
+                                <m:t>𝑡</m:t>
+                              </m:r>
+                            </m:e>
+                          </m:acc>
+                        </m:sup>
+                      </m:sSup>
+                      <m:r>
+                        <a:rPr lang="en-US" b="0" i="1" smtClean="0">
+                          <a:latin typeface="Cambria Math" panose="02040503050406030204" pitchFamily="18" charset="0"/>
+                        </a:rPr>
+                        <m:t>=</m:t>
+                      </m:r>
+                      <m:sSubSup>
+                        <m:sSubSupPr>
+                          <m:ctrlPr>
+                            <a:rPr lang="en-US" i="1" smtClean="0">
+                              <a:latin typeface="Cambria Math" panose="02040503050406030204" pitchFamily="18" charset="0"/>
+                            </a:rPr>
+                          </m:ctrlPr>
+                        </m:sSubSupPr>
+                        <m:e>
+                          <m:r>
+                            <a:rPr lang="en-US" b="0" i="1" smtClean="0">
+                              <a:latin typeface="Cambria Math" panose="02040503050406030204" pitchFamily="18" charset="0"/>
+                            </a:rPr>
+                            <m:t>[</m:t>
+                          </m:r>
+                          <m:r>
+                            <a:rPr lang="en-US" b="0" i="1" smtClean="0">
+                              <a:latin typeface="Cambria Math" panose="02040503050406030204" pitchFamily="18" charset="0"/>
+                            </a:rPr>
+                            <m:t>𝑎</m:t>
+                          </m:r>
+                        </m:e>
+                        <m:sub>
+                          <m:r>
+                            <a:rPr lang="en-US" b="0" i="1" smtClean="0">
+                              <a:latin typeface="Cambria Math" panose="02040503050406030204" pitchFamily="18" charset="0"/>
+                            </a:rPr>
+                            <m:t>𝑓𝑜𝑟𝑤𝑎𝑟𝑑</m:t>
+                          </m:r>
+                        </m:sub>
+                        <m:sup>
+                          <m:r>
+                            <a:rPr lang="en-US" b="0" i="1" smtClean="0">
+                              <a:latin typeface="Cambria Math" panose="02040503050406030204" pitchFamily="18" charset="0"/>
+                            </a:rPr>
+                            <m:t>&lt;</m:t>
+                          </m:r>
+                          <m:acc>
+                            <m:accPr>
+                              <m:chr m:val="́"/>
+                              <m:ctrlPr>
+                                <a:rPr lang="en-US" b="0" i="1" smtClean="0">
+                                  <a:latin typeface="Cambria Math" panose="02040503050406030204" pitchFamily="18" charset="0"/>
+                                </a:rPr>
+                              </m:ctrlPr>
+                            </m:accPr>
+                            <m:e>
+                              <m:r>
+                                <a:rPr lang="en-US" b="0" i="1" smtClean="0">
+                                  <a:latin typeface="Cambria Math" panose="02040503050406030204" pitchFamily="18" charset="0"/>
+                                </a:rPr>
+                                <m:t>𝑡</m:t>
+                              </m:r>
+                              <m:r>
+                                <a:rPr lang="en-US" b="0" i="1" smtClean="0">
+                                  <a:latin typeface="Cambria Math" panose="02040503050406030204" pitchFamily="18" charset="0"/>
+                                </a:rPr>
+                                <m:t>&gt;</m:t>
+                              </m:r>
+                            </m:e>
+                          </m:acc>
+                        </m:sup>
+                      </m:sSubSup>
+                      <m:r>
+                        <a:rPr lang="en-US" b="0" i="1" smtClean="0">
+                          <a:latin typeface="Cambria Math" panose="02040503050406030204" pitchFamily="18" charset="0"/>
+                        </a:rPr>
+                        <m:t>,</m:t>
+                      </m:r>
+                      <m:sSubSup>
+                        <m:sSubSupPr>
+                          <m:ctrlPr>
+                            <a:rPr lang="en-US" i="1">
+                              <a:latin typeface="Cambria Math" panose="02040503050406030204" pitchFamily="18" charset="0"/>
+                            </a:rPr>
+                          </m:ctrlPr>
+                        </m:sSubSupPr>
+                        <m:e>
+                          <m:r>
+                            <a:rPr lang="en-US" i="1">
+                              <a:latin typeface="Cambria Math" panose="02040503050406030204" pitchFamily="18" charset="0"/>
+                            </a:rPr>
+                            <m:t>𝑎</m:t>
+                          </m:r>
+                        </m:e>
+                        <m:sub>
+                          <m:r>
+                            <a:rPr lang="en-US" b="0" i="1" smtClean="0">
+                              <a:latin typeface="Cambria Math" panose="02040503050406030204" pitchFamily="18" charset="0"/>
+                            </a:rPr>
+                            <m:t>𝑏𝑎𝑐𝑘𝑤𝑎𝑟𝑑</m:t>
+                          </m:r>
+                        </m:sub>
+                        <m:sup>
+                          <m:r>
+                            <a:rPr lang="en-US" i="1">
+                              <a:latin typeface="Cambria Math" panose="02040503050406030204" pitchFamily="18" charset="0"/>
+                            </a:rPr>
+                            <m:t>&lt;</m:t>
+                          </m:r>
+                          <m:acc>
+                            <m:accPr>
+                              <m:chr m:val="́"/>
+                              <m:ctrlPr>
+                                <a:rPr lang="en-US" i="1">
+                                  <a:latin typeface="Cambria Math" panose="02040503050406030204" pitchFamily="18" charset="0"/>
+                                </a:rPr>
+                              </m:ctrlPr>
+                            </m:accPr>
+                            <m:e>
+                              <m:r>
+                                <a:rPr lang="en-US" i="1">
+                                  <a:latin typeface="Cambria Math" panose="02040503050406030204" pitchFamily="18" charset="0"/>
+                                </a:rPr>
+                                <m:t>𝑡</m:t>
+                              </m:r>
+                              <m:r>
+                                <a:rPr lang="en-US" i="1">
+                                  <a:latin typeface="Cambria Math" panose="02040503050406030204" pitchFamily="18" charset="0"/>
+                                </a:rPr>
+                                <m:t>&gt;</m:t>
+                              </m:r>
+                            </m:e>
+                          </m:acc>
+                        </m:sup>
+                      </m:sSubSup>
+                      <m:r>
+                        <a:rPr lang="en-US" b="0" i="1" smtClean="0">
+                          <a:latin typeface="Cambria Math" panose="02040503050406030204" pitchFamily="18" charset="0"/>
+                        </a:rPr>
+                        <m:t>]</m:t>
+                      </m:r>
+                    </m:oMath>
+                  </m:oMathPara>
+                </a14:m>
+                <a:endParaRPr lang="en-US"/>
+              </a:p>
+              <a:p>
+                <a:endParaRPr lang="en-US"/>
+              </a:p>
+              <a:p>
+                <a14:m>
+                  <m:oMath xmlns:m="http://schemas.openxmlformats.org/officeDocument/2006/math">
+                    <m:sSup>
+                      <m:sSupPr>
+                        <m:ctrlPr>
+                          <a:rPr lang="en-US" i="1" smtClean="0">
+                            <a:latin typeface="Cambria Math" panose="02040503050406030204" pitchFamily="18" charset="0"/>
+                          </a:rPr>
+                        </m:ctrlPr>
+                      </m:sSupPr>
+                      <m:e>
+                        <m:r>
+                          <a:rPr lang="en-US" b="0" i="1" smtClean="0">
+                            <a:latin typeface="Cambria Math" panose="02040503050406030204" pitchFamily="18" charset="0"/>
+                          </a:rPr>
+                          <m:t>𝑒</m:t>
+                        </m:r>
+                      </m:e>
+                      <m:sup>
+                        <m:r>
+                          <a:rPr lang="en-US" b="0" i="1" smtClean="0">
+                            <a:latin typeface="Cambria Math" panose="02040503050406030204" pitchFamily="18" charset="0"/>
+                          </a:rPr>
+                          <m:t>&lt;</m:t>
+                        </m:r>
+                        <m:r>
+                          <a:rPr lang="en-US" b="0" i="1" smtClean="0">
+                            <a:latin typeface="Cambria Math" panose="02040503050406030204" pitchFamily="18" charset="0"/>
+                          </a:rPr>
+                          <m:t>𝑡</m:t>
+                        </m:r>
+                        <m:r>
+                          <a:rPr lang="en-US" b="0" i="1" smtClean="0">
+                            <a:latin typeface="Cambria Math" panose="02040503050406030204" pitchFamily="18" charset="0"/>
+                          </a:rPr>
+                          <m:t>,</m:t>
+                        </m:r>
+                        <m:acc>
+                          <m:accPr>
+                            <m:chr m:val="́"/>
+                            <m:ctrlPr>
+                              <a:rPr lang="en-US" i="1" smtClean="0">
+                                <a:latin typeface="Cambria Math" panose="02040503050406030204" pitchFamily="18" charset="0"/>
+                              </a:rPr>
+                            </m:ctrlPr>
+                          </m:accPr>
+                          <m:e>
+                            <m:r>
+                              <a:rPr lang="en-US" b="0" i="1" smtClean="0">
+                                <a:latin typeface="Cambria Math" panose="02040503050406030204" pitchFamily="18" charset="0"/>
+                              </a:rPr>
+                              <m:t>𝑡</m:t>
+                            </m:r>
+                            <m:r>
+                              <a:rPr lang="en-US" b="0" i="1" smtClean="0">
+                                <a:latin typeface="Cambria Math" panose="02040503050406030204" pitchFamily="18" charset="0"/>
+                              </a:rPr>
+                              <m:t>&gt;</m:t>
+                            </m:r>
+                          </m:e>
+                        </m:acc>
+                      </m:sup>
+                    </m:sSup>
+                    <m:r>
+                      <a:rPr lang="en-US" b="0" i="1" smtClean="0">
+                        <a:latin typeface="Cambria Math" panose="02040503050406030204" pitchFamily="18" charset="0"/>
+                      </a:rPr>
+                      <m:t>=</m:t>
+                    </m:r>
+                    <m:r>
+                      <a:rPr lang="en-US" b="0" i="1" smtClean="0">
+                        <a:latin typeface="Cambria Math" panose="02040503050406030204" pitchFamily="18" charset="0"/>
+                      </a:rPr>
+                      <m:t>𝐹𝐹𝑁</m:t>
+                    </m:r>
+                    <m:r>
+                      <a:rPr lang="en-US" b="0" i="1" smtClean="0">
+                        <a:latin typeface="Cambria Math" panose="02040503050406030204" pitchFamily="18" charset="0"/>
+                      </a:rPr>
+                      <m:t>(</m:t>
+                    </m:r>
+                    <m:sSup>
+                      <m:sSupPr>
+                        <m:ctrlPr>
+                          <a:rPr lang="en-US" b="0" i="1" smtClean="0">
+                            <a:latin typeface="Cambria Math" panose="02040503050406030204" pitchFamily="18" charset="0"/>
+                          </a:rPr>
+                        </m:ctrlPr>
+                      </m:sSupPr>
+                      <m:e>
+                        <m:r>
+                          <a:rPr lang="en-US" b="0" i="1" smtClean="0">
+                            <a:latin typeface="Cambria Math" panose="02040503050406030204" pitchFamily="18" charset="0"/>
+                          </a:rPr>
+                          <m:t>𝑠</m:t>
+                        </m:r>
+                      </m:e>
+                      <m:sup>
+                        <m:r>
+                          <a:rPr lang="en-US" b="0" i="1" smtClean="0">
+                            <a:latin typeface="Cambria Math" panose="02040503050406030204" pitchFamily="18" charset="0"/>
+                          </a:rPr>
+                          <m:t>&lt;</m:t>
+                        </m:r>
+                        <m:r>
+                          <a:rPr lang="en-US" b="0" i="1" smtClean="0">
+                            <a:latin typeface="Cambria Math" panose="02040503050406030204" pitchFamily="18" charset="0"/>
+                          </a:rPr>
+                          <m:t>𝑡</m:t>
+                        </m:r>
+                        <m:r>
+                          <a:rPr lang="en-US" b="0" i="1" smtClean="0">
+                            <a:latin typeface="Cambria Math" panose="02040503050406030204" pitchFamily="18" charset="0"/>
+                          </a:rPr>
+                          <m:t>−1&gt;</m:t>
+                        </m:r>
+                      </m:sup>
+                    </m:sSup>
+                    <m:r>
+                      <a:rPr lang="en-US" b="0" i="1" smtClean="0">
+                        <a:latin typeface="Cambria Math" panose="02040503050406030204" pitchFamily="18" charset="0"/>
+                      </a:rPr>
+                      <m:t>, </m:t>
+                    </m:r>
+                    <m:sSup>
+                      <m:sSupPr>
+                        <m:ctrlPr>
+                          <a:rPr lang="en-US" i="1">
+                            <a:latin typeface="Cambria Math" panose="02040503050406030204" pitchFamily="18" charset="0"/>
+                          </a:rPr>
+                        </m:ctrlPr>
+                      </m:sSupPr>
+                      <m:e>
+                        <m:r>
+                          <a:rPr lang="en-US" i="1">
+                            <a:latin typeface="Cambria Math" panose="02040503050406030204" pitchFamily="18" charset="0"/>
+                          </a:rPr>
+                          <m:t>𝑎</m:t>
+                        </m:r>
+                      </m:e>
+                      <m:sup>
+                        <m:acc>
+                          <m:accPr>
+                            <m:chr m:val="́"/>
+                            <m:ctrlPr>
+                              <a:rPr lang="en-US" i="1">
+                                <a:latin typeface="Cambria Math" panose="02040503050406030204" pitchFamily="18" charset="0"/>
+                              </a:rPr>
+                            </m:ctrlPr>
+                          </m:accPr>
+                          <m:e>
+                            <m:r>
+                              <a:rPr lang="en-US" i="1">
+                                <a:latin typeface="Cambria Math" panose="02040503050406030204" pitchFamily="18" charset="0"/>
+                              </a:rPr>
+                              <m:t>𝑡</m:t>
+                            </m:r>
+                          </m:e>
+                        </m:acc>
+                      </m:sup>
+                    </m:sSup>
+                  </m:oMath>
+                </a14:m>
+                <a:r>
+                  <a:rPr lang="en-US"/>
+                  <a:t>)</a:t>
+                </a:r>
+              </a:p>
+              <a:p>
+                <a:endParaRPr lang="en-US"/>
+              </a:p>
+              <a:p>
+                <a:pPr/>
+                <a14:m>
+                  <m:oMathPara xmlns:m="http://schemas.openxmlformats.org/officeDocument/2006/math">
+                    <m:oMathParaPr>
+                      <m:jc m:val="left"/>
+                    </m:oMathParaPr>
+                    <m:oMath xmlns:m="http://schemas.openxmlformats.org/officeDocument/2006/math">
+                      <m:sSup>
+                        <m:sSupPr>
+                          <m:ctrlPr>
+                            <a:rPr lang="en-US" i="1">
+                              <a:latin typeface="Cambria Math" panose="02040503050406030204" pitchFamily="18" charset="0"/>
+                            </a:rPr>
+                          </m:ctrlPr>
+                        </m:sSupPr>
+                        <m:e>
+                          <m:r>
+                            <a:rPr lang="en-US" i="1" smtClean="0">
+                              <a:latin typeface="Cambria Math" panose="02040503050406030204" pitchFamily="18" charset="0"/>
+                              <a:ea typeface="Cambria Math" panose="02040503050406030204" pitchFamily="18" charset="0"/>
+                            </a:rPr>
+                            <m:t>𝛼</m:t>
+                          </m:r>
+                        </m:e>
+                        <m:sup>
+                          <m:r>
+                            <a:rPr lang="en-US" b="0" i="1" smtClean="0">
+                              <a:latin typeface="Cambria Math" panose="02040503050406030204" pitchFamily="18" charset="0"/>
+                            </a:rPr>
+                            <m:t>&lt;</m:t>
+                          </m:r>
+                          <m:r>
+                            <a:rPr lang="en-US" b="0" i="1" smtClean="0">
+                              <a:latin typeface="Cambria Math" panose="02040503050406030204" pitchFamily="18" charset="0"/>
+                            </a:rPr>
+                            <m:t>𝑡</m:t>
+                          </m:r>
+                          <m:r>
+                            <a:rPr lang="en-US" b="0" i="1" smtClean="0">
+                              <a:latin typeface="Cambria Math" panose="02040503050406030204" pitchFamily="18" charset="0"/>
+                            </a:rPr>
+                            <m:t>,</m:t>
+                          </m:r>
+                          <m:acc>
+                            <m:accPr>
+                              <m:chr m:val="́"/>
+                              <m:ctrlPr>
+                                <a:rPr lang="en-US" i="1">
+                                  <a:latin typeface="Cambria Math" panose="02040503050406030204" pitchFamily="18" charset="0"/>
+                                </a:rPr>
+                              </m:ctrlPr>
+                            </m:accPr>
+                            <m:e>
+                              <m:r>
+                                <a:rPr lang="en-US" i="1">
+                                  <a:latin typeface="Cambria Math" panose="02040503050406030204" pitchFamily="18" charset="0"/>
+                                </a:rPr>
+                                <m:t>𝑡</m:t>
+                              </m:r>
+                              <m:r>
+                                <a:rPr lang="en-US" b="0" i="1" smtClean="0">
+                                  <a:latin typeface="Cambria Math" panose="02040503050406030204" pitchFamily="18" charset="0"/>
+                                </a:rPr>
+                                <m:t>&gt;</m:t>
+                              </m:r>
+                            </m:e>
+                          </m:acc>
+                        </m:sup>
+                      </m:sSup>
+                      <m:r>
+                        <a:rPr lang="en-US" b="0" i="1" smtClean="0">
+                          <a:latin typeface="Cambria Math" panose="02040503050406030204" pitchFamily="18" charset="0"/>
+                        </a:rPr>
+                        <m:t>= </m:t>
+                      </m:r>
+                      <m:f>
+                        <m:fPr>
+                          <m:ctrlPr>
+                            <a:rPr lang="en-US" b="0" i="1" smtClean="0">
+                              <a:latin typeface="Cambria Math" panose="02040503050406030204" pitchFamily="18" charset="0"/>
+                            </a:rPr>
+                          </m:ctrlPr>
+                        </m:fPr>
+                        <m:num>
+                          <m:r>
+                            <m:rPr>
+                              <m:sty m:val="p"/>
+                            </m:rPr>
+                            <a:rPr lang="en-US" b="0" i="0" smtClean="0">
+                              <a:latin typeface="Cambria Math" panose="02040503050406030204" pitchFamily="18" charset="0"/>
+                            </a:rPr>
+                            <m:t>exp</m:t>
+                          </m:r>
+                          <m:r>
+                            <a:rPr lang="en-US" b="0" i="1" smtClean="0">
+                              <a:latin typeface="Cambria Math" panose="02040503050406030204" pitchFamily="18" charset="0"/>
+                            </a:rPr>
+                            <m:t>⁡(</m:t>
+                          </m:r>
+                          <m:sSup>
+                            <m:sSupPr>
+                              <m:ctrlPr>
+                                <a:rPr lang="en-US" i="1">
+                                  <a:latin typeface="Cambria Math" panose="02040503050406030204" pitchFamily="18" charset="0"/>
+                                </a:rPr>
+                              </m:ctrlPr>
+                            </m:sSupPr>
+                            <m:e>
+                              <m:r>
+                                <a:rPr lang="en-US" b="0" i="1" smtClean="0">
+                                  <a:latin typeface="Cambria Math" panose="02040503050406030204" pitchFamily="18" charset="0"/>
+                                </a:rPr>
+                                <m:t>𝑒</m:t>
+                              </m:r>
+                            </m:e>
+                            <m:sup>
+                              <m:r>
+                                <a:rPr lang="en-US" i="1">
+                                  <a:latin typeface="Cambria Math" panose="02040503050406030204" pitchFamily="18" charset="0"/>
+                                </a:rPr>
+                                <m:t>&lt;</m:t>
+                              </m:r>
+                              <m:r>
+                                <a:rPr lang="en-US" i="1">
+                                  <a:latin typeface="Cambria Math" panose="02040503050406030204" pitchFamily="18" charset="0"/>
+                                </a:rPr>
+                                <m:t>𝑡</m:t>
+                              </m:r>
+                              <m:r>
+                                <a:rPr lang="en-US" i="1">
+                                  <a:latin typeface="Cambria Math" panose="02040503050406030204" pitchFamily="18" charset="0"/>
+                                </a:rPr>
+                                <m:t>,</m:t>
+                              </m:r>
+                              <m:acc>
+                                <m:accPr>
+                                  <m:chr m:val="́"/>
+                                  <m:ctrlPr>
+                                    <a:rPr lang="en-US" i="1">
+                                      <a:latin typeface="Cambria Math" panose="02040503050406030204" pitchFamily="18" charset="0"/>
+                                    </a:rPr>
+                                  </m:ctrlPr>
+                                </m:accPr>
+                                <m:e>
+                                  <m:r>
+                                    <a:rPr lang="en-US" i="1">
+                                      <a:latin typeface="Cambria Math" panose="02040503050406030204" pitchFamily="18" charset="0"/>
+                                    </a:rPr>
+                                    <m:t>𝑡</m:t>
+                                  </m:r>
+                                  <m:r>
+                                    <a:rPr lang="en-US" i="1">
+                                      <a:latin typeface="Cambria Math" panose="02040503050406030204" pitchFamily="18" charset="0"/>
+                                    </a:rPr>
+                                    <m:t>&gt;</m:t>
+                                  </m:r>
+                                </m:e>
+                              </m:acc>
+                            </m:sup>
+                          </m:sSup>
+                          <m:r>
+                            <a:rPr lang="en-US" b="0" i="1" smtClean="0">
+                              <a:latin typeface="Cambria Math" panose="02040503050406030204" pitchFamily="18" charset="0"/>
+                            </a:rPr>
+                            <m:t>)</m:t>
+                          </m:r>
+                        </m:num>
+                        <m:den>
+                          <m:nary>
+                            <m:naryPr>
+                              <m:chr m:val="∑"/>
+                              <m:ctrlPr>
+                                <a:rPr lang="en-US" b="0" i="1" smtClean="0">
+                                  <a:latin typeface="Cambria Math" panose="02040503050406030204" pitchFamily="18" charset="0"/>
+                                </a:rPr>
+                              </m:ctrlPr>
+                            </m:naryPr>
+                            <m:sub>
+                              <m:acc>
+                                <m:accPr>
+                                  <m:chr m:val="́"/>
+                                  <m:ctrlPr>
+                                    <a:rPr lang="en-US" b="0" i="1" smtClean="0">
+                                      <a:latin typeface="Cambria Math" panose="02040503050406030204" pitchFamily="18" charset="0"/>
+                                    </a:rPr>
+                                  </m:ctrlPr>
+                                </m:accPr>
+                                <m:e>
+                                  <m:r>
+                                    <a:rPr lang="en-US" b="0" i="1" smtClean="0">
+                                      <a:latin typeface="Cambria Math" panose="02040503050406030204" pitchFamily="18" charset="0"/>
+                                    </a:rPr>
+                                    <m:t>𝑡</m:t>
+                                  </m:r>
+                                </m:e>
+                              </m:acc>
+                              <m:r>
+                                <a:rPr lang="en-US" b="0" i="1" smtClean="0">
+                                  <a:latin typeface="Cambria Math" panose="02040503050406030204" pitchFamily="18" charset="0"/>
+                                </a:rPr>
+                                <m:t>=1</m:t>
+                              </m:r>
+                            </m:sub>
+                            <m:sup>
+                              <m:sSub>
+                                <m:sSubPr>
+                                  <m:ctrlPr>
+                                    <a:rPr lang="en-US" b="0" i="1" smtClean="0">
+                                      <a:latin typeface="Cambria Math" panose="02040503050406030204" pitchFamily="18" charset="0"/>
+                                    </a:rPr>
+                                  </m:ctrlPr>
+                                </m:sSubPr>
+                                <m:e>
+                                  <m:r>
+                                    <a:rPr lang="en-US" b="0" i="1" smtClean="0">
+                                      <a:latin typeface="Cambria Math" panose="02040503050406030204" pitchFamily="18" charset="0"/>
+                                    </a:rPr>
+                                    <m:t>𝑇</m:t>
+                                  </m:r>
+                                </m:e>
+                                <m:sub>
+                                  <m:r>
+                                    <a:rPr lang="en-US" b="0" i="1" smtClean="0">
+                                      <a:latin typeface="Cambria Math" panose="02040503050406030204" pitchFamily="18" charset="0"/>
+                                    </a:rPr>
+                                    <m:t>𝑥</m:t>
+                                  </m:r>
+                                </m:sub>
+                              </m:sSub>
+                            </m:sup>
+                            <m:e>
+                              <m:r>
+                                <m:rPr>
+                                  <m:sty m:val="p"/>
+                                </m:rPr>
+                                <a:rPr lang="en-US">
+                                  <a:latin typeface="Cambria Math" panose="02040503050406030204" pitchFamily="18" charset="0"/>
+                                </a:rPr>
+                                <m:t>exp</m:t>
+                              </m:r>
+                              <m:r>
+                                <a:rPr lang="en-US" i="1">
+                                  <a:latin typeface="Cambria Math" panose="02040503050406030204" pitchFamily="18" charset="0"/>
+                                </a:rPr>
+                                <m:t>⁡(</m:t>
+                              </m:r>
+                              <m:sSup>
+                                <m:sSupPr>
+                                  <m:ctrlPr>
+                                    <a:rPr lang="en-US" i="1">
+                                      <a:latin typeface="Cambria Math" panose="02040503050406030204" pitchFamily="18" charset="0"/>
+                                    </a:rPr>
+                                  </m:ctrlPr>
+                                </m:sSupPr>
+                                <m:e>
+                                  <m:r>
+                                    <a:rPr lang="en-US" i="1">
+                                      <a:latin typeface="Cambria Math" panose="02040503050406030204" pitchFamily="18" charset="0"/>
+                                    </a:rPr>
+                                    <m:t>𝑒</m:t>
+                                  </m:r>
+                                </m:e>
+                                <m:sup>
+                                  <m:r>
+                                    <a:rPr lang="en-US" i="1">
+                                      <a:latin typeface="Cambria Math" panose="02040503050406030204" pitchFamily="18" charset="0"/>
+                                    </a:rPr>
+                                    <m:t>&lt;</m:t>
+                                  </m:r>
+                                  <m:r>
+                                    <a:rPr lang="en-US" i="1">
+                                      <a:latin typeface="Cambria Math" panose="02040503050406030204" pitchFamily="18" charset="0"/>
+                                    </a:rPr>
+                                    <m:t>𝑡</m:t>
+                                  </m:r>
+                                  <m:r>
+                                    <a:rPr lang="en-US" i="1">
+                                      <a:latin typeface="Cambria Math" panose="02040503050406030204" pitchFamily="18" charset="0"/>
+                                    </a:rPr>
+                                    <m:t>,</m:t>
+                                  </m:r>
+                                  <m:acc>
+                                    <m:accPr>
+                                      <m:chr m:val="́"/>
+                                      <m:ctrlPr>
+                                        <a:rPr lang="en-US" i="1">
+                                          <a:latin typeface="Cambria Math" panose="02040503050406030204" pitchFamily="18" charset="0"/>
+                                        </a:rPr>
+                                      </m:ctrlPr>
+                                    </m:accPr>
+                                    <m:e>
+                                      <m:r>
+                                        <a:rPr lang="en-US" i="1">
+                                          <a:latin typeface="Cambria Math" panose="02040503050406030204" pitchFamily="18" charset="0"/>
+                                        </a:rPr>
+                                        <m:t>𝑡</m:t>
+                                      </m:r>
+                                      <m:r>
+                                        <a:rPr lang="en-US" i="1">
+                                          <a:latin typeface="Cambria Math" panose="02040503050406030204" pitchFamily="18" charset="0"/>
+                                        </a:rPr>
+                                        <m:t>&gt;</m:t>
+                                      </m:r>
+                                    </m:e>
+                                  </m:acc>
+                                </m:sup>
+                              </m:sSup>
+                              <m:r>
+                                <a:rPr lang="en-US" i="1">
+                                  <a:latin typeface="Cambria Math" panose="02040503050406030204" pitchFamily="18" charset="0"/>
+                                </a:rPr>
+                                <m:t>)</m:t>
+                              </m:r>
+                            </m:e>
+                          </m:nary>
+                        </m:den>
+                      </m:f>
+                    </m:oMath>
+                  </m:oMathPara>
+                </a14:m>
+                <a:endParaRPr lang="en-US"/>
+              </a:p>
+              <a:p>
+                <a:endParaRPr lang="en-US"/>
+              </a:p>
+            </p:txBody>
+          </p:sp>
+        </mc:Choice>
+        <mc:Fallback xmlns="">
+          <p:sp>
+            <p:nvSpPr>
+              <p:cNvPr id="5" name="TextBox 4">
+                <a:extLst>
+                  <a:ext uri="{FF2B5EF4-FFF2-40B4-BE49-F238E27FC236}">
+                    <a16:creationId xmlns:a16="http://schemas.microsoft.com/office/drawing/2014/main" id="{74A25BDA-6C24-4760-A18F-4D6FE6AA3BD0}"/>
+                  </a:ext>
+                </a:extLst>
+              </p:cNvPr>
+              <p:cNvSpPr txBox="1">
+                <a:spLocks noRot="1" noChangeAspect="1" noMove="1" noResize="1" noEditPoints="1" noAdjustHandles="1" noChangeArrowheads="1" noChangeShapeType="1" noTextEdit="1"/>
+              </p:cNvSpPr>
+              <p:nvPr/>
+            </p:nvSpPr>
+            <p:spPr>
+              <a:xfrm>
+                <a:off x="1104022" y="2764269"/>
+                <a:ext cx="6211178" cy="2309991"/>
+              </a:xfrm>
+              <a:prstGeom prst="rect">
+                <a:avLst/>
+              </a:prstGeom>
+              <a:blipFill>
+                <a:blip r:embed="rId2"/>
+                <a:stretch>
+                  <a:fillRect t="-264"/>
+                </a:stretch>
+              </a:blipFill>
+            </p:spPr>
+            <p:txBody>
+              <a:bodyPr/>
+              <a:lstStyle/>
+              <a:p>
+                <a:r>
+                  <a:rPr lang="en-US">
+                    <a:noFill/>
+                  </a:rPr>
+                  <a:t> </a:t>
+                </a:r>
+              </a:p>
+            </p:txBody>
+          </p:sp>
+        </mc:Fallback>
+      </mc:AlternateContent>
+      <mc:AlternateContent xmlns:mc="http://schemas.openxmlformats.org/markup-compatibility/2006" xmlns:a14="http://schemas.microsoft.com/office/drawing/2010/main">
+        <mc:Choice Requires="a14">
+          <p:sp>
+            <p:nvSpPr>
+              <p:cNvPr id="6" name="TextBox 5">
+                <a:extLst>
+                  <a:ext uri="{FF2B5EF4-FFF2-40B4-BE49-F238E27FC236}">
+                    <a16:creationId xmlns:a16="http://schemas.microsoft.com/office/drawing/2014/main" id="{BBF0587E-F239-4125-82C1-BA535F42F707}"/>
+                  </a:ext>
+                </a:extLst>
+              </p:cNvPr>
+              <p:cNvSpPr txBox="1"/>
+              <p:nvPr/>
+            </p:nvSpPr>
+            <p:spPr>
+              <a:xfrm>
+                <a:off x="5845277" y="2291021"/>
+                <a:ext cx="6211178" cy="2033057"/>
+              </a:xfrm>
+              <a:prstGeom prst="rect">
+                <a:avLst/>
+              </a:prstGeom>
+              <a:noFill/>
+            </p:spPr>
+            <p:txBody>
+              <a:bodyPr wrap="square" rtlCol="0">
+                <a:spAutoFit/>
+              </a:bodyPr>
+              <a:lstStyle/>
+              <a:p>
+                <a:pPr/>
+                <a14:m>
+                  <m:oMathPara xmlns:m="http://schemas.openxmlformats.org/officeDocument/2006/math">
+                    <m:oMathParaPr>
+                      <m:jc m:val="left"/>
+                    </m:oMathParaPr>
+                    <m:oMath xmlns:m="http://schemas.openxmlformats.org/officeDocument/2006/math">
+                      <m:sSup>
+                        <m:sSupPr>
+                          <m:ctrlPr>
+                            <a:rPr lang="en-US" i="1">
+                              <a:latin typeface="Cambria Math" panose="02040503050406030204" pitchFamily="18" charset="0"/>
+                            </a:rPr>
+                          </m:ctrlPr>
+                        </m:sSupPr>
+                        <m:e>
+                          <m:r>
+                            <a:rPr lang="en-US" b="0" i="1" smtClean="0">
+                              <a:latin typeface="Cambria Math" panose="02040503050406030204" pitchFamily="18" charset="0"/>
+                            </a:rPr>
+                            <m:t>𝑐</m:t>
+                          </m:r>
+                        </m:e>
+                        <m:sup>
+                          <m:r>
+                            <a:rPr lang="en-US" i="1">
+                              <a:latin typeface="Cambria Math" panose="02040503050406030204" pitchFamily="18" charset="0"/>
+                            </a:rPr>
+                            <m:t>&lt;</m:t>
+                          </m:r>
+                          <m:r>
+                            <a:rPr lang="en-US" i="1">
+                              <a:latin typeface="Cambria Math" panose="02040503050406030204" pitchFamily="18" charset="0"/>
+                            </a:rPr>
+                            <m:t>𝑡</m:t>
+                          </m:r>
+                          <m:r>
+                            <a:rPr lang="en-US" b="0" i="1" smtClean="0">
+                              <a:latin typeface="Cambria Math" panose="02040503050406030204" pitchFamily="18" charset="0"/>
+                            </a:rPr>
+                            <m:t>&gt;</m:t>
+                          </m:r>
+                          <m:r>
+                            <a:rPr lang="en-US" i="1" smtClean="0">
+                              <a:latin typeface="Cambria Math" panose="02040503050406030204" pitchFamily="18" charset="0"/>
+                            </a:rPr>
+                            <m:t> </m:t>
+                          </m:r>
+                        </m:sup>
+                      </m:sSup>
+                      <m:r>
+                        <a:rPr lang="en-US" b="0" i="1" smtClean="0">
+                          <a:latin typeface="Cambria Math" panose="02040503050406030204" pitchFamily="18" charset="0"/>
+                        </a:rPr>
+                        <m:t>= </m:t>
+                      </m:r>
+                      <m:nary>
+                        <m:naryPr>
+                          <m:chr m:val="∑"/>
+                          <m:ctrlPr>
+                            <a:rPr lang="en-US" i="1">
+                              <a:latin typeface="Cambria Math" panose="02040503050406030204" pitchFamily="18" charset="0"/>
+                            </a:rPr>
+                          </m:ctrlPr>
+                        </m:naryPr>
+                        <m:sub>
+                          <m:acc>
+                            <m:accPr>
+                              <m:chr m:val="́"/>
+                              <m:ctrlPr>
+                                <a:rPr lang="en-US" i="1">
+                                  <a:latin typeface="Cambria Math" panose="02040503050406030204" pitchFamily="18" charset="0"/>
+                                </a:rPr>
+                              </m:ctrlPr>
+                            </m:accPr>
+                            <m:e>
+                              <m:r>
+                                <a:rPr lang="en-US" i="1">
+                                  <a:latin typeface="Cambria Math" panose="02040503050406030204" pitchFamily="18" charset="0"/>
+                                </a:rPr>
+                                <m:t>𝑡</m:t>
+                              </m:r>
+                            </m:e>
+                          </m:acc>
+                          <m:r>
+                            <a:rPr lang="en-US" i="1">
+                              <a:latin typeface="Cambria Math" panose="02040503050406030204" pitchFamily="18" charset="0"/>
+                            </a:rPr>
+                            <m:t>=1</m:t>
+                          </m:r>
+                        </m:sub>
+                        <m:sup>
+                          <m:sSub>
+                            <m:sSubPr>
+                              <m:ctrlPr>
+                                <a:rPr lang="en-US" i="1">
+                                  <a:latin typeface="Cambria Math" panose="02040503050406030204" pitchFamily="18" charset="0"/>
+                                </a:rPr>
+                              </m:ctrlPr>
+                            </m:sSubPr>
+                            <m:e>
+                              <m:r>
+                                <a:rPr lang="en-US" i="1">
+                                  <a:latin typeface="Cambria Math" panose="02040503050406030204" pitchFamily="18" charset="0"/>
+                                </a:rPr>
+                                <m:t>𝑇</m:t>
+                              </m:r>
+                            </m:e>
+                            <m:sub>
+                              <m:r>
+                                <a:rPr lang="en-US" i="1">
+                                  <a:latin typeface="Cambria Math" panose="02040503050406030204" pitchFamily="18" charset="0"/>
+                                </a:rPr>
+                                <m:t>𝑥</m:t>
+                              </m:r>
+                            </m:sub>
+                          </m:sSub>
+                        </m:sup>
+                        <m:e>
+                          <m:sSup>
+                            <m:sSupPr>
+                              <m:ctrlPr>
+                                <a:rPr lang="en-US" i="1">
+                                  <a:latin typeface="Cambria Math" panose="02040503050406030204" pitchFamily="18" charset="0"/>
+                                </a:rPr>
+                              </m:ctrlPr>
+                            </m:sSupPr>
+                            <m:e>
+                              <m:r>
+                                <a:rPr lang="en-US" i="1">
+                                  <a:latin typeface="Cambria Math" panose="02040503050406030204" pitchFamily="18" charset="0"/>
+                                  <a:ea typeface="Cambria Math" panose="02040503050406030204" pitchFamily="18" charset="0"/>
+                                </a:rPr>
+                                <m:t>𝛼</m:t>
+                              </m:r>
+                            </m:e>
+                            <m:sup>
+                              <m:r>
+                                <a:rPr lang="en-US" i="1">
+                                  <a:latin typeface="Cambria Math" panose="02040503050406030204" pitchFamily="18" charset="0"/>
+                                </a:rPr>
+                                <m:t>&lt;</m:t>
+                              </m:r>
+                              <m:r>
+                                <a:rPr lang="en-US" i="1">
+                                  <a:latin typeface="Cambria Math" panose="02040503050406030204" pitchFamily="18" charset="0"/>
+                                </a:rPr>
+                                <m:t>𝑡</m:t>
+                              </m:r>
+                              <m:r>
+                                <a:rPr lang="en-US" i="1">
+                                  <a:latin typeface="Cambria Math" panose="02040503050406030204" pitchFamily="18" charset="0"/>
+                                </a:rPr>
+                                <m:t>,</m:t>
+                              </m:r>
+                              <m:acc>
+                                <m:accPr>
+                                  <m:chr m:val="́"/>
+                                  <m:ctrlPr>
+                                    <a:rPr lang="en-US" i="1">
+                                      <a:latin typeface="Cambria Math" panose="02040503050406030204" pitchFamily="18" charset="0"/>
+                                    </a:rPr>
+                                  </m:ctrlPr>
+                                </m:accPr>
+                                <m:e>
+                                  <m:r>
+                                    <a:rPr lang="en-US" i="1">
+                                      <a:latin typeface="Cambria Math" panose="02040503050406030204" pitchFamily="18" charset="0"/>
+                                    </a:rPr>
+                                    <m:t>𝑡</m:t>
+                                  </m:r>
+                                  <m:r>
+                                    <a:rPr lang="en-US" i="1">
+                                      <a:latin typeface="Cambria Math" panose="02040503050406030204" pitchFamily="18" charset="0"/>
+                                    </a:rPr>
+                                    <m:t>&gt;</m:t>
+                                  </m:r>
+                                </m:e>
+                              </m:acc>
+                            </m:sup>
+                          </m:sSup>
+                          <m:sSup>
+                            <m:sSupPr>
+                              <m:ctrlPr>
+                                <a:rPr lang="en-US" i="1">
+                                  <a:latin typeface="Cambria Math" panose="02040503050406030204" pitchFamily="18" charset="0"/>
+                                </a:rPr>
+                              </m:ctrlPr>
+                            </m:sSupPr>
+                            <m:e>
+                              <m:r>
+                                <a:rPr lang="en-US" b="0" i="1" smtClean="0">
+                                  <a:latin typeface="Cambria Math" panose="02040503050406030204" pitchFamily="18" charset="0"/>
+                                </a:rPr>
+                                <m:t>𝑎</m:t>
+                              </m:r>
+                            </m:e>
+                            <m:sup>
+                              <m:r>
+                                <a:rPr lang="en-US" i="1">
+                                  <a:latin typeface="Cambria Math" panose="02040503050406030204" pitchFamily="18" charset="0"/>
+                                </a:rPr>
+                                <m:t>&lt;</m:t>
+                              </m:r>
+                              <m:acc>
+                                <m:accPr>
+                                  <m:chr m:val="́"/>
+                                  <m:ctrlPr>
+                                    <a:rPr lang="en-US" i="1">
+                                      <a:latin typeface="Cambria Math" panose="02040503050406030204" pitchFamily="18" charset="0"/>
+                                    </a:rPr>
+                                  </m:ctrlPr>
+                                </m:accPr>
+                                <m:e>
+                                  <m:r>
+                                    <a:rPr lang="en-US" i="1">
+                                      <a:latin typeface="Cambria Math" panose="02040503050406030204" pitchFamily="18" charset="0"/>
+                                    </a:rPr>
+                                    <m:t>𝑡</m:t>
+                                  </m:r>
+                                  <m:r>
+                                    <a:rPr lang="en-US" i="1">
+                                      <a:latin typeface="Cambria Math" panose="02040503050406030204" pitchFamily="18" charset="0"/>
+                                    </a:rPr>
+                                    <m:t>&gt;</m:t>
+                                  </m:r>
+                                </m:e>
+                              </m:acc>
+                            </m:sup>
+                          </m:sSup>
+                        </m:e>
+                      </m:nary>
+                    </m:oMath>
+                  </m:oMathPara>
+                </a14:m>
+                <a:endParaRPr lang="en-US"/>
+              </a:p>
+              <a:p>
+                <a:endParaRPr lang="en-US" i="1"/>
+              </a:p>
+              <a:p>
+                <a14:m>
+                  <m:oMath xmlns:m="http://schemas.openxmlformats.org/officeDocument/2006/math">
+                    <m:sSup>
+                      <m:sSupPr>
+                        <m:ctrlPr>
+                          <a:rPr lang="en-US" i="1">
+                            <a:latin typeface="Cambria Math" panose="02040503050406030204" pitchFamily="18" charset="0"/>
+                          </a:rPr>
+                        </m:ctrlPr>
+                      </m:sSupPr>
+                      <m:e>
+                        <m:r>
+                          <a:rPr lang="en-US" b="0" i="1" smtClean="0">
+                            <a:latin typeface="Cambria Math" panose="02040503050406030204" pitchFamily="18" charset="0"/>
+                          </a:rPr>
+                          <m:t>𝑠</m:t>
+                        </m:r>
+                      </m:e>
+                      <m:sup>
+                        <m:r>
+                          <a:rPr lang="en-US" i="1">
+                            <a:latin typeface="Cambria Math" panose="02040503050406030204" pitchFamily="18" charset="0"/>
+                          </a:rPr>
+                          <m:t>&lt;</m:t>
+                        </m:r>
+                        <m:r>
+                          <a:rPr lang="en-US" i="1">
+                            <a:latin typeface="Cambria Math" panose="02040503050406030204" pitchFamily="18" charset="0"/>
+                          </a:rPr>
+                          <m:t>𝑡</m:t>
+                        </m:r>
+                        <m:r>
+                          <a:rPr lang="en-US" i="1">
+                            <a:latin typeface="Cambria Math" panose="02040503050406030204" pitchFamily="18" charset="0"/>
+                          </a:rPr>
+                          <m:t>&gt; </m:t>
+                        </m:r>
+                      </m:sup>
+                    </m:sSup>
+                    <m:r>
+                      <a:rPr lang="en-US" i="1">
+                        <a:latin typeface="Cambria Math" panose="02040503050406030204" pitchFamily="18" charset="0"/>
+                      </a:rPr>
+                      <m:t>=</m:t>
+                    </m:r>
+                    <m:r>
+                      <a:rPr lang="en-US" b="0" i="1" smtClean="0">
+                        <a:latin typeface="Cambria Math" panose="02040503050406030204" pitchFamily="18" charset="0"/>
+                      </a:rPr>
+                      <m:t>𝑓</m:t>
+                    </m:r>
+                    <m:d>
+                      <m:dPr>
+                        <m:ctrlPr>
+                          <a:rPr lang="en-US" b="0" i="1" smtClean="0">
+                            <a:latin typeface="Cambria Math" panose="02040503050406030204" pitchFamily="18" charset="0"/>
+                          </a:rPr>
+                        </m:ctrlPr>
+                      </m:dPr>
+                      <m:e>
+                        <m:sSup>
+                          <m:sSupPr>
+                            <m:ctrlPr>
+                              <a:rPr lang="en-US" i="1">
+                                <a:latin typeface="Cambria Math" panose="02040503050406030204" pitchFamily="18" charset="0"/>
+                              </a:rPr>
+                            </m:ctrlPr>
+                          </m:sSupPr>
+                          <m:e>
+                            <m:r>
+                              <a:rPr lang="en-US" i="1">
+                                <a:latin typeface="Cambria Math" panose="02040503050406030204" pitchFamily="18" charset="0"/>
+                              </a:rPr>
+                              <m:t>𝑠</m:t>
+                            </m:r>
+                          </m:e>
+                          <m:sup>
+                            <m:r>
+                              <a:rPr lang="en-US" i="1">
+                                <a:latin typeface="Cambria Math" panose="02040503050406030204" pitchFamily="18" charset="0"/>
+                              </a:rPr>
+                              <m:t>&lt;</m:t>
+                            </m:r>
+                            <m:r>
+                              <a:rPr lang="en-US" i="1">
+                                <a:latin typeface="Cambria Math" panose="02040503050406030204" pitchFamily="18" charset="0"/>
+                              </a:rPr>
+                              <m:t>𝑡</m:t>
+                            </m:r>
+                            <m:r>
+                              <a:rPr lang="en-US" b="0" i="1" smtClean="0">
+                                <a:latin typeface="Cambria Math" panose="02040503050406030204" pitchFamily="18" charset="0"/>
+                              </a:rPr>
+                              <m:t>−1</m:t>
+                            </m:r>
+                            <m:r>
+                              <a:rPr lang="en-US" i="1">
+                                <a:latin typeface="Cambria Math" panose="02040503050406030204" pitchFamily="18" charset="0"/>
+                              </a:rPr>
+                              <m:t>&gt; </m:t>
+                            </m:r>
+                          </m:sup>
+                        </m:sSup>
+                        <m:r>
+                          <a:rPr lang="en-US" b="0" i="1" smtClean="0">
+                            <a:latin typeface="Cambria Math" panose="02040503050406030204" pitchFamily="18" charset="0"/>
+                          </a:rPr>
+                          <m:t>,</m:t>
+                        </m:r>
+                        <m:sSup>
+                          <m:sSupPr>
+                            <m:ctrlPr>
+                              <a:rPr lang="en-US" i="1">
+                                <a:latin typeface="Cambria Math" panose="02040503050406030204" pitchFamily="18" charset="0"/>
+                              </a:rPr>
+                            </m:ctrlPr>
+                          </m:sSupPr>
+                          <m:e>
+                            <m:r>
+                              <a:rPr lang="en-US" b="0" i="1" smtClean="0">
+                                <a:latin typeface="Cambria Math" panose="02040503050406030204" pitchFamily="18" charset="0"/>
+                              </a:rPr>
+                              <m:t>𝑦</m:t>
+                            </m:r>
+                          </m:e>
+                          <m:sup>
+                            <m:r>
+                              <a:rPr lang="en-US" i="1">
+                                <a:latin typeface="Cambria Math" panose="02040503050406030204" pitchFamily="18" charset="0"/>
+                              </a:rPr>
+                              <m:t>&lt;</m:t>
+                            </m:r>
+                            <m:r>
+                              <a:rPr lang="en-US" i="1">
+                                <a:latin typeface="Cambria Math" panose="02040503050406030204" pitchFamily="18" charset="0"/>
+                              </a:rPr>
+                              <m:t>𝑡</m:t>
+                            </m:r>
+                            <m:r>
+                              <a:rPr lang="en-US" b="0" i="1" smtClean="0">
+                                <a:latin typeface="Cambria Math" panose="02040503050406030204" pitchFamily="18" charset="0"/>
+                              </a:rPr>
+                              <m:t>−1</m:t>
+                            </m:r>
+                            <m:r>
+                              <a:rPr lang="en-US" i="1">
+                                <a:latin typeface="Cambria Math" panose="02040503050406030204" pitchFamily="18" charset="0"/>
+                              </a:rPr>
+                              <m:t>&gt; </m:t>
+                            </m:r>
+                          </m:sup>
+                        </m:sSup>
+                        <m:r>
+                          <a:rPr lang="en-US" b="0" i="1" smtClean="0">
+                            <a:latin typeface="Cambria Math" panose="02040503050406030204" pitchFamily="18" charset="0"/>
+                          </a:rPr>
+                          <m:t>,</m:t>
+                        </m:r>
+                        <m:sSup>
+                          <m:sSupPr>
+                            <m:ctrlPr>
+                              <a:rPr lang="en-US" i="1">
+                                <a:latin typeface="Cambria Math" panose="02040503050406030204" pitchFamily="18" charset="0"/>
+                              </a:rPr>
+                            </m:ctrlPr>
+                          </m:sSupPr>
+                          <m:e>
+                            <m:r>
+                              <a:rPr lang="en-US" b="0" i="1" smtClean="0">
+                                <a:latin typeface="Cambria Math" panose="02040503050406030204" pitchFamily="18" charset="0"/>
+                              </a:rPr>
+                              <m:t>𝑐</m:t>
+                            </m:r>
+                          </m:e>
+                          <m:sup>
+                            <m:r>
+                              <a:rPr lang="en-US" i="1">
+                                <a:latin typeface="Cambria Math" panose="02040503050406030204" pitchFamily="18" charset="0"/>
+                              </a:rPr>
+                              <m:t>&lt;</m:t>
+                            </m:r>
+                            <m:r>
+                              <a:rPr lang="en-US" i="1">
+                                <a:latin typeface="Cambria Math" panose="02040503050406030204" pitchFamily="18" charset="0"/>
+                              </a:rPr>
+                              <m:t>𝑡</m:t>
+                            </m:r>
+                            <m:r>
+                              <a:rPr lang="en-US" i="1">
+                                <a:latin typeface="Cambria Math" panose="02040503050406030204" pitchFamily="18" charset="0"/>
+                              </a:rPr>
+                              <m:t>&gt; </m:t>
+                            </m:r>
+                          </m:sup>
+                        </m:sSup>
+                      </m:e>
+                    </m:d>
+                  </m:oMath>
+                </a14:m>
+                <a:r>
+                  <a:rPr lang="en-US"/>
+                  <a:t> </a:t>
+                </a:r>
+                <a:r>
+                  <a:rPr lang="en-US">
+                    <a:solidFill>
+                      <a:srgbClr val="FF0000"/>
+                    </a:solidFill>
+                  </a:rPr>
+                  <a:t>(y</a:t>
+                </a:r>
+                <a:r>
+                  <a:rPr lang="en-US" baseline="30000">
+                    <a:solidFill>
+                      <a:srgbClr val="FF0000"/>
+                    </a:solidFill>
+                  </a:rPr>
+                  <a:t>&lt;t-1&gt;</a:t>
+                </a:r>
+                <a:r>
+                  <a:rPr lang="en-US">
+                    <a:solidFill>
+                      <a:srgbClr val="FF0000"/>
+                    </a:solidFill>
+                  </a:rPr>
+                  <a:t> is optional)</a:t>
+                </a:r>
+              </a:p>
+              <a:p>
+                <a:endParaRPr lang="en-US" i="1"/>
+              </a:p>
+              <a:p>
+                <a14:m>
+                  <m:oMath xmlns:m="http://schemas.openxmlformats.org/officeDocument/2006/math">
+                    <m:sSup>
+                      <m:sSupPr>
+                        <m:ctrlPr>
+                          <a:rPr lang="en-US" i="1">
+                            <a:latin typeface="Cambria Math" panose="02040503050406030204" pitchFamily="18" charset="0"/>
+                          </a:rPr>
+                        </m:ctrlPr>
+                      </m:sSupPr>
+                      <m:e>
+                        <m:r>
+                          <a:rPr lang="en-US" b="0" i="1" smtClean="0">
+                            <a:latin typeface="Cambria Math" panose="02040503050406030204" pitchFamily="18" charset="0"/>
+                          </a:rPr>
+                          <m:t>𝑦</m:t>
+                        </m:r>
+                      </m:e>
+                      <m:sup>
+                        <m:r>
+                          <a:rPr lang="en-US" i="1">
+                            <a:latin typeface="Cambria Math" panose="02040503050406030204" pitchFamily="18" charset="0"/>
+                          </a:rPr>
+                          <m:t>&lt;</m:t>
+                        </m:r>
+                        <m:r>
+                          <a:rPr lang="en-US" i="1">
+                            <a:latin typeface="Cambria Math" panose="02040503050406030204" pitchFamily="18" charset="0"/>
+                          </a:rPr>
+                          <m:t>𝑡</m:t>
+                        </m:r>
+                        <m:r>
+                          <a:rPr lang="en-US" i="1">
+                            <a:latin typeface="Cambria Math" panose="02040503050406030204" pitchFamily="18" charset="0"/>
+                          </a:rPr>
+                          <m:t>&gt; </m:t>
+                        </m:r>
+                      </m:sup>
+                    </m:sSup>
+                    <m:r>
+                      <a:rPr lang="en-US" b="0" i="1" smtClean="0">
+                        <a:latin typeface="Cambria Math" panose="02040503050406030204" pitchFamily="18" charset="0"/>
+                      </a:rPr>
+                      <m:t>=</m:t>
+                    </m:r>
+                    <m:r>
+                      <a:rPr lang="en-US" b="0" i="1" smtClean="0">
+                        <a:latin typeface="Cambria Math" panose="02040503050406030204" pitchFamily="18" charset="0"/>
+                      </a:rPr>
+                      <m:t>𝑠𝑜𝑓𝑡𝑚𝑎𝑥</m:t>
+                    </m:r>
+                    <m:r>
+                      <a:rPr lang="en-US" b="0" i="1" smtClean="0">
+                        <a:latin typeface="Cambria Math" panose="02040503050406030204" pitchFamily="18" charset="0"/>
+                      </a:rPr>
+                      <m:t>(</m:t>
+                    </m:r>
+                  </m:oMath>
+                </a14:m>
+                <a:r>
+                  <a:rPr lang="en-US"/>
+                  <a:t>f(s</a:t>
+                </a:r>
+                <a:r>
+                  <a:rPr lang="en-US" baseline="30000"/>
+                  <a:t>&lt;t&gt;</a:t>
+                </a:r>
+                <a:r>
+                  <a:rPr lang="en-US"/>
+                  <a:t>,b</a:t>
+                </a:r>
+                <a:r>
+                  <a:rPr lang="en-US" baseline="-25000"/>
+                  <a:t>y</a:t>
+                </a:r>
+                <a:r>
+                  <a:rPr lang="en-US"/>
+                  <a:t>)) </a:t>
+                </a:r>
+              </a:p>
+            </p:txBody>
+          </p:sp>
+        </mc:Choice>
+        <mc:Fallback xmlns="">
+          <p:sp>
+            <p:nvSpPr>
+              <p:cNvPr id="6" name="TextBox 5">
+                <a:extLst>
+                  <a:ext uri="{FF2B5EF4-FFF2-40B4-BE49-F238E27FC236}">
+                    <a16:creationId xmlns:a16="http://schemas.microsoft.com/office/drawing/2014/main" id="{BBF0587E-F239-4125-82C1-BA535F42F707}"/>
+                  </a:ext>
+                </a:extLst>
+              </p:cNvPr>
+              <p:cNvSpPr txBox="1">
+                <a:spLocks noRot="1" noChangeAspect="1" noMove="1" noResize="1" noEditPoints="1" noAdjustHandles="1" noChangeArrowheads="1" noChangeShapeType="1" noTextEdit="1"/>
+              </p:cNvSpPr>
+              <p:nvPr/>
+            </p:nvSpPr>
+            <p:spPr>
+              <a:xfrm>
+                <a:off x="5845277" y="2291021"/>
+                <a:ext cx="6211178" cy="2033057"/>
+              </a:xfrm>
+              <a:prstGeom prst="rect">
+                <a:avLst/>
+              </a:prstGeom>
+              <a:blipFill>
+                <a:blip r:embed="rId3"/>
+                <a:stretch>
+                  <a:fillRect b="-4204"/>
+                </a:stretch>
+              </a:blipFill>
+            </p:spPr>
+            <p:txBody>
+              <a:bodyPr/>
+              <a:lstStyle/>
+              <a:p>
+                <a:r>
+                  <a:rPr lang="en-US">
+                    <a:noFill/>
+                  </a:rPr>
+                  <a:t> </a:t>
+                </a:r>
+              </a:p>
+            </p:txBody>
+          </p:sp>
+        </mc:Fallback>
+      </mc:AlternateContent>
+    </p:spTree>
+    <p:extLst>
+      <p:ext uri="{BB962C8B-B14F-4D97-AF65-F5344CB8AC3E}">
+        <p14:creationId xmlns:p14="http://schemas.microsoft.com/office/powerpoint/2010/main" val="2529273816"/>
+      </p:ext>
+    </p:extLst>
+  </p:cSld>
+  <p:clrMapOvr>
+    <a:masterClrMapping/>
+  </p:clrMapOvr>
+</p:sld>
+</file>
+
+<file path=ppt/slides/slide6.xml><?xml version="1.0" encoding="utf-8"?>
+<p:sld xmlns:a="http://schemas.openxmlformats.org/drawingml/2006/main" xmlns:r="http://schemas.openxmlformats.org/officeDocument/2006/relationships" xmlns:p="http://schemas.openxmlformats.org/presentationml/2006/main">
+  <p:cSld>
+    <p:spTree>
+      <p:nvGrpSpPr>
+        <p:cNvPr id="1" name=""/>
+        <p:cNvGrpSpPr/>
+        <p:nvPr/>
+      </p:nvGrpSpPr>
+      <p:grpSpPr>
+        <a:xfrm>
+          <a:off x="0" y="0"/>
+          <a:ext cx="0" cy="0"/>
+          <a:chOff x="0" y="0"/>
+          <a:chExt cx="0" cy="0"/>
+        </a:xfrm>
+      </p:grpSpPr>
+      <p:sp>
+        <p:nvSpPr>
+          <p:cNvPr id="2" name="Title 1">
+            <a:extLst>
+              <a:ext uri="{FF2B5EF4-FFF2-40B4-BE49-F238E27FC236}">
+                <a16:creationId xmlns:a16="http://schemas.microsoft.com/office/drawing/2014/main" id="{740DF6D7-9348-410E-BB6C-C0F16059CD28}"/>
+              </a:ext>
+            </a:extLst>
+          </p:cNvPr>
+          <p:cNvSpPr>
+            <a:spLocks noGrp="1"/>
+          </p:cNvSpPr>
+          <p:nvPr>
+            <p:ph type="title"/>
+          </p:nvPr>
+        </p:nvSpPr>
+        <p:spPr/>
+        <p:txBody>
+          <a:bodyPr/>
+          <a:lstStyle/>
+          <a:p>
+            <a:r>
+              <a:rPr lang="en-US"/>
+              <a:t>Transformer attention</a:t>
+            </a:r>
+          </a:p>
+        </p:txBody>
+      </p:sp>
+      <mc:AlternateContent xmlns:mc="http://schemas.openxmlformats.org/markup-compatibility/2006" xmlns:a14="http://schemas.microsoft.com/office/drawing/2010/main">
+        <mc:Choice Requires="a14">
+          <p:sp>
+            <p:nvSpPr>
+              <p:cNvPr id="4" name="Rectangle 3">
+                <a:extLst>
+                  <a:ext uri="{FF2B5EF4-FFF2-40B4-BE49-F238E27FC236}">
+                    <a16:creationId xmlns:a16="http://schemas.microsoft.com/office/drawing/2014/main" id="{B7F35019-392D-4748-9561-647560B72523}"/>
+                  </a:ext>
+                </a:extLst>
+              </p:cNvPr>
+              <p:cNvSpPr/>
+              <p:nvPr/>
+            </p:nvSpPr>
+            <p:spPr>
+              <a:xfrm>
+                <a:off x="1198130" y="2130061"/>
+                <a:ext cx="3104185" cy="1955151"/>
+              </a:xfrm>
+              <a:prstGeom prst="rect">
+                <a:avLst/>
+              </a:prstGeom>
+            </p:spPr>
+            <p:txBody>
+              <a:bodyPr wrap="square">
+                <a:spAutoFit/>
+              </a:bodyPr>
+              <a:lstStyle/>
+              <a:p>
+                <a:r>
+                  <a:rPr lang="en-US" i="1">
+                    <a:solidFill>
+                      <a:srgbClr val="FF0000"/>
+                    </a:solidFill>
+                    <a:latin typeface="Cambria Math" panose="02040503050406030204" pitchFamily="18" charset="0"/>
+                  </a:rPr>
+                  <a:t>RNN attention on states over time steps.</a:t>
+                </a:r>
+              </a:p>
+              <a:p>
+                <a14:m>
+                  <m:oMath xmlns:m="http://schemas.openxmlformats.org/officeDocument/2006/math">
+                    <m:sSup>
+                      <m:sSupPr>
+                        <m:ctrlPr>
+                          <a:rPr lang="en-US" i="1">
+                            <a:latin typeface="Cambria Math" panose="02040503050406030204" pitchFamily="18" charset="0"/>
+                          </a:rPr>
+                        </m:ctrlPr>
+                      </m:sSupPr>
+                      <m:e>
+                        <m:r>
+                          <a:rPr lang="en-US" i="1">
+                            <a:latin typeface="Cambria Math" panose="02040503050406030204" pitchFamily="18" charset="0"/>
+                          </a:rPr>
+                          <m:t>𝑒</m:t>
+                        </m:r>
+                      </m:e>
+                      <m:sup>
+                        <m:r>
+                          <a:rPr lang="en-US" i="1">
+                            <a:latin typeface="Cambria Math" panose="02040503050406030204" pitchFamily="18" charset="0"/>
+                          </a:rPr>
+                          <m:t>&lt;</m:t>
+                        </m:r>
+                        <m:r>
+                          <a:rPr lang="en-US" i="1">
+                            <a:latin typeface="Cambria Math" panose="02040503050406030204" pitchFamily="18" charset="0"/>
+                          </a:rPr>
+                          <m:t>𝑡</m:t>
+                        </m:r>
+                        <m:r>
+                          <a:rPr lang="en-US" i="1">
+                            <a:latin typeface="Cambria Math" panose="02040503050406030204" pitchFamily="18" charset="0"/>
+                          </a:rPr>
+                          <m:t>,</m:t>
+                        </m:r>
+                        <m:acc>
+                          <m:accPr>
+                            <m:chr m:val="́"/>
+                            <m:ctrlPr>
+                              <a:rPr lang="en-US" i="1">
+                                <a:latin typeface="Cambria Math" panose="02040503050406030204" pitchFamily="18" charset="0"/>
+                              </a:rPr>
+                            </m:ctrlPr>
+                          </m:accPr>
+                          <m:e>
+                            <m:r>
+                              <a:rPr lang="en-US" i="1">
+                                <a:latin typeface="Cambria Math" panose="02040503050406030204" pitchFamily="18" charset="0"/>
+                              </a:rPr>
+                              <m:t>𝑡</m:t>
+                            </m:r>
+                            <m:r>
+                              <a:rPr lang="en-US" i="1">
+                                <a:latin typeface="Cambria Math" panose="02040503050406030204" pitchFamily="18" charset="0"/>
+                              </a:rPr>
+                              <m:t>&gt;</m:t>
+                            </m:r>
+                          </m:e>
+                        </m:acc>
+                      </m:sup>
+                    </m:sSup>
+                    <m:r>
+                      <a:rPr lang="en-US" i="1">
+                        <a:latin typeface="Cambria Math" panose="02040503050406030204" pitchFamily="18" charset="0"/>
+                      </a:rPr>
+                      <m:t>=</m:t>
+                    </m:r>
+                    <m:r>
+                      <a:rPr lang="en-US" i="1">
+                        <a:latin typeface="Cambria Math" panose="02040503050406030204" pitchFamily="18" charset="0"/>
+                      </a:rPr>
+                      <m:t>𝐹𝐹𝑁</m:t>
+                    </m:r>
+                    <m:r>
+                      <a:rPr lang="en-US" i="1">
+                        <a:latin typeface="Cambria Math" panose="02040503050406030204" pitchFamily="18" charset="0"/>
+                      </a:rPr>
+                      <m:t>(</m:t>
+                    </m:r>
+                    <m:sSup>
+                      <m:sSupPr>
+                        <m:ctrlPr>
+                          <a:rPr lang="en-US" i="1">
+                            <a:latin typeface="Cambria Math" panose="02040503050406030204" pitchFamily="18" charset="0"/>
+                          </a:rPr>
+                        </m:ctrlPr>
+                      </m:sSupPr>
+                      <m:e>
+                        <m:r>
+                          <a:rPr lang="en-US" i="1">
+                            <a:latin typeface="Cambria Math" panose="02040503050406030204" pitchFamily="18" charset="0"/>
+                          </a:rPr>
+                          <m:t>𝑠</m:t>
+                        </m:r>
+                      </m:e>
+                      <m:sup>
+                        <m:r>
+                          <a:rPr lang="en-US" i="1">
+                            <a:latin typeface="Cambria Math" panose="02040503050406030204" pitchFamily="18" charset="0"/>
+                          </a:rPr>
+                          <m:t>&lt;</m:t>
+                        </m:r>
+                        <m:r>
+                          <a:rPr lang="en-US" i="1">
+                            <a:latin typeface="Cambria Math" panose="02040503050406030204" pitchFamily="18" charset="0"/>
+                          </a:rPr>
+                          <m:t>𝑡</m:t>
+                        </m:r>
+                        <m:r>
+                          <a:rPr lang="en-US" i="1">
+                            <a:latin typeface="Cambria Math" panose="02040503050406030204" pitchFamily="18" charset="0"/>
+                          </a:rPr>
+                          <m:t>−1&gt;</m:t>
+                        </m:r>
+                      </m:sup>
+                    </m:sSup>
+                    <m:r>
+                      <a:rPr lang="en-US" i="1">
+                        <a:latin typeface="Cambria Math" panose="02040503050406030204" pitchFamily="18" charset="0"/>
+                      </a:rPr>
+                      <m:t>, </m:t>
+                    </m:r>
+                    <m:sSup>
+                      <m:sSupPr>
+                        <m:ctrlPr>
+                          <a:rPr lang="en-US" i="1">
+                            <a:latin typeface="Cambria Math" panose="02040503050406030204" pitchFamily="18" charset="0"/>
+                          </a:rPr>
+                        </m:ctrlPr>
+                      </m:sSupPr>
+                      <m:e>
+                        <m:r>
+                          <a:rPr lang="en-US" i="1">
+                            <a:latin typeface="Cambria Math" panose="02040503050406030204" pitchFamily="18" charset="0"/>
+                          </a:rPr>
+                          <m:t>𝑎</m:t>
+                        </m:r>
+                      </m:e>
+                      <m:sup>
+                        <m:acc>
+                          <m:accPr>
+                            <m:chr m:val="́"/>
+                            <m:ctrlPr>
+                              <a:rPr lang="en-US" i="1">
+                                <a:latin typeface="Cambria Math" panose="02040503050406030204" pitchFamily="18" charset="0"/>
+                              </a:rPr>
+                            </m:ctrlPr>
+                          </m:accPr>
+                          <m:e>
+                            <m:r>
+                              <a:rPr lang="en-US" i="1">
+                                <a:latin typeface="Cambria Math" panose="02040503050406030204" pitchFamily="18" charset="0"/>
+                              </a:rPr>
+                              <m:t>𝑡</m:t>
+                            </m:r>
+                          </m:e>
+                        </m:acc>
+                      </m:sup>
+                    </m:sSup>
+                  </m:oMath>
+                </a14:m>
+                <a:r>
+                  <a:rPr lang="en-US"/>
+                  <a:t>)</a:t>
+                </a:r>
+              </a:p>
+              <a:p>
+                <a:endParaRPr lang="en-US"/>
+              </a:p>
+              <a:p>
+                <a:pPr/>
+                <a14:m>
+                  <m:oMathPara xmlns:m="http://schemas.openxmlformats.org/officeDocument/2006/math">
+                    <m:oMathParaPr>
+                      <m:jc m:val="left"/>
+                    </m:oMathParaPr>
+                    <m:oMath xmlns:m="http://schemas.openxmlformats.org/officeDocument/2006/math">
+                      <m:sSup>
+                        <m:sSupPr>
+                          <m:ctrlPr>
+                            <a:rPr lang="en-US" i="1">
+                              <a:latin typeface="Cambria Math" panose="02040503050406030204" pitchFamily="18" charset="0"/>
+                            </a:rPr>
+                          </m:ctrlPr>
+                        </m:sSupPr>
+                        <m:e>
+                          <m:r>
+                            <a:rPr lang="en-US" i="1">
+                              <a:latin typeface="Cambria Math" panose="02040503050406030204" pitchFamily="18" charset="0"/>
+                              <a:ea typeface="Cambria Math" panose="02040503050406030204" pitchFamily="18" charset="0"/>
+                            </a:rPr>
+                            <m:t>𝛼</m:t>
+                          </m:r>
+                        </m:e>
+                        <m:sup>
+                          <m:r>
+                            <a:rPr lang="en-US" i="1">
+                              <a:latin typeface="Cambria Math" panose="02040503050406030204" pitchFamily="18" charset="0"/>
+                            </a:rPr>
+                            <m:t>&lt;</m:t>
+                          </m:r>
+                          <m:r>
+                            <a:rPr lang="en-US" i="1">
+                              <a:latin typeface="Cambria Math" panose="02040503050406030204" pitchFamily="18" charset="0"/>
+                            </a:rPr>
+                            <m:t>𝑡</m:t>
+                          </m:r>
+                          <m:r>
+                            <a:rPr lang="en-US" i="1">
+                              <a:latin typeface="Cambria Math" panose="02040503050406030204" pitchFamily="18" charset="0"/>
+                            </a:rPr>
+                            <m:t>,</m:t>
+                          </m:r>
+                          <m:acc>
+                            <m:accPr>
+                              <m:chr m:val="́"/>
+                              <m:ctrlPr>
+                                <a:rPr lang="en-US" i="1">
+                                  <a:latin typeface="Cambria Math" panose="02040503050406030204" pitchFamily="18" charset="0"/>
+                                </a:rPr>
+                              </m:ctrlPr>
+                            </m:accPr>
+                            <m:e>
+                              <m:r>
+                                <a:rPr lang="en-US" i="1">
+                                  <a:latin typeface="Cambria Math" panose="02040503050406030204" pitchFamily="18" charset="0"/>
+                                </a:rPr>
+                                <m:t>𝑡</m:t>
+                              </m:r>
+                              <m:r>
+                                <a:rPr lang="en-US" i="1">
+                                  <a:latin typeface="Cambria Math" panose="02040503050406030204" pitchFamily="18" charset="0"/>
+                                </a:rPr>
+                                <m:t>&gt;</m:t>
+                              </m:r>
+                            </m:e>
+                          </m:acc>
+                        </m:sup>
+                      </m:sSup>
+                      <m:r>
+                        <a:rPr lang="en-US" i="1">
+                          <a:latin typeface="Cambria Math" panose="02040503050406030204" pitchFamily="18" charset="0"/>
+                        </a:rPr>
+                        <m:t>= </m:t>
+                      </m:r>
+                      <m:f>
+                        <m:fPr>
+                          <m:ctrlPr>
+                            <a:rPr lang="en-US" i="1">
+                              <a:latin typeface="Cambria Math" panose="02040503050406030204" pitchFamily="18" charset="0"/>
+                            </a:rPr>
+                          </m:ctrlPr>
+                        </m:fPr>
+                        <m:num>
+                          <m:r>
+                            <m:rPr>
+                              <m:sty m:val="p"/>
+                            </m:rPr>
+                            <a:rPr lang="en-US">
+                              <a:latin typeface="Cambria Math" panose="02040503050406030204" pitchFamily="18" charset="0"/>
+                            </a:rPr>
+                            <m:t>exp</m:t>
+                          </m:r>
+                          <m:r>
+                            <a:rPr lang="en-US" i="1">
+                              <a:latin typeface="Cambria Math" panose="02040503050406030204" pitchFamily="18" charset="0"/>
+                            </a:rPr>
+                            <m:t>⁡(</m:t>
+                          </m:r>
+                          <m:sSup>
+                            <m:sSupPr>
+                              <m:ctrlPr>
+                                <a:rPr lang="en-US" i="1">
+                                  <a:latin typeface="Cambria Math" panose="02040503050406030204" pitchFamily="18" charset="0"/>
+                                </a:rPr>
+                              </m:ctrlPr>
+                            </m:sSupPr>
+                            <m:e>
+                              <m:r>
+                                <a:rPr lang="en-US" i="1">
+                                  <a:latin typeface="Cambria Math" panose="02040503050406030204" pitchFamily="18" charset="0"/>
+                                </a:rPr>
+                                <m:t>𝑒</m:t>
+                              </m:r>
+                            </m:e>
+                            <m:sup>
+                              <m:r>
+                                <a:rPr lang="en-US" i="1">
+                                  <a:latin typeface="Cambria Math" panose="02040503050406030204" pitchFamily="18" charset="0"/>
+                                </a:rPr>
+                                <m:t>&lt;</m:t>
+                              </m:r>
+                              <m:r>
+                                <a:rPr lang="en-US" i="1">
+                                  <a:latin typeface="Cambria Math" panose="02040503050406030204" pitchFamily="18" charset="0"/>
+                                </a:rPr>
+                                <m:t>𝑡</m:t>
+                              </m:r>
+                              <m:r>
+                                <a:rPr lang="en-US" i="1">
+                                  <a:latin typeface="Cambria Math" panose="02040503050406030204" pitchFamily="18" charset="0"/>
+                                </a:rPr>
+                                <m:t>,</m:t>
+                              </m:r>
+                              <m:acc>
+                                <m:accPr>
+                                  <m:chr m:val="́"/>
+                                  <m:ctrlPr>
+                                    <a:rPr lang="en-US" i="1">
+                                      <a:latin typeface="Cambria Math" panose="02040503050406030204" pitchFamily="18" charset="0"/>
+                                    </a:rPr>
+                                  </m:ctrlPr>
+                                </m:accPr>
+                                <m:e>
+                                  <m:r>
+                                    <a:rPr lang="en-US" i="1">
+                                      <a:latin typeface="Cambria Math" panose="02040503050406030204" pitchFamily="18" charset="0"/>
+                                    </a:rPr>
+                                    <m:t>𝑡</m:t>
+                                  </m:r>
+                                  <m:r>
+                                    <a:rPr lang="en-US" i="1">
+                                      <a:latin typeface="Cambria Math" panose="02040503050406030204" pitchFamily="18" charset="0"/>
+                                    </a:rPr>
+                                    <m:t>&gt;</m:t>
+                                  </m:r>
+                                </m:e>
+                              </m:acc>
+                            </m:sup>
+                          </m:sSup>
+                          <m:r>
+                            <a:rPr lang="en-US" i="1">
+                              <a:latin typeface="Cambria Math" panose="02040503050406030204" pitchFamily="18" charset="0"/>
+                            </a:rPr>
+                            <m:t>)</m:t>
+                          </m:r>
+                        </m:num>
+                        <m:den>
+                          <m:nary>
+                            <m:naryPr>
+                              <m:chr m:val="∑"/>
+                              <m:ctrlPr>
+                                <a:rPr lang="en-US" i="1">
+                                  <a:latin typeface="Cambria Math" panose="02040503050406030204" pitchFamily="18" charset="0"/>
+                                </a:rPr>
+                              </m:ctrlPr>
+                            </m:naryPr>
+                            <m:sub>
+                              <m:acc>
+                                <m:accPr>
+                                  <m:chr m:val="́"/>
+                                  <m:ctrlPr>
+                                    <a:rPr lang="en-US" i="1">
+                                      <a:latin typeface="Cambria Math" panose="02040503050406030204" pitchFamily="18" charset="0"/>
+                                    </a:rPr>
+                                  </m:ctrlPr>
+                                </m:accPr>
+                                <m:e>
+                                  <m:r>
+                                    <a:rPr lang="en-US" i="1">
+                                      <a:latin typeface="Cambria Math" panose="02040503050406030204" pitchFamily="18" charset="0"/>
+                                    </a:rPr>
+                                    <m:t>𝑡</m:t>
+                                  </m:r>
+                                </m:e>
+                              </m:acc>
+                              <m:r>
+                                <a:rPr lang="en-US" i="1">
+                                  <a:latin typeface="Cambria Math" panose="02040503050406030204" pitchFamily="18" charset="0"/>
+                                </a:rPr>
+                                <m:t>=1</m:t>
+                              </m:r>
+                            </m:sub>
+                            <m:sup>
+                              <m:sSub>
+                                <m:sSubPr>
+                                  <m:ctrlPr>
+                                    <a:rPr lang="en-US" i="1">
+                                      <a:latin typeface="Cambria Math" panose="02040503050406030204" pitchFamily="18" charset="0"/>
+                                    </a:rPr>
+                                  </m:ctrlPr>
+                                </m:sSubPr>
+                                <m:e>
+                                  <m:r>
+                                    <a:rPr lang="en-US" i="1">
+                                      <a:latin typeface="Cambria Math" panose="02040503050406030204" pitchFamily="18" charset="0"/>
+                                    </a:rPr>
+                                    <m:t>𝑇</m:t>
+                                  </m:r>
+                                </m:e>
+                                <m:sub>
+                                  <m:r>
+                                    <a:rPr lang="en-US" i="1">
+                                      <a:latin typeface="Cambria Math" panose="02040503050406030204" pitchFamily="18" charset="0"/>
+                                    </a:rPr>
+                                    <m:t>𝑥</m:t>
+                                  </m:r>
+                                </m:sub>
+                              </m:sSub>
+                            </m:sup>
+                            <m:e>
+                              <m:r>
+                                <m:rPr>
+                                  <m:sty m:val="p"/>
+                                </m:rPr>
+                                <a:rPr lang="en-US">
+                                  <a:latin typeface="Cambria Math" panose="02040503050406030204" pitchFamily="18" charset="0"/>
+                                </a:rPr>
+                                <m:t>exp</m:t>
+                              </m:r>
+                              <m:r>
+                                <a:rPr lang="en-US" i="1">
+                                  <a:latin typeface="Cambria Math" panose="02040503050406030204" pitchFamily="18" charset="0"/>
+                                </a:rPr>
+                                <m:t>⁡(</m:t>
+                              </m:r>
+                              <m:sSup>
+                                <m:sSupPr>
+                                  <m:ctrlPr>
+                                    <a:rPr lang="en-US" i="1">
+                                      <a:latin typeface="Cambria Math" panose="02040503050406030204" pitchFamily="18" charset="0"/>
+                                    </a:rPr>
+                                  </m:ctrlPr>
+                                </m:sSupPr>
+                                <m:e>
+                                  <m:r>
+                                    <a:rPr lang="en-US" i="1">
+                                      <a:latin typeface="Cambria Math" panose="02040503050406030204" pitchFamily="18" charset="0"/>
+                                    </a:rPr>
+                                    <m:t>𝑒</m:t>
+                                  </m:r>
+                                </m:e>
+                                <m:sup>
+                                  <m:r>
+                                    <a:rPr lang="en-US" i="1">
+                                      <a:latin typeface="Cambria Math" panose="02040503050406030204" pitchFamily="18" charset="0"/>
+                                    </a:rPr>
+                                    <m:t>&lt;</m:t>
+                                  </m:r>
+                                  <m:r>
+                                    <a:rPr lang="en-US" i="1">
+                                      <a:latin typeface="Cambria Math" panose="02040503050406030204" pitchFamily="18" charset="0"/>
+                                    </a:rPr>
+                                    <m:t>𝑡</m:t>
+                                  </m:r>
+                                  <m:r>
+                                    <a:rPr lang="en-US" i="1">
+                                      <a:latin typeface="Cambria Math" panose="02040503050406030204" pitchFamily="18" charset="0"/>
+                                    </a:rPr>
+                                    <m:t>,</m:t>
+                                  </m:r>
+                                  <m:acc>
+                                    <m:accPr>
+                                      <m:chr m:val="́"/>
+                                      <m:ctrlPr>
+                                        <a:rPr lang="en-US" i="1">
+                                          <a:latin typeface="Cambria Math" panose="02040503050406030204" pitchFamily="18" charset="0"/>
+                                        </a:rPr>
+                                      </m:ctrlPr>
+                                    </m:accPr>
+                                    <m:e>
+                                      <m:r>
+                                        <a:rPr lang="en-US" i="1">
+                                          <a:latin typeface="Cambria Math" panose="02040503050406030204" pitchFamily="18" charset="0"/>
+                                        </a:rPr>
+                                        <m:t>𝑡</m:t>
+                                      </m:r>
+                                      <m:r>
+                                        <a:rPr lang="en-US" i="1">
+                                          <a:latin typeface="Cambria Math" panose="02040503050406030204" pitchFamily="18" charset="0"/>
+                                        </a:rPr>
+                                        <m:t>&gt;</m:t>
+                                      </m:r>
+                                    </m:e>
+                                  </m:acc>
+                                </m:sup>
+                              </m:sSup>
+                              <m:r>
+                                <a:rPr lang="en-US" i="1">
+                                  <a:latin typeface="Cambria Math" panose="02040503050406030204" pitchFamily="18" charset="0"/>
+                                </a:rPr>
+                                <m:t>)</m:t>
+                              </m:r>
+                            </m:e>
+                          </m:nary>
+                        </m:den>
+                      </m:f>
+                    </m:oMath>
+                  </m:oMathPara>
+                </a14:m>
+                <a:endParaRPr lang="en-US"/>
+              </a:p>
+            </p:txBody>
+          </p:sp>
+        </mc:Choice>
+        <mc:Fallback xmlns="">
+          <p:sp>
+            <p:nvSpPr>
+              <p:cNvPr id="4" name="Rectangle 3">
+                <a:extLst>
+                  <a:ext uri="{FF2B5EF4-FFF2-40B4-BE49-F238E27FC236}">
+                    <a16:creationId xmlns:a16="http://schemas.microsoft.com/office/drawing/2014/main" id="{B7F35019-392D-4748-9561-647560B72523}"/>
+                  </a:ext>
+                </a:extLst>
+              </p:cNvPr>
+              <p:cNvSpPr>
+                <a:spLocks noRot="1" noChangeAspect="1" noMove="1" noResize="1" noEditPoints="1" noAdjustHandles="1" noChangeArrowheads="1" noChangeShapeType="1" noTextEdit="1"/>
+              </p:cNvSpPr>
+              <p:nvPr/>
+            </p:nvSpPr>
+            <p:spPr>
+              <a:xfrm>
+                <a:off x="1198130" y="2130061"/>
+                <a:ext cx="3104185" cy="1955151"/>
+              </a:xfrm>
+              <a:prstGeom prst="rect">
+                <a:avLst/>
+              </a:prstGeom>
+              <a:blipFill>
+                <a:blip r:embed="rId2"/>
+                <a:stretch>
+                  <a:fillRect l="-1768" t="-1869"/>
+                </a:stretch>
+              </a:blipFill>
+            </p:spPr>
+            <p:txBody>
+              <a:bodyPr/>
+              <a:lstStyle/>
+              <a:p>
+                <a:r>
+                  <a:rPr lang="en-US">
+                    <a:noFill/>
+                  </a:rPr>
+                  <a:t> </a:t>
+                </a:r>
+              </a:p>
+            </p:txBody>
+          </p:sp>
+        </mc:Fallback>
+      </mc:AlternateContent>
+      <mc:AlternateContent xmlns:mc="http://schemas.openxmlformats.org/markup-compatibility/2006" xmlns:a14="http://schemas.microsoft.com/office/drawing/2010/main">
+        <mc:Choice Requires="a14">
+          <p:sp>
+            <p:nvSpPr>
+              <p:cNvPr id="5" name="Rectangle 4">
+                <a:extLst>
+                  <a:ext uri="{FF2B5EF4-FFF2-40B4-BE49-F238E27FC236}">
+                    <a16:creationId xmlns:a16="http://schemas.microsoft.com/office/drawing/2014/main" id="{D337A193-456A-44E3-8DE3-10B6682AF5AE}"/>
+                  </a:ext>
+                </a:extLst>
+              </p:cNvPr>
+              <p:cNvSpPr/>
+              <p:nvPr/>
+            </p:nvSpPr>
+            <p:spPr>
+              <a:xfrm>
+                <a:off x="4302316" y="2130061"/>
+                <a:ext cx="6257530" cy="3946850"/>
+              </a:xfrm>
+              <a:prstGeom prst="rect">
+                <a:avLst/>
+              </a:prstGeom>
+            </p:spPr>
+            <p:txBody>
+              <a:bodyPr wrap="square">
+                <a:spAutoFit/>
+              </a:bodyPr>
+              <a:lstStyle/>
+              <a:p>
+                <a:r>
+                  <a:rPr lang="en-US" b="0" i="1">
+                    <a:solidFill>
+                      <a:srgbClr val="FF0000"/>
+                    </a:solidFill>
+                  </a:rPr>
+                  <a:t>Self  Attention</a:t>
+                </a:r>
+              </a:p>
+              <a:p>
+                <a14:m>
+                  <m:oMath xmlns:m="http://schemas.openxmlformats.org/officeDocument/2006/math">
+                    <m:r>
+                      <a:rPr lang="en-US" b="0" i="1" smtClean="0">
+                        <a:latin typeface="Cambria Math" panose="02040503050406030204" pitchFamily="18" charset="0"/>
+                      </a:rPr>
+                      <m:t>𝐴</m:t>
+                    </m:r>
+                    <m:r>
+                      <a:rPr lang="en-US" b="0" i="1" smtClean="0">
+                        <a:latin typeface="Cambria Math" panose="02040503050406030204" pitchFamily="18" charset="0"/>
+                      </a:rPr>
+                      <m:t>(</m:t>
+                    </m:r>
+                    <m:r>
+                      <a:rPr lang="en-US" b="0" i="1" smtClean="0">
+                        <a:latin typeface="Cambria Math" panose="02040503050406030204" pitchFamily="18" charset="0"/>
+                      </a:rPr>
+                      <m:t>𝑞</m:t>
+                    </m:r>
+                    <m:r>
+                      <a:rPr lang="en-US" b="0" i="1" smtClean="0">
+                        <a:latin typeface="Cambria Math" panose="02040503050406030204" pitchFamily="18" charset="0"/>
+                      </a:rPr>
+                      <m:t>, </m:t>
+                    </m:r>
+                    <m:r>
+                      <a:rPr lang="en-US" b="0" i="1" smtClean="0">
+                        <a:latin typeface="Cambria Math" panose="02040503050406030204" pitchFamily="18" charset="0"/>
+                      </a:rPr>
+                      <m:t>𝐾</m:t>
+                    </m:r>
+                    <m:r>
+                      <a:rPr lang="en-US" b="0" i="1" smtClean="0">
+                        <a:latin typeface="Cambria Math" panose="02040503050406030204" pitchFamily="18" charset="0"/>
+                      </a:rPr>
+                      <m:t>, </m:t>
+                    </m:r>
+                    <m:r>
+                      <a:rPr lang="en-US" b="0" i="1" smtClean="0">
+                        <a:latin typeface="Cambria Math" panose="02040503050406030204" pitchFamily="18" charset="0"/>
+                      </a:rPr>
+                      <m:t>𝑉</m:t>
+                    </m:r>
+                    <m:r>
+                      <a:rPr lang="en-US" b="0" i="1" smtClean="0">
+                        <a:latin typeface="Cambria Math" panose="02040503050406030204" pitchFamily="18" charset="0"/>
+                      </a:rPr>
+                      <m:t>)=</m:t>
+                    </m:r>
+                    <m:nary>
+                      <m:naryPr>
+                        <m:chr m:val="∑"/>
+                        <m:supHide m:val="on"/>
+                        <m:ctrlPr>
+                          <a:rPr lang="en-US" i="1" smtClean="0">
+                            <a:latin typeface="Cambria Math" panose="02040503050406030204" pitchFamily="18" charset="0"/>
+                          </a:rPr>
+                        </m:ctrlPr>
+                      </m:naryPr>
+                      <m:sub>
+                        <m:r>
+                          <m:rPr>
+                            <m:brk m:alnAt="7"/>
+                          </m:rPr>
+                          <a:rPr lang="en-US" b="0" i="1" smtClean="0">
+                            <a:latin typeface="Cambria Math" panose="02040503050406030204" pitchFamily="18" charset="0"/>
+                          </a:rPr>
+                          <m:t>𝑖</m:t>
+                        </m:r>
+                      </m:sub>
+                      <m:sup/>
+                      <m:e>
+                        <m:f>
+                          <m:fPr>
+                            <m:ctrlPr>
+                              <a:rPr lang="en-US" i="1">
+                                <a:latin typeface="Cambria Math" panose="02040503050406030204" pitchFamily="18" charset="0"/>
+                              </a:rPr>
+                            </m:ctrlPr>
+                          </m:fPr>
+                          <m:num>
+                            <m:r>
+                              <m:rPr>
+                                <m:sty m:val="p"/>
+                              </m:rPr>
+                              <a:rPr lang="en-US">
+                                <a:latin typeface="Cambria Math" panose="02040503050406030204" pitchFamily="18" charset="0"/>
+                              </a:rPr>
+                              <m:t>exp</m:t>
+                            </m:r>
+                            <m:r>
+                              <a:rPr lang="en-US" i="1">
+                                <a:latin typeface="Cambria Math" panose="02040503050406030204" pitchFamily="18" charset="0"/>
+                              </a:rPr>
+                              <m:t>⁡(</m:t>
+                            </m:r>
+                            <m:r>
+                              <a:rPr lang="en-US" i="1">
+                                <a:latin typeface="Cambria Math" panose="02040503050406030204" pitchFamily="18" charset="0"/>
+                              </a:rPr>
+                              <m:t>𝑞</m:t>
+                            </m:r>
+                            <m:sSup>
+                              <m:sSupPr>
+                                <m:ctrlPr>
+                                  <a:rPr lang="en-US" i="1">
+                                    <a:latin typeface="Cambria Math" panose="02040503050406030204" pitchFamily="18" charset="0"/>
+                                  </a:rPr>
+                                </m:ctrlPr>
+                              </m:sSupPr>
+                              <m:e>
+                                <m:r>
+                                  <a:rPr lang="en-US" i="1">
+                                    <a:latin typeface="Cambria Math" panose="02040503050406030204" pitchFamily="18" charset="0"/>
+                                  </a:rPr>
+                                  <m:t>𝐾</m:t>
+                                </m:r>
+                              </m:e>
+                              <m:sup>
+                                <m:r>
+                                  <a:rPr lang="en-US" b="0" i="1" smtClean="0">
+                                    <a:latin typeface="Cambria Math" panose="02040503050406030204" pitchFamily="18" charset="0"/>
+                                  </a:rPr>
+                                  <m:t>&lt;</m:t>
+                                </m:r>
+                                <m:r>
+                                  <a:rPr lang="en-US" i="1">
+                                    <a:latin typeface="Cambria Math" panose="02040503050406030204" pitchFamily="18" charset="0"/>
+                                  </a:rPr>
+                                  <m:t>𝑖</m:t>
+                                </m:r>
+                                <m:r>
+                                  <a:rPr lang="en-US" b="0" i="1" smtClean="0">
+                                    <a:latin typeface="Cambria Math" panose="02040503050406030204" pitchFamily="18" charset="0"/>
+                                  </a:rPr>
+                                  <m:t>&gt;</m:t>
+                                </m:r>
+                              </m:sup>
+                            </m:sSup>
+                            <m:r>
+                              <a:rPr lang="en-US" i="1">
+                                <a:latin typeface="Cambria Math" panose="02040503050406030204" pitchFamily="18" charset="0"/>
+                              </a:rPr>
+                              <m:t>)</m:t>
+                            </m:r>
+                          </m:num>
+                          <m:den>
+                            <m:nary>
+                              <m:naryPr>
+                                <m:chr m:val="∑"/>
+                                <m:ctrlPr>
+                                  <a:rPr lang="en-US" i="1">
+                                    <a:latin typeface="Cambria Math" panose="02040503050406030204" pitchFamily="18" charset="0"/>
+                                  </a:rPr>
+                                </m:ctrlPr>
+                              </m:naryPr>
+                              <m:sub>
+                                <m:r>
+                                  <a:rPr lang="en-US" i="1">
+                                    <a:latin typeface="Cambria Math" panose="02040503050406030204" pitchFamily="18" charset="0"/>
+                                  </a:rPr>
+                                  <m:t>𝑗</m:t>
+                                </m:r>
+                                <m:r>
+                                  <a:rPr lang="en-US" i="1">
+                                    <a:latin typeface="Cambria Math" panose="02040503050406030204" pitchFamily="18" charset="0"/>
+                                  </a:rPr>
+                                  <m:t>=1</m:t>
+                                </m:r>
+                              </m:sub>
+                              <m:sup>
+                                <m:r>
+                                  <a:rPr lang="en-US" i="1">
+                                    <a:latin typeface="Cambria Math" panose="02040503050406030204" pitchFamily="18" charset="0"/>
+                                  </a:rPr>
+                                  <m:t>𝑁</m:t>
+                                </m:r>
+                              </m:sup>
+                              <m:e>
+                                <m:r>
+                                  <m:rPr>
+                                    <m:sty m:val="p"/>
+                                  </m:rPr>
+                                  <a:rPr lang="en-US">
+                                    <a:latin typeface="Cambria Math" panose="02040503050406030204" pitchFamily="18" charset="0"/>
+                                  </a:rPr>
+                                  <m:t>exp</m:t>
+                                </m:r>
+                                <m:r>
+                                  <a:rPr lang="en-US" i="1">
+                                    <a:latin typeface="Cambria Math" panose="02040503050406030204" pitchFamily="18" charset="0"/>
+                                  </a:rPr>
+                                  <m:t>⁡(</m:t>
+                                </m:r>
+                                <m:r>
+                                  <a:rPr lang="en-US" i="1">
+                                    <a:latin typeface="Cambria Math" panose="02040503050406030204" pitchFamily="18" charset="0"/>
+                                  </a:rPr>
+                                  <m:t>𝑞</m:t>
+                                </m:r>
+                                <m:sSup>
+                                  <m:sSupPr>
+                                    <m:ctrlPr>
+                                      <a:rPr lang="en-US" i="1">
+                                        <a:latin typeface="Cambria Math" panose="02040503050406030204" pitchFamily="18" charset="0"/>
+                                      </a:rPr>
+                                    </m:ctrlPr>
+                                  </m:sSupPr>
+                                  <m:e>
+                                    <m:r>
+                                      <a:rPr lang="en-US" i="1">
+                                        <a:latin typeface="Cambria Math" panose="02040503050406030204" pitchFamily="18" charset="0"/>
+                                      </a:rPr>
+                                      <m:t>𝐾</m:t>
+                                    </m:r>
+                                  </m:e>
+                                  <m:sup>
+                                    <m:r>
+                                      <a:rPr lang="en-US" b="0" i="1" smtClean="0">
+                                        <a:latin typeface="Cambria Math" panose="02040503050406030204" pitchFamily="18" charset="0"/>
+                                      </a:rPr>
+                                      <m:t>&lt;</m:t>
+                                    </m:r>
+                                    <m:r>
+                                      <a:rPr lang="en-US" i="1">
+                                        <a:latin typeface="Cambria Math" panose="02040503050406030204" pitchFamily="18" charset="0"/>
+                                      </a:rPr>
+                                      <m:t>𝑗</m:t>
+                                    </m:r>
+                                    <m:r>
+                                      <a:rPr lang="en-US" b="0" i="1" smtClean="0">
+                                        <a:latin typeface="Cambria Math" panose="02040503050406030204" pitchFamily="18" charset="0"/>
+                                      </a:rPr>
+                                      <m:t>&gt;</m:t>
+                                    </m:r>
+                                  </m:sup>
+                                </m:sSup>
+                                <m:r>
+                                  <a:rPr lang="en-US" i="1">
+                                    <a:latin typeface="Cambria Math" panose="02040503050406030204" pitchFamily="18" charset="0"/>
+                                  </a:rPr>
+                                  <m:t>)</m:t>
+                                </m:r>
+                              </m:e>
+                            </m:nary>
+                          </m:den>
+                        </m:f>
+                        <m:sSup>
+                          <m:sSupPr>
+                            <m:ctrlPr>
+                              <a:rPr lang="en-US" i="1" smtClean="0">
+                                <a:latin typeface="Cambria Math" panose="02040503050406030204" pitchFamily="18" charset="0"/>
+                              </a:rPr>
+                            </m:ctrlPr>
+                          </m:sSupPr>
+                          <m:e>
+                            <m:r>
+                              <a:rPr lang="en-US" b="0" i="1" smtClean="0">
+                                <a:latin typeface="Cambria Math" panose="02040503050406030204" pitchFamily="18" charset="0"/>
+                              </a:rPr>
+                              <m:t>𝑣</m:t>
+                            </m:r>
+                          </m:e>
+                          <m:sup>
+                            <m:r>
+                              <a:rPr lang="en-US" b="0" i="1" smtClean="0">
+                                <a:latin typeface="Cambria Math" panose="02040503050406030204" pitchFamily="18" charset="0"/>
+                              </a:rPr>
+                              <m:t>&lt;</m:t>
+                            </m:r>
+                            <m:r>
+                              <a:rPr lang="en-US" b="0" i="1" smtClean="0">
+                                <a:latin typeface="Cambria Math" panose="02040503050406030204" pitchFamily="18" charset="0"/>
+                              </a:rPr>
+                              <m:t>𝑖</m:t>
+                            </m:r>
+                            <m:r>
+                              <a:rPr lang="en-US" b="0" i="1" smtClean="0">
+                                <a:latin typeface="Cambria Math" panose="02040503050406030204" pitchFamily="18" charset="0"/>
+                              </a:rPr>
+                              <m:t>&gt;</m:t>
+                            </m:r>
+                          </m:sup>
+                        </m:sSup>
+                      </m:e>
+                    </m:nary>
+                  </m:oMath>
+                </a14:m>
+                <a:r>
+                  <a:rPr lang="en-US"/>
+                  <a:t> </a:t>
+                </a:r>
+              </a:p>
+              <a:p>
+                <a:endParaRPr lang="en-US"/>
+              </a:p>
+              <a:p>
+                <a:pPr marL="342900" indent="-342900">
+                  <a:buAutoNum type="arabicPeriod"/>
+                </a:pPr>
+                <a:r>
+                  <a:rPr lang="en-US"/>
+                  <a:t>similarity between the query and all the keys. Similarity captures relationship.</a:t>
+                </a:r>
+              </a:p>
+              <a:p>
+                <a:pPr marL="342900" indent="-342900">
+                  <a:buAutoNum type="arabicPeriod"/>
+                </a:pPr>
+                <a:r>
+                  <a:rPr lang="en-US"/>
+                  <a:t>So, the representation A is the </a:t>
+                </a:r>
+                <a:r>
+                  <a:rPr lang="en-US">
+                    <a:solidFill>
+                      <a:srgbClr val="FF0000"/>
+                    </a:solidFill>
+                  </a:rPr>
+                  <a:t>semantic embedding of the query word </a:t>
+                </a:r>
+                <a:r>
+                  <a:rPr lang="en-US"/>
+                  <a:t>in the context of the sentence. It’s no more simply a word embedding. It’s </a:t>
+                </a:r>
+                <a:r>
+                  <a:rPr lang="en-US" b="1"/>
+                  <a:t>sentence embedding + word embedding.</a:t>
+                </a:r>
+              </a:p>
+              <a:p>
+                <a:pPr marL="342900" indent="-342900">
+                  <a:buAutoNum type="arabicPeriod"/>
+                </a:pPr>
+                <a:endParaRPr lang="en-US" b="1"/>
+              </a:p>
+              <a:p>
+                <a:pPr marL="342900" indent="-342900">
+                  <a:buAutoNum type="arabicPeriod"/>
+                </a:pPr>
+                <a:endParaRPr lang="en-US" b="1"/>
+              </a:p>
+              <a:p>
+                <a:endParaRPr lang="en-US" b="1"/>
+              </a:p>
+            </p:txBody>
+          </p:sp>
+        </mc:Choice>
+        <mc:Fallback xmlns="">
+          <p:sp>
+            <p:nvSpPr>
+              <p:cNvPr id="5" name="Rectangle 4">
+                <a:extLst>
+                  <a:ext uri="{FF2B5EF4-FFF2-40B4-BE49-F238E27FC236}">
+                    <a16:creationId xmlns:a16="http://schemas.microsoft.com/office/drawing/2014/main" id="{D337A193-456A-44E3-8DE3-10B6682AF5AE}"/>
+                  </a:ext>
+                </a:extLst>
+              </p:cNvPr>
+              <p:cNvSpPr>
+                <a:spLocks noRot="1" noChangeAspect="1" noMove="1" noResize="1" noEditPoints="1" noAdjustHandles="1" noChangeArrowheads="1" noChangeShapeType="1" noTextEdit="1"/>
+              </p:cNvSpPr>
+              <p:nvPr/>
+            </p:nvSpPr>
+            <p:spPr>
+              <a:xfrm>
+                <a:off x="4302316" y="2130061"/>
+                <a:ext cx="6257530" cy="3946850"/>
+              </a:xfrm>
+              <a:prstGeom prst="rect">
+                <a:avLst/>
+              </a:prstGeom>
+              <a:blipFill>
+                <a:blip r:embed="rId3"/>
+                <a:stretch>
+                  <a:fillRect l="-877" t="-772" r="-1365"/>
+                </a:stretch>
+              </a:blipFill>
+            </p:spPr>
+            <p:txBody>
+              <a:bodyPr/>
+              <a:lstStyle/>
+              <a:p>
+                <a:r>
+                  <a:rPr lang="en-US">
+                    <a:noFill/>
+                  </a:rPr>
+                  <a:t> </a:t>
+                </a:r>
+              </a:p>
+            </p:txBody>
+          </p:sp>
+        </mc:Fallback>
+      </mc:AlternateContent>
+    </p:spTree>
+    <p:extLst>
+      <p:ext uri="{BB962C8B-B14F-4D97-AF65-F5344CB8AC3E}">
+        <p14:creationId xmlns:p14="http://schemas.microsoft.com/office/powerpoint/2010/main" val="2498349125"/>
+      </p:ext>
+    </p:extLst>
+  </p:cSld>
+  <p:clrMapOvr>
+    <a:masterClrMapping/>
+  </p:clrMapOvr>
+</p:sld>
+</file>
+
+<file path=ppt/slides/slide7.xml><?xml version="1.0" encoding="utf-8"?>
+<p:sld xmlns:a="http://schemas.openxmlformats.org/drawingml/2006/main" xmlns:r="http://schemas.openxmlformats.org/officeDocument/2006/relationships" xmlns:p="http://schemas.openxmlformats.org/presentationml/2006/main">
+  <p:cSld>
+    <p:spTree>
+      <p:nvGrpSpPr>
+        <p:cNvPr id="1" name=""/>
+        <p:cNvGrpSpPr/>
+        <p:nvPr/>
+      </p:nvGrpSpPr>
+      <p:grpSpPr>
+        <a:xfrm>
+          <a:off x="0" y="0"/>
+          <a:ext cx="0" cy="0"/>
+          <a:chOff x="0" y="0"/>
+          <a:chExt cx="0" cy="0"/>
+        </a:xfrm>
+      </p:grpSpPr>
+      <p:sp>
+        <p:nvSpPr>
+          <p:cNvPr id="2" name="Title 1">
+            <a:extLst>
+              <a:ext uri="{FF2B5EF4-FFF2-40B4-BE49-F238E27FC236}">
+                <a16:creationId xmlns:a16="http://schemas.microsoft.com/office/drawing/2014/main" id="{5FF421D2-B487-4B78-8CFD-E68282AA422B}"/>
+              </a:ext>
+            </a:extLst>
+          </p:cNvPr>
+          <p:cNvSpPr>
+            <a:spLocks noGrp="1"/>
+          </p:cNvSpPr>
+          <p:nvPr>
+            <p:ph type="title"/>
+          </p:nvPr>
+        </p:nvSpPr>
+        <p:spPr/>
+        <p:txBody>
+          <a:bodyPr/>
+          <a:lstStyle/>
+          <a:p>
+            <a:r>
+              <a:rPr lang="en-US"/>
+              <a:t>Transformer Attention</a:t>
+            </a:r>
+          </a:p>
+        </p:txBody>
+      </p:sp>
+      <mc:AlternateContent xmlns:mc="http://schemas.openxmlformats.org/markup-compatibility/2006" xmlns:a14="http://schemas.microsoft.com/office/drawing/2010/main">
+        <mc:Choice Requires="a14">
+          <p:sp>
+            <p:nvSpPr>
+              <p:cNvPr id="4" name="Rectangle 3">
+                <a:extLst>
+                  <a:ext uri="{FF2B5EF4-FFF2-40B4-BE49-F238E27FC236}">
+                    <a16:creationId xmlns:a16="http://schemas.microsoft.com/office/drawing/2014/main" id="{5DE3BAE8-D04D-4C8E-837F-CC00CDA9F1FC}"/>
+                  </a:ext>
+                </a:extLst>
+              </p:cNvPr>
+              <p:cNvSpPr/>
+              <p:nvPr/>
+            </p:nvSpPr>
+            <p:spPr>
+              <a:xfrm>
+                <a:off x="1063752" y="2093976"/>
+                <a:ext cx="6257530" cy="2838854"/>
+              </a:xfrm>
+              <a:prstGeom prst="rect">
+                <a:avLst/>
+              </a:prstGeom>
+            </p:spPr>
+            <p:txBody>
+              <a:bodyPr wrap="square">
+                <a:spAutoFit/>
+              </a:bodyPr>
+              <a:lstStyle/>
+              <a:p>
+                <a:r>
+                  <a:rPr lang="en-US" b="0" i="1">
+                    <a:solidFill>
+                      <a:srgbClr val="FF0000"/>
+                    </a:solidFill>
+                  </a:rPr>
+                  <a:t>Self  Attention</a:t>
+                </a:r>
+              </a:p>
+              <a:p>
+                <a14:m>
+                  <m:oMath xmlns:m="http://schemas.openxmlformats.org/officeDocument/2006/math">
+                    <m:r>
+                      <a:rPr lang="en-US" b="0" i="1" smtClean="0">
+                        <a:latin typeface="Cambria Math" panose="02040503050406030204" pitchFamily="18" charset="0"/>
+                      </a:rPr>
+                      <m:t>𝐴</m:t>
+                    </m:r>
+                    <m:r>
+                      <a:rPr lang="en-US" b="0" i="1" smtClean="0">
+                        <a:latin typeface="Cambria Math" panose="02040503050406030204" pitchFamily="18" charset="0"/>
+                      </a:rPr>
+                      <m:t>(</m:t>
+                    </m:r>
+                    <m:r>
+                      <a:rPr lang="en-US" b="0" i="1" smtClean="0">
+                        <a:latin typeface="Cambria Math" panose="02040503050406030204" pitchFamily="18" charset="0"/>
+                      </a:rPr>
+                      <m:t>𝑞</m:t>
+                    </m:r>
+                    <m:r>
+                      <a:rPr lang="en-US" b="0" i="1" smtClean="0">
+                        <a:latin typeface="Cambria Math" panose="02040503050406030204" pitchFamily="18" charset="0"/>
+                      </a:rPr>
+                      <m:t>, </m:t>
+                    </m:r>
+                    <m:r>
+                      <a:rPr lang="en-US" b="0" i="1" smtClean="0">
+                        <a:latin typeface="Cambria Math" panose="02040503050406030204" pitchFamily="18" charset="0"/>
+                      </a:rPr>
+                      <m:t>𝐾</m:t>
+                    </m:r>
+                    <m:r>
+                      <a:rPr lang="en-US" b="0" i="1" smtClean="0">
+                        <a:latin typeface="Cambria Math" panose="02040503050406030204" pitchFamily="18" charset="0"/>
+                      </a:rPr>
+                      <m:t>, </m:t>
+                    </m:r>
+                    <m:r>
+                      <a:rPr lang="en-US" b="0" i="1" smtClean="0">
+                        <a:latin typeface="Cambria Math" panose="02040503050406030204" pitchFamily="18" charset="0"/>
+                      </a:rPr>
+                      <m:t>𝑉</m:t>
+                    </m:r>
+                    <m:r>
+                      <a:rPr lang="en-US" b="0" i="1" smtClean="0">
+                        <a:latin typeface="Cambria Math" panose="02040503050406030204" pitchFamily="18" charset="0"/>
+                      </a:rPr>
+                      <m:t>)=</m:t>
+                    </m:r>
+                    <m:nary>
+                      <m:naryPr>
+                        <m:chr m:val="∑"/>
+                        <m:supHide m:val="on"/>
+                        <m:ctrlPr>
+                          <a:rPr lang="en-US" i="1" smtClean="0">
+                            <a:latin typeface="Cambria Math" panose="02040503050406030204" pitchFamily="18" charset="0"/>
+                          </a:rPr>
+                        </m:ctrlPr>
+                      </m:naryPr>
+                      <m:sub>
+                        <m:r>
+                          <m:rPr>
+                            <m:brk m:alnAt="7"/>
+                          </m:rPr>
+                          <a:rPr lang="en-US" b="0" i="1" smtClean="0">
+                            <a:latin typeface="Cambria Math" panose="02040503050406030204" pitchFamily="18" charset="0"/>
+                          </a:rPr>
+                          <m:t>𝑖</m:t>
+                        </m:r>
+                      </m:sub>
+                      <m:sup/>
+                      <m:e>
+                        <m:f>
+                          <m:fPr>
+                            <m:ctrlPr>
+                              <a:rPr lang="en-US" i="1">
+                                <a:latin typeface="Cambria Math" panose="02040503050406030204" pitchFamily="18" charset="0"/>
+                              </a:rPr>
+                            </m:ctrlPr>
+                          </m:fPr>
+                          <m:num>
+                            <m:r>
+                              <m:rPr>
+                                <m:sty m:val="p"/>
+                              </m:rPr>
+                              <a:rPr lang="en-US">
+                                <a:latin typeface="Cambria Math" panose="02040503050406030204" pitchFamily="18" charset="0"/>
+                              </a:rPr>
+                              <m:t>exp</m:t>
+                            </m:r>
+                            <m:r>
+                              <a:rPr lang="en-US" i="1">
+                                <a:latin typeface="Cambria Math" panose="02040503050406030204" pitchFamily="18" charset="0"/>
+                              </a:rPr>
+                              <m:t>⁡(</m:t>
+                            </m:r>
+                            <m:r>
+                              <a:rPr lang="en-US" i="1">
+                                <a:latin typeface="Cambria Math" panose="02040503050406030204" pitchFamily="18" charset="0"/>
+                              </a:rPr>
+                              <m:t>𝑞</m:t>
+                            </m:r>
+                            <m:sSup>
+                              <m:sSupPr>
+                                <m:ctrlPr>
+                                  <a:rPr lang="en-US" i="1">
+                                    <a:latin typeface="Cambria Math" panose="02040503050406030204" pitchFamily="18" charset="0"/>
+                                  </a:rPr>
+                                </m:ctrlPr>
+                              </m:sSupPr>
+                              <m:e>
+                                <m:r>
+                                  <a:rPr lang="en-US" i="1">
+                                    <a:latin typeface="Cambria Math" panose="02040503050406030204" pitchFamily="18" charset="0"/>
+                                  </a:rPr>
+                                  <m:t>𝐾</m:t>
+                                </m:r>
+                              </m:e>
+                              <m:sup>
+                                <m:r>
+                                  <a:rPr lang="en-US" b="0" i="1" smtClean="0">
+                                    <a:latin typeface="Cambria Math" panose="02040503050406030204" pitchFamily="18" charset="0"/>
+                                  </a:rPr>
+                                  <m:t>&lt;</m:t>
+                                </m:r>
+                                <m:r>
+                                  <a:rPr lang="en-US" i="1">
+                                    <a:latin typeface="Cambria Math" panose="02040503050406030204" pitchFamily="18" charset="0"/>
+                                  </a:rPr>
+                                  <m:t>𝑖</m:t>
+                                </m:r>
+                                <m:r>
+                                  <a:rPr lang="en-US" b="0" i="1" smtClean="0">
+                                    <a:latin typeface="Cambria Math" panose="02040503050406030204" pitchFamily="18" charset="0"/>
+                                  </a:rPr>
+                                  <m:t>&gt;</m:t>
+                                </m:r>
+                              </m:sup>
+                            </m:sSup>
+                            <m:r>
+                              <a:rPr lang="en-US" i="1">
+                                <a:latin typeface="Cambria Math" panose="02040503050406030204" pitchFamily="18" charset="0"/>
+                              </a:rPr>
+                              <m:t>)</m:t>
+                            </m:r>
+                          </m:num>
+                          <m:den>
+                            <m:nary>
+                              <m:naryPr>
+                                <m:chr m:val="∑"/>
+                                <m:ctrlPr>
+                                  <a:rPr lang="en-US" i="1">
+                                    <a:latin typeface="Cambria Math" panose="02040503050406030204" pitchFamily="18" charset="0"/>
+                                  </a:rPr>
+                                </m:ctrlPr>
+                              </m:naryPr>
+                              <m:sub>
+                                <m:r>
+                                  <a:rPr lang="en-US" i="1">
+                                    <a:latin typeface="Cambria Math" panose="02040503050406030204" pitchFamily="18" charset="0"/>
+                                  </a:rPr>
+                                  <m:t>𝑗</m:t>
+                                </m:r>
+                                <m:r>
+                                  <a:rPr lang="en-US" i="1">
+                                    <a:latin typeface="Cambria Math" panose="02040503050406030204" pitchFamily="18" charset="0"/>
+                                  </a:rPr>
+                                  <m:t>=1</m:t>
+                                </m:r>
+                              </m:sub>
+                              <m:sup>
+                                <m:r>
+                                  <a:rPr lang="en-US" i="1">
+                                    <a:latin typeface="Cambria Math" panose="02040503050406030204" pitchFamily="18" charset="0"/>
+                                  </a:rPr>
+                                  <m:t>𝑁</m:t>
+                                </m:r>
+                              </m:sup>
+                              <m:e>
+                                <m:r>
+                                  <m:rPr>
+                                    <m:sty m:val="p"/>
+                                  </m:rPr>
+                                  <a:rPr lang="en-US">
+                                    <a:latin typeface="Cambria Math" panose="02040503050406030204" pitchFamily="18" charset="0"/>
+                                  </a:rPr>
+                                  <m:t>exp</m:t>
+                                </m:r>
+                                <m:r>
+                                  <a:rPr lang="en-US" i="1">
+                                    <a:latin typeface="Cambria Math" panose="02040503050406030204" pitchFamily="18" charset="0"/>
+                                  </a:rPr>
+                                  <m:t>⁡(</m:t>
+                                </m:r>
+                                <m:r>
+                                  <a:rPr lang="en-US" i="1">
+                                    <a:latin typeface="Cambria Math" panose="02040503050406030204" pitchFamily="18" charset="0"/>
+                                  </a:rPr>
+                                  <m:t>𝑞</m:t>
+                                </m:r>
+                                <m:sSup>
+                                  <m:sSupPr>
+                                    <m:ctrlPr>
+                                      <a:rPr lang="en-US" i="1">
+                                        <a:latin typeface="Cambria Math" panose="02040503050406030204" pitchFamily="18" charset="0"/>
+                                      </a:rPr>
+                                    </m:ctrlPr>
+                                  </m:sSupPr>
+                                  <m:e>
+                                    <m:r>
+                                      <a:rPr lang="en-US" i="1">
+                                        <a:latin typeface="Cambria Math" panose="02040503050406030204" pitchFamily="18" charset="0"/>
+                                      </a:rPr>
+                                      <m:t>𝐾</m:t>
+                                    </m:r>
+                                  </m:e>
+                                  <m:sup>
+                                    <m:r>
+                                      <a:rPr lang="en-US" b="0" i="1" smtClean="0">
+                                        <a:latin typeface="Cambria Math" panose="02040503050406030204" pitchFamily="18" charset="0"/>
+                                      </a:rPr>
+                                      <m:t>&lt;</m:t>
+                                    </m:r>
+                                    <m:r>
+                                      <a:rPr lang="en-US" i="1">
+                                        <a:latin typeface="Cambria Math" panose="02040503050406030204" pitchFamily="18" charset="0"/>
+                                      </a:rPr>
+                                      <m:t>𝑗</m:t>
+                                    </m:r>
+                                    <m:r>
+                                      <a:rPr lang="en-US" b="0" i="1" smtClean="0">
+                                        <a:latin typeface="Cambria Math" panose="02040503050406030204" pitchFamily="18" charset="0"/>
+                                      </a:rPr>
+                                      <m:t>&gt;</m:t>
+                                    </m:r>
+                                  </m:sup>
+                                </m:sSup>
+                                <m:r>
+                                  <a:rPr lang="en-US" i="1">
+                                    <a:latin typeface="Cambria Math" panose="02040503050406030204" pitchFamily="18" charset="0"/>
+                                  </a:rPr>
+                                  <m:t>)</m:t>
+                                </m:r>
+                              </m:e>
+                            </m:nary>
+                          </m:den>
+                        </m:f>
+                        <m:sSup>
+                          <m:sSupPr>
+                            <m:ctrlPr>
+                              <a:rPr lang="en-US" i="1" smtClean="0">
+                                <a:latin typeface="Cambria Math" panose="02040503050406030204" pitchFamily="18" charset="0"/>
+                              </a:rPr>
+                            </m:ctrlPr>
+                          </m:sSupPr>
+                          <m:e>
+                            <m:r>
+                              <a:rPr lang="en-US" b="0" i="1" smtClean="0">
+                                <a:latin typeface="Cambria Math" panose="02040503050406030204" pitchFamily="18" charset="0"/>
+                              </a:rPr>
+                              <m:t>𝑣</m:t>
+                            </m:r>
+                          </m:e>
+                          <m:sup>
+                            <m:r>
+                              <a:rPr lang="en-US" b="0" i="1" smtClean="0">
+                                <a:latin typeface="Cambria Math" panose="02040503050406030204" pitchFamily="18" charset="0"/>
+                              </a:rPr>
+                              <m:t>&lt;</m:t>
+                            </m:r>
+                            <m:r>
+                              <a:rPr lang="en-US" b="0" i="1" smtClean="0">
+                                <a:latin typeface="Cambria Math" panose="02040503050406030204" pitchFamily="18" charset="0"/>
+                              </a:rPr>
+                              <m:t>𝑖</m:t>
+                            </m:r>
+                            <m:r>
+                              <a:rPr lang="en-US" b="0" i="1" smtClean="0">
+                                <a:latin typeface="Cambria Math" panose="02040503050406030204" pitchFamily="18" charset="0"/>
+                              </a:rPr>
+                              <m:t>&gt;</m:t>
+                            </m:r>
+                          </m:sup>
+                        </m:sSup>
+                      </m:e>
+                    </m:nary>
+                  </m:oMath>
+                </a14:m>
+                <a:r>
+                  <a:rPr lang="en-US"/>
+                  <a:t> </a:t>
+                </a:r>
+              </a:p>
+              <a:p>
+                <a:endParaRPr lang="en-US"/>
+              </a:p>
+              <a:p>
+                <a:r>
+                  <a:rPr lang="en-US" b="1"/>
+                  <a:t>Now </a:t>
+                </a:r>
+                <a:r>
+                  <a:rPr lang="en-US"/>
+                  <a:t>A is the </a:t>
+                </a:r>
+                <a:r>
+                  <a:rPr lang="en-US" b="1"/>
+                  <a:t>attended value (or weighted)</a:t>
+                </a:r>
+                <a:r>
+                  <a:rPr lang="en-US"/>
+                  <a:t> of the query, q. The context vector is just the sum of all the weighted value of queries.</a:t>
+                </a:r>
+              </a:p>
+              <a:p>
+                <a:endParaRPr lang="en-US" b="1"/>
+              </a:p>
+              <a:p>
+                <a14:m>
+                  <m:oMath xmlns:m="http://schemas.openxmlformats.org/officeDocument/2006/math">
+                    <m:r>
+                      <a:rPr lang="en-US" b="0" i="1" smtClean="0">
+                        <a:latin typeface="Cambria Math" panose="02040503050406030204" pitchFamily="18" charset="0"/>
+                      </a:rPr>
+                      <m:t>𝐴𝑡𝑡𝑒𝑛𝑡𝑖𝑜𝑛</m:t>
+                    </m:r>
+                    <m:r>
+                      <a:rPr lang="en-US" b="0" i="1" smtClean="0">
+                        <a:latin typeface="Cambria Math" panose="02040503050406030204" pitchFamily="18" charset="0"/>
+                      </a:rPr>
+                      <m:t>= </m:t>
+                    </m:r>
+                  </m:oMath>
+                </a14:m>
+                <a:r>
+                  <a:rPr lang="en-US"/>
+                  <a:t>attention of all the queries = one head</a:t>
+                </a:r>
+              </a:p>
+            </p:txBody>
+          </p:sp>
+        </mc:Choice>
+        <mc:Fallback xmlns="">
+          <p:sp>
+            <p:nvSpPr>
+              <p:cNvPr id="4" name="Rectangle 3">
+                <a:extLst>
+                  <a:ext uri="{FF2B5EF4-FFF2-40B4-BE49-F238E27FC236}">
+                    <a16:creationId xmlns:a16="http://schemas.microsoft.com/office/drawing/2014/main" id="{5DE3BAE8-D04D-4C8E-837F-CC00CDA9F1FC}"/>
+                  </a:ext>
+                </a:extLst>
+              </p:cNvPr>
+              <p:cNvSpPr>
+                <a:spLocks noRot="1" noChangeAspect="1" noMove="1" noResize="1" noEditPoints="1" noAdjustHandles="1" noChangeArrowheads="1" noChangeShapeType="1" noTextEdit="1"/>
+              </p:cNvSpPr>
+              <p:nvPr/>
+            </p:nvSpPr>
+            <p:spPr>
+              <a:xfrm>
+                <a:off x="1063752" y="2093976"/>
+                <a:ext cx="6257530" cy="2838854"/>
+              </a:xfrm>
+              <a:prstGeom prst="rect">
+                <a:avLst/>
+              </a:prstGeom>
+              <a:blipFill>
+                <a:blip r:embed="rId2"/>
+                <a:stretch>
+                  <a:fillRect l="-877" t="-1290" r="-1949" b="-2581"/>
+                </a:stretch>
+              </a:blipFill>
+            </p:spPr>
+            <p:txBody>
+              <a:bodyPr/>
+              <a:lstStyle/>
+              <a:p>
+                <a:r>
+                  <a:rPr lang="en-US">
+                    <a:noFill/>
+                  </a:rPr>
+                  <a:t> </a:t>
+                </a:r>
+              </a:p>
+            </p:txBody>
+          </p:sp>
+        </mc:Fallback>
+      </mc:AlternateContent>
+    </p:spTree>
+    <p:extLst>
+      <p:ext uri="{BB962C8B-B14F-4D97-AF65-F5344CB8AC3E}">
+        <p14:creationId xmlns:p14="http://schemas.microsoft.com/office/powerpoint/2010/main" val="2210144963"/>
+      </p:ext>
+    </p:extLst>
+  </p:cSld>
+  <p:clrMapOvr>
+    <a:masterClrMapping/>
+  </p:clrMapOvr>
+</p:sld>
+</file>
+
+<file path=ppt/slides/slide8.xml><?xml version="1.0" encoding="utf-8"?>
+<p:sld xmlns:a="http://schemas.openxmlformats.org/drawingml/2006/main" xmlns:r="http://schemas.openxmlformats.org/officeDocument/2006/relationships" xmlns:p="http://schemas.openxmlformats.org/presentationml/2006/main">
+  <p:cSld>
+    <p:spTree>
+      <p:nvGrpSpPr>
+        <p:cNvPr id="1" name=""/>
+        <p:cNvGrpSpPr/>
+        <p:nvPr/>
+      </p:nvGrpSpPr>
+      <p:grpSpPr>
+        <a:xfrm>
+          <a:off x="0" y="0"/>
+          <a:ext cx="0" cy="0"/>
+          <a:chOff x="0" y="0"/>
+          <a:chExt cx="0" cy="0"/>
+        </a:xfrm>
+      </p:grpSpPr>
+      <p:sp>
+        <p:nvSpPr>
+          <p:cNvPr id="2" name="Title 1">
+            <a:extLst>
+              <a:ext uri="{FF2B5EF4-FFF2-40B4-BE49-F238E27FC236}">
+                <a16:creationId xmlns:a16="http://schemas.microsoft.com/office/drawing/2014/main" id="{01D43DDD-8EF1-4542-B14A-CEC9E21CC87B}"/>
+              </a:ext>
+            </a:extLst>
+          </p:cNvPr>
+          <p:cNvSpPr>
+            <a:spLocks noGrp="1"/>
+          </p:cNvSpPr>
+          <p:nvPr>
+            <p:ph type="title"/>
+          </p:nvPr>
+        </p:nvSpPr>
+        <p:spPr/>
+        <p:txBody>
+          <a:bodyPr/>
+          <a:lstStyle/>
+          <a:p>
+            <a:r>
+              <a:rPr lang="en-US"/>
+              <a:t>Resnets</a:t>
+            </a:r>
+          </a:p>
+        </p:txBody>
+      </p:sp>
+      <p:sp>
+        <p:nvSpPr>
+          <p:cNvPr id="3" name="Content Placeholder 2">
+            <a:extLst>
+              <a:ext uri="{FF2B5EF4-FFF2-40B4-BE49-F238E27FC236}">
+                <a16:creationId xmlns:a16="http://schemas.microsoft.com/office/drawing/2014/main" id="{9FD37BC1-4EAD-4286-9610-D4715112DCA8}"/>
+              </a:ext>
+            </a:extLst>
+          </p:cNvPr>
+          <p:cNvSpPr>
+            <a:spLocks noGrp="1"/>
+          </p:cNvSpPr>
+          <p:nvPr>
+            <p:ph idx="1"/>
+          </p:nvPr>
+        </p:nvSpPr>
+        <p:spPr/>
+        <p:txBody>
+          <a:bodyPr/>
+          <a:lstStyle/>
+          <a:p>
+            <a:endParaRPr lang="en-US"/>
+          </a:p>
+        </p:txBody>
+      </p:sp>
+    </p:spTree>
+    <p:extLst>
+      <p:ext uri="{BB962C8B-B14F-4D97-AF65-F5344CB8AC3E}">
+        <p14:creationId xmlns:p14="http://schemas.microsoft.com/office/powerpoint/2010/main" val="1919134356"/>
+      </p:ext>
+    </p:extLst>
+  </p:cSld>
+  <p:clrMapOvr>
+    <a:masterClrMapping/>
+  </p:clrMapOvr>
+</p:sld>
+</file>
+
+<file path=ppt/slides/slide9.xml><?xml version="1.0" encoding="utf-8"?>
+<p:sld xmlns:a="http://schemas.openxmlformats.org/drawingml/2006/main" xmlns:r="http://schemas.openxmlformats.org/officeDocument/2006/relationships" xmlns:p="http://schemas.openxmlformats.org/presentationml/2006/main">
+  <p:cSld>
+    <p:spTree>
+      <p:nvGrpSpPr>
+        <p:cNvPr id="1" name=""/>
+        <p:cNvGrpSpPr/>
+        <p:nvPr/>
+      </p:nvGrpSpPr>
+      <p:grpSpPr>
+        <a:xfrm>
+          <a:off x="0" y="0"/>
+          <a:ext cx="0" cy="0"/>
+          <a:chOff x="0" y="0"/>
+          <a:chExt cx="0" cy="0"/>
+        </a:xfrm>
+      </p:grpSpPr>
+      <p:sp>
+        <p:nvSpPr>
+          <p:cNvPr id="2" name="Title 1">
+            <a:extLst>
+              <a:ext uri="{FF2B5EF4-FFF2-40B4-BE49-F238E27FC236}">
+                <a16:creationId xmlns:a16="http://schemas.microsoft.com/office/drawing/2014/main" id="{591A09B3-1498-4826-BD29-C00D75E0F9E6}"/>
+              </a:ext>
+            </a:extLst>
+          </p:cNvPr>
+          <p:cNvSpPr>
+            <a:spLocks noGrp="1"/>
+          </p:cNvSpPr>
+          <p:nvPr>
+            <p:ph type="title"/>
+          </p:nvPr>
+        </p:nvSpPr>
+        <p:spPr/>
+        <p:txBody>
+          <a:bodyPr/>
+          <a:lstStyle/>
+          <a:p>
+            <a:r>
+              <a:rPr lang="en-US"/>
+              <a:t>YOLO</a:t>
+            </a:r>
+          </a:p>
+        </p:txBody>
+      </p:sp>
+      <p:sp>
+        <p:nvSpPr>
+          <p:cNvPr id="4" name="Rectangle 3">
+            <a:extLst>
+              <a:ext uri="{FF2B5EF4-FFF2-40B4-BE49-F238E27FC236}">
+                <a16:creationId xmlns:a16="http://schemas.microsoft.com/office/drawing/2014/main" id="{86E6C4CB-E834-4D2C-9BBB-A2D3CB548C56}"/>
+              </a:ext>
+            </a:extLst>
+          </p:cNvPr>
+          <p:cNvSpPr/>
+          <p:nvPr/>
+        </p:nvSpPr>
+        <p:spPr>
+          <a:xfrm>
+            <a:off x="1184086" y="2233327"/>
+            <a:ext cx="2937036" cy="1609344"/>
+          </a:xfrm>
+          <a:prstGeom prst="rect">
+            <a:avLst/>
+          </a:prstGeom>
+          <a:solidFill>
+            <a:schemeClr val="tx2">
+              <a:lumMod val="60000"/>
+              <a:lumOff val="40000"/>
+            </a:schemeClr>
+          </a:solidFill>
+          <a:ln>
+            <a:solidFill>
+              <a:schemeClr val="tx1">
+                <a:lumMod val="50000"/>
+                <a:lumOff val="50000"/>
+              </a:schemeClr>
+            </a:solidFill>
+          </a:ln>
+        </p:spPr>
+        <p:style>
+          <a:lnRef idx="2">
+            <a:schemeClr val="accent1">
+              <a:shade val="50000"/>
+            </a:schemeClr>
+          </a:lnRef>
+          <a:fillRef idx="1">
+            <a:schemeClr val="accent1"/>
+          </a:fillRef>
+          <a:effectRef idx="0">
+            <a:schemeClr val="accent1"/>
+          </a:effectRef>
+          <a:fontRef idx="minor">
+            <a:schemeClr val="lt1"/>
+          </a:fontRef>
+        </p:style>
+        <p:txBody>
+          <a:bodyPr rtlCol="0" anchor="ctr"/>
+          <a:lstStyle/>
+          <a:p>
+            <a:pPr algn="ctr"/>
+            <a:r>
+              <a:rPr lang="en-US"/>
+              <a:t>Predictions for each grid cell</a:t>
+            </a:r>
+          </a:p>
+        </p:txBody>
+      </p:sp>
+      <p:sp>
+        <p:nvSpPr>
+          <p:cNvPr id="5" name="Rectangle 4">
+            <a:extLst>
+              <a:ext uri="{FF2B5EF4-FFF2-40B4-BE49-F238E27FC236}">
+                <a16:creationId xmlns:a16="http://schemas.microsoft.com/office/drawing/2014/main" id="{B7AECD6B-286C-47E4-8BD1-907DF6A96830}"/>
+              </a:ext>
+            </a:extLst>
+          </p:cNvPr>
+          <p:cNvSpPr/>
+          <p:nvPr/>
+        </p:nvSpPr>
+        <p:spPr>
+          <a:xfrm>
+            <a:off x="4956160" y="2233327"/>
+            <a:ext cx="3349991" cy="1609344"/>
+          </a:xfrm>
+          <a:prstGeom prst="rect">
+            <a:avLst/>
+          </a:prstGeom>
+          <a:solidFill>
+            <a:schemeClr val="tx1">
+              <a:lumMod val="50000"/>
+              <a:lumOff val="50000"/>
+            </a:schemeClr>
+          </a:solidFill>
+          <a:ln>
+            <a:solidFill>
+              <a:schemeClr val="tx1">
+                <a:lumMod val="65000"/>
+                <a:lumOff val="35000"/>
+              </a:schemeClr>
+            </a:solidFill>
+          </a:ln>
+        </p:spPr>
+        <p:style>
+          <a:lnRef idx="2">
+            <a:schemeClr val="accent1">
+              <a:shade val="50000"/>
+            </a:schemeClr>
+          </a:lnRef>
+          <a:fillRef idx="1">
+            <a:schemeClr val="accent1"/>
+          </a:fillRef>
+          <a:effectRef idx="0">
+            <a:schemeClr val="accent1"/>
+          </a:effectRef>
+          <a:fontRef idx="minor">
+            <a:schemeClr val="lt1"/>
+          </a:fontRef>
+        </p:style>
+        <p:txBody>
+          <a:bodyPr rtlCol="0" anchor="ctr"/>
+          <a:lstStyle/>
+          <a:p>
+            <a:pPr algn="ctr"/>
+            <a:r>
+              <a:rPr lang="en-US"/>
+              <a:t>Non-max suppression for each cell and class (so, a cell can preserve objects of different classes</a:t>
+            </a:r>
+          </a:p>
+        </p:txBody>
+      </p:sp>
+      <p:sp>
+        <p:nvSpPr>
+          <p:cNvPr id="6" name="Rectangle 5">
+            <a:extLst>
+              <a:ext uri="{FF2B5EF4-FFF2-40B4-BE49-F238E27FC236}">
+                <a16:creationId xmlns:a16="http://schemas.microsoft.com/office/drawing/2014/main" id="{68AACB5E-C20B-4BC3-A056-518C8D485FEB}"/>
+              </a:ext>
+            </a:extLst>
+          </p:cNvPr>
+          <p:cNvSpPr/>
+          <p:nvPr/>
+        </p:nvSpPr>
+        <p:spPr>
+          <a:xfrm>
+            <a:off x="9232489" y="2233327"/>
+            <a:ext cx="1830205" cy="1609344"/>
+          </a:xfrm>
+          <a:prstGeom prst="rect">
+            <a:avLst/>
+          </a:prstGeom>
+          <a:solidFill>
+            <a:schemeClr val="tx1">
+              <a:lumMod val="75000"/>
+              <a:lumOff val="25000"/>
+            </a:schemeClr>
+          </a:solidFill>
+          <a:ln>
+            <a:solidFill>
+              <a:schemeClr val="tx1">
+                <a:lumMod val="85000"/>
+                <a:lumOff val="15000"/>
+              </a:schemeClr>
+            </a:solidFill>
+          </a:ln>
+        </p:spPr>
+        <p:style>
+          <a:lnRef idx="2">
+            <a:schemeClr val="accent1">
+              <a:shade val="50000"/>
+            </a:schemeClr>
+          </a:lnRef>
+          <a:fillRef idx="1">
+            <a:schemeClr val="accent1"/>
+          </a:fillRef>
+          <a:effectRef idx="0">
+            <a:schemeClr val="accent1"/>
+          </a:effectRef>
+          <a:fontRef idx="minor">
+            <a:schemeClr val="lt1"/>
+          </a:fontRef>
+        </p:style>
+        <p:txBody>
+          <a:bodyPr rtlCol="0" anchor="ctr"/>
+          <a:lstStyle/>
+          <a:p>
+            <a:pPr algn="ctr"/>
+            <a:r>
+              <a:rPr lang="en-US"/>
+              <a:t>Backprop on preserved output</a:t>
+            </a:r>
+          </a:p>
+        </p:txBody>
+      </p:sp>
+      <p:cxnSp>
+        <p:nvCxnSpPr>
+          <p:cNvPr id="8" name="Straight Arrow Connector 7">
+            <a:extLst>
+              <a:ext uri="{FF2B5EF4-FFF2-40B4-BE49-F238E27FC236}">
+                <a16:creationId xmlns:a16="http://schemas.microsoft.com/office/drawing/2014/main" id="{F3919236-BC17-4D84-B58C-7B371D93F82E}"/>
+              </a:ext>
+            </a:extLst>
+          </p:cNvPr>
+          <p:cNvCxnSpPr>
+            <a:stCxn id="4" idx="3"/>
+            <a:endCxn id="5" idx="1"/>
+          </p:cNvCxnSpPr>
+          <p:nvPr/>
+        </p:nvCxnSpPr>
+        <p:spPr>
+          <a:xfrm>
+            <a:off x="4121122" y="3037999"/>
+            <a:ext cx="835038" cy="0"/>
+          </a:xfrm>
+          <a:prstGeom prst="straightConnector1">
+            <a:avLst/>
+          </a:prstGeom>
+          <a:ln>
+            <a:solidFill>
+              <a:srgbClr val="00B0F0"/>
+            </a:solidFill>
+            <a:tailEnd type="triangle"/>
+          </a:ln>
+        </p:spPr>
+        <p:style>
+          <a:lnRef idx="1">
+            <a:schemeClr val="accent1"/>
+          </a:lnRef>
+          <a:fillRef idx="0">
+            <a:schemeClr val="accent1"/>
+          </a:fillRef>
+          <a:effectRef idx="0">
+            <a:schemeClr val="accent1"/>
+          </a:effectRef>
+          <a:fontRef idx="minor">
+            <a:schemeClr val="tx1"/>
+          </a:fontRef>
+        </p:style>
+      </p:cxnSp>
+      <p:cxnSp>
+        <p:nvCxnSpPr>
+          <p:cNvPr id="9" name="Straight Arrow Connector 8">
+            <a:extLst>
+              <a:ext uri="{FF2B5EF4-FFF2-40B4-BE49-F238E27FC236}">
+                <a16:creationId xmlns:a16="http://schemas.microsoft.com/office/drawing/2014/main" id="{C177FAEA-8D37-4BE7-86E2-085C0A97747B}"/>
+              </a:ext>
+            </a:extLst>
+          </p:cNvPr>
+          <p:cNvCxnSpPr>
+            <a:cxnSpLocks/>
+            <a:stCxn id="5" idx="3"/>
+            <a:endCxn id="6" idx="1"/>
+          </p:cNvCxnSpPr>
+          <p:nvPr/>
+        </p:nvCxnSpPr>
+        <p:spPr>
+          <a:xfrm>
+            <a:off x="8306151" y="3037999"/>
+            <a:ext cx="926338" cy="0"/>
+          </a:xfrm>
+          <a:prstGeom prst="straightConnector1">
+            <a:avLst/>
+          </a:prstGeom>
+          <a:ln>
+            <a:solidFill>
+              <a:srgbClr val="00B0F0"/>
+            </a:solidFill>
+            <a:tailEnd type="triangle"/>
+          </a:ln>
+        </p:spPr>
+        <p:style>
+          <a:lnRef idx="1">
+            <a:schemeClr val="accent1"/>
+          </a:lnRef>
+          <a:fillRef idx="0">
+            <a:schemeClr val="accent1"/>
+          </a:fillRef>
+          <a:effectRef idx="0">
+            <a:schemeClr val="accent1"/>
+          </a:effectRef>
+          <a:fontRef idx="minor">
+            <a:schemeClr val="tx1"/>
+          </a:fontRef>
+        </p:style>
+      </p:cxnSp>
+      <p:grpSp>
+        <p:nvGrpSpPr>
+          <p:cNvPr id="20" name="Group 19">
+            <a:extLst>
+              <a:ext uri="{FF2B5EF4-FFF2-40B4-BE49-F238E27FC236}">
+                <a16:creationId xmlns:a16="http://schemas.microsoft.com/office/drawing/2014/main" id="{570A713F-8D4C-4875-94B4-113CAADA0720}"/>
+              </a:ext>
+            </a:extLst>
+          </p:cNvPr>
+          <p:cNvGrpSpPr/>
+          <p:nvPr/>
+        </p:nvGrpSpPr>
+        <p:grpSpPr>
+          <a:xfrm>
+            <a:off x="1184086" y="3982022"/>
+            <a:ext cx="2937036" cy="1344342"/>
+            <a:chOff x="1184086" y="4312718"/>
+            <a:chExt cx="2937036" cy="1344342"/>
+          </a:xfrm>
+        </p:grpSpPr>
+        <p:pic>
+          <p:nvPicPr>
+            <p:cNvPr id="12" name="Picture 11">
+              <a:extLst>
+                <a:ext uri="{FF2B5EF4-FFF2-40B4-BE49-F238E27FC236}">
+                  <a16:creationId xmlns:a16="http://schemas.microsoft.com/office/drawing/2014/main" id="{75BCC701-9304-4ACB-AA05-6B326F22BB28}"/>
+                </a:ext>
+              </a:extLst>
+            </p:cNvPr>
+            <p:cNvPicPr>
+              <a:picLocks noChangeAspect="1"/>
+            </p:cNvPicPr>
+            <p:nvPr/>
+          </p:nvPicPr>
+          <p:blipFill>
+            <a:blip r:embed="rId2"/>
+            <a:stretch>
+              <a:fillRect/>
+            </a:stretch>
+          </p:blipFill>
+          <p:spPr>
+            <a:xfrm>
+              <a:off x="1184086" y="4474576"/>
+              <a:ext cx="1135537" cy="1039082"/>
+            </a:xfrm>
+            <a:prstGeom prst="rect">
+              <a:avLst/>
+            </a:prstGeom>
+          </p:spPr>
+        </p:pic>
+        <p:pic>
+          <p:nvPicPr>
+            <p:cNvPr id="13" name="Picture 12">
+              <a:extLst>
+                <a:ext uri="{FF2B5EF4-FFF2-40B4-BE49-F238E27FC236}">
+                  <a16:creationId xmlns:a16="http://schemas.microsoft.com/office/drawing/2014/main" id="{80D53500-AB7C-43C1-8D5F-18EFA5BB045D}"/>
+                </a:ext>
+              </a:extLst>
+            </p:cNvPr>
+            <p:cNvPicPr>
+              <a:picLocks noChangeAspect="1"/>
+            </p:cNvPicPr>
+            <p:nvPr/>
+          </p:nvPicPr>
+          <p:blipFill>
+            <a:blip r:embed="rId3"/>
+            <a:stretch>
+              <a:fillRect/>
+            </a:stretch>
+          </p:blipFill>
+          <p:spPr>
+            <a:xfrm>
+              <a:off x="2969601" y="4312718"/>
+              <a:ext cx="1151521" cy="1344342"/>
+            </a:xfrm>
+            <a:prstGeom prst="rect">
+              <a:avLst/>
+            </a:prstGeom>
+          </p:spPr>
+        </p:pic>
+      </p:grpSp>
+      <p:cxnSp>
+        <p:nvCxnSpPr>
+          <p:cNvPr id="15" name="Straight Arrow Connector 14">
+            <a:extLst>
+              <a:ext uri="{FF2B5EF4-FFF2-40B4-BE49-F238E27FC236}">
+                <a16:creationId xmlns:a16="http://schemas.microsoft.com/office/drawing/2014/main" id="{A25B9CDE-A367-4A67-B9D9-E28030334A3A}"/>
+              </a:ext>
+            </a:extLst>
+          </p:cNvPr>
+          <p:cNvCxnSpPr>
+            <a:stCxn id="12" idx="3"/>
+            <a:endCxn id="13" idx="1"/>
+          </p:cNvCxnSpPr>
+          <p:nvPr/>
+        </p:nvCxnSpPr>
+        <p:spPr>
+          <a:xfrm flipV="1">
+            <a:off x="2319623" y="4654193"/>
+            <a:ext cx="649978" cy="9228"/>
+          </a:xfrm>
+          <a:prstGeom prst="straightConnector1">
+            <a:avLst/>
+          </a:prstGeom>
+          <a:ln>
+            <a:solidFill>
+              <a:srgbClr val="00B0F0"/>
+            </a:solidFill>
+            <a:tailEnd type="triangle"/>
+          </a:ln>
+        </p:spPr>
+        <p:style>
+          <a:lnRef idx="1">
+            <a:schemeClr val="accent1"/>
+          </a:lnRef>
+          <a:fillRef idx="0">
+            <a:schemeClr val="accent1"/>
+          </a:fillRef>
+          <a:effectRef idx="0">
+            <a:schemeClr val="accent1"/>
+          </a:effectRef>
+          <a:fontRef idx="minor">
+            <a:schemeClr val="tx1"/>
+          </a:fontRef>
+        </p:style>
+      </p:cxnSp>
+      <p:pic>
+        <p:nvPicPr>
+          <p:cNvPr id="16" name="Picture 15">
+            <a:extLst>
+              <a:ext uri="{FF2B5EF4-FFF2-40B4-BE49-F238E27FC236}">
+                <a16:creationId xmlns:a16="http://schemas.microsoft.com/office/drawing/2014/main" id="{4C7836EA-F52D-46E2-B115-082978A100BB}"/>
+              </a:ext>
+            </a:extLst>
+          </p:cNvPr>
+          <p:cNvPicPr>
+            <a:picLocks noChangeAspect="1"/>
+          </p:cNvPicPr>
+          <p:nvPr/>
+        </p:nvPicPr>
+        <p:blipFill>
+          <a:blip r:embed="rId4"/>
+          <a:stretch>
+            <a:fillRect/>
+          </a:stretch>
+        </p:blipFill>
+        <p:spPr>
+          <a:xfrm>
+            <a:off x="8688906" y="3975172"/>
+            <a:ext cx="2503612" cy="1344342"/>
+          </a:xfrm>
+          <a:prstGeom prst="rect">
+            <a:avLst/>
+          </a:prstGeom>
+        </p:spPr>
+      </p:pic>
+      <p:grpSp>
+        <p:nvGrpSpPr>
+          <p:cNvPr id="21" name="Group 20">
+            <a:extLst>
+              <a:ext uri="{FF2B5EF4-FFF2-40B4-BE49-F238E27FC236}">
+                <a16:creationId xmlns:a16="http://schemas.microsoft.com/office/drawing/2014/main" id="{6C966F41-2CE0-4A4A-9A6D-3D9028C70583}"/>
+              </a:ext>
+            </a:extLst>
+          </p:cNvPr>
+          <p:cNvGrpSpPr/>
+          <p:nvPr/>
+        </p:nvGrpSpPr>
+        <p:grpSpPr>
+          <a:xfrm>
+            <a:off x="4956160" y="4032739"/>
+            <a:ext cx="3387475" cy="1062521"/>
+            <a:chOff x="4894578" y="4197078"/>
+            <a:chExt cx="3387475" cy="1062521"/>
+          </a:xfrm>
+        </p:grpSpPr>
+        <p:pic>
+          <p:nvPicPr>
+            <p:cNvPr id="17" name="Picture 16">
+              <a:extLst>
+                <a:ext uri="{FF2B5EF4-FFF2-40B4-BE49-F238E27FC236}">
+                  <a16:creationId xmlns:a16="http://schemas.microsoft.com/office/drawing/2014/main" id="{7A0EBA3A-7CB6-44E4-9CF2-73287A181C16}"/>
+                </a:ext>
+              </a:extLst>
+            </p:cNvPr>
+            <p:cNvPicPr>
+              <a:picLocks noChangeAspect="1"/>
+            </p:cNvPicPr>
+            <p:nvPr/>
+          </p:nvPicPr>
+          <p:blipFill>
+            <a:blip r:embed="rId5"/>
+            <a:stretch>
+              <a:fillRect/>
+            </a:stretch>
+          </p:blipFill>
+          <p:spPr>
+            <a:xfrm>
+              <a:off x="4894578" y="4197079"/>
+              <a:ext cx="1069588" cy="1062520"/>
+            </a:xfrm>
+            <a:prstGeom prst="rect">
+              <a:avLst/>
+            </a:prstGeom>
+          </p:spPr>
+        </p:pic>
+        <p:pic>
+          <p:nvPicPr>
+            <p:cNvPr id="18" name="Picture 17">
+              <a:extLst>
+                <a:ext uri="{FF2B5EF4-FFF2-40B4-BE49-F238E27FC236}">
+                  <a16:creationId xmlns:a16="http://schemas.microsoft.com/office/drawing/2014/main" id="{5356D949-D36F-4983-8AC9-A4060C1241BA}"/>
+                </a:ext>
+              </a:extLst>
+            </p:cNvPr>
+            <p:cNvPicPr>
+              <a:picLocks noChangeAspect="1"/>
+            </p:cNvPicPr>
+            <p:nvPr/>
+          </p:nvPicPr>
+          <p:blipFill>
+            <a:blip r:embed="rId6"/>
+            <a:stretch>
+              <a:fillRect/>
+            </a:stretch>
+          </p:blipFill>
+          <p:spPr>
+            <a:xfrm>
+              <a:off x="6053522" y="4197078"/>
+              <a:ext cx="1069587" cy="1062519"/>
+            </a:xfrm>
+            <a:prstGeom prst="rect">
+              <a:avLst/>
+            </a:prstGeom>
+          </p:spPr>
+        </p:pic>
+        <p:pic>
+          <p:nvPicPr>
+            <p:cNvPr id="19" name="Picture 18">
+              <a:extLst>
+                <a:ext uri="{FF2B5EF4-FFF2-40B4-BE49-F238E27FC236}">
+                  <a16:creationId xmlns:a16="http://schemas.microsoft.com/office/drawing/2014/main" id="{86BF1B68-4A07-48A3-8F89-6946405868A9}"/>
+                </a:ext>
+              </a:extLst>
+            </p:cNvPr>
+            <p:cNvPicPr>
+              <a:picLocks noChangeAspect="1"/>
+            </p:cNvPicPr>
+            <p:nvPr/>
+          </p:nvPicPr>
+          <p:blipFill>
+            <a:blip r:embed="rId7"/>
+            <a:stretch>
+              <a:fillRect/>
+            </a:stretch>
+          </p:blipFill>
+          <p:spPr>
+            <a:xfrm>
+              <a:off x="7212465" y="4200626"/>
+              <a:ext cx="1069588" cy="1055421"/>
+            </a:xfrm>
+            <a:prstGeom prst="rect">
+              <a:avLst/>
+            </a:prstGeom>
+          </p:spPr>
+        </p:pic>
+      </p:grpSp>
+    </p:spTree>
+    <p:extLst>
+      <p:ext uri="{BB962C8B-B14F-4D97-AF65-F5344CB8AC3E}">
+        <p14:creationId xmlns:p14="http://schemas.microsoft.com/office/powerpoint/2010/main" val="3105163941"/>
+      </p:ext>
+    </p:extLst>
+  </p:cSld>
+  <p:clrMapOvr>
+    <a:masterClrMapping/>
+  </p:clrMapOvr>
+</p:sld>
+</file>
+
 <file path=ppt/theme/theme1.xml><?xml version="1.0" encoding="utf-8"?>
 <a:theme xmlns:a="http://schemas.openxmlformats.org/drawingml/2006/main" name="Wood Type">
   <a:themeElements>
